--- a/ppt_N1_TALLER_DE_DISENO_DE_SOLUCIONES.pptx
+++ b/ppt_N1_TALLER_DE_DISENO_DE_SOLUCIONES.pptx
@@ -5,7 +5,7 @@
     <p:sldMasterId id="2147483684" r:id="rId1"/>
   </p:sldMasterIdLst>
   <p:notesMasterIdLst>
-    <p:notesMasterId r:id="rId28"/>
+    <p:notesMasterId r:id="rId27"/>
   </p:notesMasterIdLst>
   <p:sldIdLst>
     <p:sldId id="256" r:id="rId2"/>
@@ -27,36 +27,35 @@
     <p:sldId id="290" r:id="rId18"/>
     <p:sldId id="293" r:id="rId19"/>
     <p:sldId id="296" r:id="rId20"/>
-    <p:sldId id="298" r:id="rId21"/>
-    <p:sldId id="283" r:id="rId22"/>
-    <p:sldId id="286" r:id="rId23"/>
-    <p:sldId id="287" r:id="rId24"/>
-    <p:sldId id="288" r:id="rId25"/>
-    <p:sldId id="284" r:id="rId26"/>
-    <p:sldId id="285" r:id="rId27"/>
+    <p:sldId id="283" r:id="rId21"/>
+    <p:sldId id="286" r:id="rId22"/>
+    <p:sldId id="287" r:id="rId23"/>
+    <p:sldId id="288" r:id="rId24"/>
+    <p:sldId id="284" r:id="rId25"/>
+    <p:sldId id="285" r:id="rId26"/>
   </p:sldIdLst>
   <p:sldSz cx="9144000" cy="5143500" type="screen16x9"/>
   <p:notesSz cx="6858000" cy="9144000"/>
   <p:embeddedFontLst>
     <p:embeddedFont>
-      <p:font typeface="Russo One" panose="020B0604020202020204" charset="0"/>
-      <p:regular r:id="rId29"/>
+      <p:font typeface="Calibri" panose="020F0502020204030204" pitchFamily="34" charset="0"/>
+      <p:regular r:id="rId28"/>
+      <p:bold r:id="rId29"/>
+      <p:italic r:id="rId30"/>
+      <p:boldItalic r:id="rId31"/>
     </p:embeddedFont>
     <p:embeddedFont>
-      <p:font typeface="Didact Gothic" panose="020B0604020202020204" charset="0"/>
-      <p:regular r:id="rId30"/>
+      <p:font typeface="Charmonman" panose="00000500000000000000" pitchFamily="2" charset="-34"/>
+      <p:regular r:id="rId32"/>
+      <p:bold r:id="rId33"/>
     </p:embeddedFont>
     <p:embeddedFont>
-      <p:font typeface="Charmonman" panose="020B0604020202020204" charset="-34"/>
-      <p:regular r:id="rId31"/>
-      <p:bold r:id="rId32"/>
+      <p:font typeface="Didact Gothic" panose="00000500000000000000" pitchFamily="2" charset="0"/>
+      <p:regular r:id="rId34"/>
     </p:embeddedFont>
     <p:embeddedFont>
-      <p:font typeface="Calibri" panose="020F0502020204030204" pitchFamily="34" charset="0"/>
-      <p:regular r:id="rId33"/>
-      <p:bold r:id="rId34"/>
-      <p:italic r:id="rId35"/>
-      <p:boldItalic r:id="rId36"/>
+      <p:font typeface="Russo One" panose="020B0604020202020204" charset="0"/>
+      <p:regular r:id="rId35"/>
     </p:embeddedFont>
   </p:embeddedFontLst>
   <p:defaultTextStyle>
@@ -834,7 +833,7 @@
               </a:spcAft>
               <a:buNone/>
             </a:pPr>
-            <a:endParaRPr/>
+            <a:endParaRPr dirty="0"/>
           </a:p>
         </p:txBody>
       </p:sp>
@@ -943,7 +942,7 @@
               </a:spcAft>
               <a:buNone/>
             </a:pPr>
-            <a:endParaRPr/>
+            <a:endParaRPr dirty="0"/>
           </a:p>
         </p:txBody>
       </p:sp>
@@ -1052,7 +1051,7 @@
               </a:spcAft>
               <a:buNone/>
             </a:pPr>
-            <a:endParaRPr/>
+            <a:endParaRPr dirty="0"/>
           </a:p>
         </p:txBody>
       </p:sp>
@@ -1060,6 +1059,67 @@
     <p:extLst>
       <p:ext uri="{BB962C8B-B14F-4D97-AF65-F5344CB8AC3E}">
         <p14:creationId xmlns:p14="http://schemas.microsoft.com/office/powerpoint/2010/main" val="412961929"/>
+      </p:ext>
+    </p:extLst>
+  </p:cSld>
+  <p:clrMapOvr>
+    <a:masterClrMapping/>
+  </p:clrMapOvr>
+</p:notes>
+</file>
+
+<file path=ppt/notesSlides/notesSlide4.xml><?xml version="1.0" encoding="utf-8"?>
+<p:notes xmlns:a="http://schemas.openxmlformats.org/drawingml/2006/main" xmlns:r="http://schemas.openxmlformats.org/officeDocument/2006/relationships" xmlns:p="http://schemas.openxmlformats.org/presentationml/2006/main">
+  <p:cSld>
+    <p:spTree>
+      <p:nvGrpSpPr>
+        <p:cNvPr id="1" name=""/>
+        <p:cNvGrpSpPr/>
+        <p:nvPr/>
+      </p:nvGrpSpPr>
+      <p:grpSpPr>
+        <a:xfrm>
+          <a:off x="0" y="0"/>
+          <a:ext cx="0" cy="0"/>
+          <a:chOff x="0" y="0"/>
+          <a:chExt cx="0" cy="0"/>
+        </a:xfrm>
+      </p:grpSpPr>
+      <p:sp>
+        <p:nvSpPr>
+          <p:cNvPr id="2" name="Marcador de imagen de diapositiva 1"/>
+          <p:cNvSpPr>
+            <a:spLocks noGrp="1" noRot="1" noChangeAspect="1"/>
+          </p:cNvSpPr>
+          <p:nvPr>
+            <p:ph type="sldImg"/>
+          </p:nvPr>
+        </p:nvSpPr>
+        <p:spPr/>
+      </p:sp>
+      <p:sp>
+        <p:nvSpPr>
+          <p:cNvPr id="3" name="Marcador de notas 2"/>
+          <p:cNvSpPr>
+            <a:spLocks noGrp="1"/>
+          </p:cNvSpPr>
+          <p:nvPr>
+            <p:ph type="body" idx="1"/>
+          </p:nvPr>
+        </p:nvSpPr>
+        <p:spPr/>
+        <p:txBody>
+          <a:bodyPr/>
+          <a:lstStyle/>
+          <a:p>
+            <a:endParaRPr lang="es-CL" dirty="0"/>
+          </a:p>
+        </p:txBody>
+      </p:sp>
+    </p:spTree>
+    <p:extLst>
+      <p:ext uri="{BB962C8B-B14F-4D97-AF65-F5344CB8AC3E}">
+        <p14:creationId xmlns:p14="http://schemas.microsoft.com/office/powerpoint/2010/main" val="3077476808"/>
       </p:ext>
     </p:extLst>
   </p:cSld>
@@ -3627,7 +3687,7 @@
     <p:sldLayoutId id="2147483680" r:id="rId8"/>
     <p:sldLayoutId id="2147483681" r:id="rId9"/>
   </p:sldLayoutIdLst>
-  <p:hf hdr="0" ftr="0" dt="0"/>
+  <p:hf hdr="0" dt="0"/>
   <p:txStyles>
     <p:titleStyle>
       <a:defPPr marR="0" lvl="0" algn="l" rtl="0">
@@ -4362,8 +4422,8 @@
         </p:nvSpPr>
         <p:spPr>
           <a:xfrm>
-            <a:off x="809529" y="356512"/>
-            <a:ext cx="7704000" cy="1645800"/>
+            <a:off x="1347034" y="950083"/>
+            <a:ext cx="6505671" cy="1196623"/>
           </a:xfrm>
           <a:prstGeom prst="rect">
             <a:avLst/>
@@ -4528,6 +4588,3339 @@
           </a:p>
         </p:txBody>
       </p:sp>
+      <p:grpSp>
+        <p:nvGrpSpPr>
+          <p:cNvPr id="36" name="Grupo 35">
+            <a:extLst>
+              <a:ext uri="{FF2B5EF4-FFF2-40B4-BE49-F238E27FC236}">
+                <a16:creationId xmlns:a16="http://schemas.microsoft.com/office/drawing/2014/main" id="{889E1B45-C3B9-2227-23D5-9E2D87B2D35F}"/>
+              </a:ext>
+            </a:extLst>
+          </p:cNvPr>
+          <p:cNvGrpSpPr>
+            <a:grpSpLocks/>
+          </p:cNvGrpSpPr>
+          <p:nvPr/>
+        </p:nvGrpSpPr>
+        <p:grpSpPr bwMode="auto">
+          <a:xfrm>
+            <a:off x="0" y="1"/>
+            <a:ext cx="9143999" cy="1062317"/>
+            <a:chOff x="451" y="454"/>
+            <a:chExt cx="16108" cy="2371"/>
+          </a:xfrm>
+        </p:grpSpPr>
+        <p:grpSp>
+          <p:nvGrpSpPr>
+            <p:cNvPr id="37" name="Group 13">
+              <a:extLst>
+                <a:ext uri="{FF2B5EF4-FFF2-40B4-BE49-F238E27FC236}">
+                  <a16:creationId xmlns:a16="http://schemas.microsoft.com/office/drawing/2014/main" id="{236998E3-DAB3-F4D3-2DDA-934E7ABE207D}"/>
+                </a:ext>
+              </a:extLst>
+            </p:cNvPr>
+            <p:cNvGrpSpPr>
+              <a:grpSpLocks/>
+            </p:cNvGrpSpPr>
+            <p:nvPr/>
+          </p:nvGrpSpPr>
+          <p:grpSpPr bwMode="auto">
+            <a:xfrm>
+              <a:off x="9765" y="454"/>
+              <a:ext cx="6794" cy="266"/>
+              <a:chOff x="9765" y="454"/>
+              <a:chExt cx="6794" cy="266"/>
+            </a:xfrm>
+          </p:grpSpPr>
+          <p:sp>
+            <p:nvSpPr>
+              <p:cNvPr id="194" name="Freeform 14">
+                <a:extLst>
+                  <a:ext uri="{FF2B5EF4-FFF2-40B4-BE49-F238E27FC236}">
+                    <a16:creationId xmlns:a16="http://schemas.microsoft.com/office/drawing/2014/main" id="{7412B739-12E6-BFA0-492F-17320E15B1E7}"/>
+                  </a:ext>
+                </a:extLst>
+              </p:cNvPr>
+              <p:cNvSpPr>
+                <a:spLocks/>
+              </p:cNvSpPr>
+              <p:nvPr/>
+            </p:nvSpPr>
+            <p:spPr bwMode="auto">
+              <a:xfrm>
+                <a:off x="9765" y="454"/>
+                <a:ext cx="6794" cy="266"/>
+              </a:xfrm>
+              <a:custGeom>
+                <a:avLst/>
+                <a:gdLst>
+                  <a:gd name="T0" fmla="+- 0 9765 9765"/>
+                  <a:gd name="T1" fmla="*/ T0 w 2021"/>
+                  <a:gd name="T2" fmla="+- 0 720 454"/>
+                  <a:gd name="T3" fmla="*/ 720 h 266"/>
+                  <a:gd name="T4" fmla="+- 0 11786 9765"/>
+                  <a:gd name="T5" fmla="*/ T4 w 2021"/>
+                  <a:gd name="T6" fmla="+- 0 720 454"/>
+                  <a:gd name="T7" fmla="*/ 720 h 266"/>
+                  <a:gd name="T8" fmla="+- 0 11786 9765"/>
+                  <a:gd name="T9" fmla="*/ T8 w 2021"/>
+                  <a:gd name="T10" fmla="+- 0 454 454"/>
+                  <a:gd name="T11" fmla="*/ 454 h 266"/>
+                  <a:gd name="T12" fmla="+- 0 9765 9765"/>
+                  <a:gd name="T13" fmla="*/ T12 w 2021"/>
+                  <a:gd name="T14" fmla="+- 0 454 454"/>
+                  <a:gd name="T15" fmla="*/ 454 h 266"/>
+                  <a:gd name="T16" fmla="+- 0 9765 9765"/>
+                  <a:gd name="T17" fmla="*/ T16 w 2021"/>
+                  <a:gd name="T18" fmla="+- 0 720 454"/>
+                  <a:gd name="T19" fmla="*/ 720 h 266"/>
+                </a:gdLst>
+                <a:ahLst/>
+                <a:cxnLst>
+                  <a:cxn ang="0">
+                    <a:pos x="T1" y="T3"/>
+                  </a:cxn>
+                  <a:cxn ang="0">
+                    <a:pos x="T5" y="T7"/>
+                  </a:cxn>
+                  <a:cxn ang="0">
+                    <a:pos x="T9" y="T11"/>
+                  </a:cxn>
+                  <a:cxn ang="0">
+                    <a:pos x="T13" y="T15"/>
+                  </a:cxn>
+                  <a:cxn ang="0">
+                    <a:pos x="T17" y="T19"/>
+                  </a:cxn>
+                </a:cxnLst>
+                <a:rect l="0" t="0" r="r" b="b"/>
+                <a:pathLst>
+                  <a:path w="2021" h="266">
+                    <a:moveTo>
+                      <a:pt x="0" y="266"/>
+                    </a:moveTo>
+                    <a:lnTo>
+                      <a:pt x="2021" y="266"/>
+                    </a:lnTo>
+                    <a:lnTo>
+                      <a:pt x="2021" y="0"/>
+                    </a:lnTo>
+                    <a:lnTo>
+                      <a:pt x="0" y="0"/>
+                    </a:lnTo>
+                    <a:lnTo>
+                      <a:pt x="0" y="266"/>
+                    </a:lnTo>
+                  </a:path>
+                </a:pathLst>
+              </a:custGeom>
+              <a:solidFill>
+                <a:srgbClr val="ED1C24"/>
+              </a:solidFill>
+              <a:ln>
+                <a:noFill/>
+              </a:ln>
+              <a:extLst>
+                <a:ext uri="{91240B29-F687-4F45-9708-019B960494DF}">
+                  <a14:hiddenLine xmlns:a14="http://schemas.microsoft.com/office/drawing/2010/main" w="9525">
+                    <a:solidFill>
+                      <a:srgbClr val="000000"/>
+                    </a:solidFill>
+                    <a:round/>
+                    <a:headEnd/>
+                    <a:tailEnd/>
+                  </a14:hiddenLine>
+                </a:ext>
+              </a:extLst>
+            </p:spPr>
+            <p:txBody>
+              <a:bodyPr rot="0" vert="horz" wrap="square" lIns="91440" tIns="45720" rIns="91440" bIns="45720" anchor="t" anchorCtr="0" upright="1">
+                <a:noAutofit/>
+              </a:bodyPr>
+              <a:lstStyle/>
+              <a:p>
+                <a:endParaRPr lang="es-CL" dirty="0"/>
+              </a:p>
+            </p:txBody>
+          </p:sp>
+        </p:grpSp>
+        <p:grpSp>
+          <p:nvGrpSpPr>
+            <p:cNvPr id="38" name="Group 15">
+              <a:extLst>
+                <a:ext uri="{FF2B5EF4-FFF2-40B4-BE49-F238E27FC236}">
+                  <a16:creationId xmlns:a16="http://schemas.microsoft.com/office/drawing/2014/main" id="{A3C56A4E-5384-9DF0-0FF0-54A350F4DAA9}"/>
+                </a:ext>
+              </a:extLst>
+            </p:cNvPr>
+            <p:cNvGrpSpPr>
+              <a:grpSpLocks/>
+            </p:cNvGrpSpPr>
+            <p:nvPr/>
+          </p:nvGrpSpPr>
+          <p:grpSpPr bwMode="auto">
+            <a:xfrm>
+              <a:off x="3658" y="454"/>
+              <a:ext cx="8341" cy="266"/>
+              <a:chOff x="3658" y="454"/>
+              <a:chExt cx="8341" cy="266"/>
+            </a:xfrm>
+          </p:grpSpPr>
+          <p:sp>
+            <p:nvSpPr>
+              <p:cNvPr id="193" name="Freeform 16">
+                <a:extLst>
+                  <a:ext uri="{FF2B5EF4-FFF2-40B4-BE49-F238E27FC236}">
+                    <a16:creationId xmlns:a16="http://schemas.microsoft.com/office/drawing/2014/main" id="{8FD7CE53-73E7-CBF3-52C1-1E125EC4607B}"/>
+                  </a:ext>
+                </a:extLst>
+              </p:cNvPr>
+              <p:cNvSpPr>
+                <a:spLocks/>
+              </p:cNvSpPr>
+              <p:nvPr/>
+            </p:nvSpPr>
+            <p:spPr bwMode="auto">
+              <a:xfrm>
+                <a:off x="3658" y="454"/>
+                <a:ext cx="8341" cy="266"/>
+              </a:xfrm>
+              <a:custGeom>
+                <a:avLst/>
+                <a:gdLst>
+                  <a:gd name="T0" fmla="+- 0 3658 3658"/>
+                  <a:gd name="T1" fmla="*/ T0 w 6107"/>
+                  <a:gd name="T2" fmla="+- 0 720 454"/>
+                  <a:gd name="T3" fmla="*/ 720 h 266"/>
+                  <a:gd name="T4" fmla="+- 0 9765 3658"/>
+                  <a:gd name="T5" fmla="*/ T4 w 6107"/>
+                  <a:gd name="T6" fmla="+- 0 720 454"/>
+                  <a:gd name="T7" fmla="*/ 720 h 266"/>
+                  <a:gd name="T8" fmla="+- 0 9765 3658"/>
+                  <a:gd name="T9" fmla="*/ T8 w 6107"/>
+                  <a:gd name="T10" fmla="+- 0 454 454"/>
+                  <a:gd name="T11" fmla="*/ 454 h 266"/>
+                  <a:gd name="T12" fmla="+- 0 3658 3658"/>
+                  <a:gd name="T13" fmla="*/ T12 w 6107"/>
+                  <a:gd name="T14" fmla="+- 0 454 454"/>
+                  <a:gd name="T15" fmla="*/ 454 h 266"/>
+                  <a:gd name="T16" fmla="+- 0 3658 3658"/>
+                  <a:gd name="T17" fmla="*/ T16 w 6107"/>
+                  <a:gd name="T18" fmla="+- 0 720 454"/>
+                  <a:gd name="T19" fmla="*/ 720 h 266"/>
+                </a:gdLst>
+                <a:ahLst/>
+                <a:cxnLst>
+                  <a:cxn ang="0">
+                    <a:pos x="T1" y="T3"/>
+                  </a:cxn>
+                  <a:cxn ang="0">
+                    <a:pos x="T5" y="T7"/>
+                  </a:cxn>
+                  <a:cxn ang="0">
+                    <a:pos x="T9" y="T11"/>
+                  </a:cxn>
+                  <a:cxn ang="0">
+                    <a:pos x="T13" y="T15"/>
+                  </a:cxn>
+                  <a:cxn ang="0">
+                    <a:pos x="T17" y="T19"/>
+                  </a:cxn>
+                </a:cxnLst>
+                <a:rect l="0" t="0" r="r" b="b"/>
+                <a:pathLst>
+                  <a:path w="6107" h="266">
+                    <a:moveTo>
+                      <a:pt x="0" y="266"/>
+                    </a:moveTo>
+                    <a:lnTo>
+                      <a:pt x="6107" y="266"/>
+                    </a:lnTo>
+                    <a:lnTo>
+                      <a:pt x="6107" y="0"/>
+                    </a:lnTo>
+                    <a:lnTo>
+                      <a:pt x="0" y="0"/>
+                    </a:lnTo>
+                    <a:lnTo>
+                      <a:pt x="0" y="266"/>
+                    </a:lnTo>
+                    <a:close/>
+                  </a:path>
+                </a:pathLst>
+              </a:custGeom>
+              <a:solidFill>
+                <a:srgbClr val="939598"/>
+              </a:solidFill>
+              <a:ln>
+                <a:noFill/>
+              </a:ln>
+              <a:extLst>
+                <a:ext uri="{91240B29-F687-4F45-9708-019B960494DF}">
+                  <a14:hiddenLine xmlns:a14="http://schemas.microsoft.com/office/drawing/2010/main" w="9525">
+                    <a:solidFill>
+                      <a:srgbClr val="000000"/>
+                    </a:solidFill>
+                    <a:round/>
+                    <a:headEnd/>
+                    <a:tailEnd/>
+                  </a14:hiddenLine>
+                </a:ext>
+              </a:extLst>
+            </p:spPr>
+            <p:txBody>
+              <a:bodyPr rot="0" vert="horz" wrap="square" lIns="91440" tIns="45720" rIns="91440" bIns="45720" anchor="t" anchorCtr="0" upright="1">
+                <a:noAutofit/>
+              </a:bodyPr>
+              <a:lstStyle/>
+              <a:p>
+                <a:endParaRPr lang="es-CL" dirty="0"/>
+              </a:p>
+            </p:txBody>
+          </p:sp>
+        </p:grpSp>
+        <p:grpSp>
+          <p:nvGrpSpPr>
+            <p:cNvPr id="39" name="Group 17">
+              <a:extLst>
+                <a:ext uri="{FF2B5EF4-FFF2-40B4-BE49-F238E27FC236}">
+                  <a16:creationId xmlns:a16="http://schemas.microsoft.com/office/drawing/2014/main" id="{1DC0F948-B1C1-08A3-66A5-93A9D8FFD3C9}"/>
+                </a:ext>
+              </a:extLst>
+            </p:cNvPr>
+            <p:cNvGrpSpPr>
+              <a:grpSpLocks/>
+            </p:cNvGrpSpPr>
+            <p:nvPr/>
+          </p:nvGrpSpPr>
+          <p:grpSpPr bwMode="auto">
+            <a:xfrm>
+              <a:off x="451" y="454"/>
+              <a:ext cx="841" cy="266"/>
+              <a:chOff x="451" y="454"/>
+              <a:chExt cx="841" cy="266"/>
+            </a:xfrm>
+          </p:grpSpPr>
+          <p:sp>
+            <p:nvSpPr>
+              <p:cNvPr id="192" name="Freeform 18">
+                <a:extLst>
+                  <a:ext uri="{FF2B5EF4-FFF2-40B4-BE49-F238E27FC236}">
+                    <a16:creationId xmlns:a16="http://schemas.microsoft.com/office/drawing/2014/main" id="{11B4BFA8-4EB0-2323-928E-F1828E593E97}"/>
+                  </a:ext>
+                </a:extLst>
+              </p:cNvPr>
+              <p:cNvSpPr>
+                <a:spLocks/>
+              </p:cNvSpPr>
+              <p:nvPr/>
+            </p:nvSpPr>
+            <p:spPr bwMode="auto">
+              <a:xfrm>
+                <a:off x="451" y="454"/>
+                <a:ext cx="841" cy="266"/>
+              </a:xfrm>
+              <a:custGeom>
+                <a:avLst/>
+                <a:gdLst>
+                  <a:gd name="T0" fmla="+- 0 451 451"/>
+                  <a:gd name="T1" fmla="*/ T0 w 841"/>
+                  <a:gd name="T2" fmla="+- 0 720 454"/>
+                  <a:gd name="T3" fmla="*/ 720 h 266"/>
+                  <a:gd name="T4" fmla="+- 0 1291 451"/>
+                  <a:gd name="T5" fmla="*/ T4 w 841"/>
+                  <a:gd name="T6" fmla="+- 0 720 454"/>
+                  <a:gd name="T7" fmla="*/ 720 h 266"/>
+                  <a:gd name="T8" fmla="+- 0 1291 451"/>
+                  <a:gd name="T9" fmla="*/ T8 w 841"/>
+                  <a:gd name="T10" fmla="+- 0 454 454"/>
+                  <a:gd name="T11" fmla="*/ 454 h 266"/>
+                  <a:gd name="T12" fmla="+- 0 451 451"/>
+                  <a:gd name="T13" fmla="*/ T12 w 841"/>
+                  <a:gd name="T14" fmla="+- 0 454 454"/>
+                  <a:gd name="T15" fmla="*/ 454 h 266"/>
+                  <a:gd name="T16" fmla="+- 0 451 451"/>
+                  <a:gd name="T17" fmla="*/ T16 w 841"/>
+                  <a:gd name="T18" fmla="+- 0 720 454"/>
+                  <a:gd name="T19" fmla="*/ 720 h 266"/>
+                </a:gdLst>
+                <a:ahLst/>
+                <a:cxnLst>
+                  <a:cxn ang="0">
+                    <a:pos x="T1" y="T3"/>
+                  </a:cxn>
+                  <a:cxn ang="0">
+                    <a:pos x="T5" y="T7"/>
+                  </a:cxn>
+                  <a:cxn ang="0">
+                    <a:pos x="T9" y="T11"/>
+                  </a:cxn>
+                  <a:cxn ang="0">
+                    <a:pos x="T13" y="T15"/>
+                  </a:cxn>
+                  <a:cxn ang="0">
+                    <a:pos x="T17" y="T19"/>
+                  </a:cxn>
+                </a:cxnLst>
+                <a:rect l="0" t="0" r="r" b="b"/>
+                <a:pathLst>
+                  <a:path w="841" h="266">
+                    <a:moveTo>
+                      <a:pt x="0" y="266"/>
+                    </a:moveTo>
+                    <a:lnTo>
+                      <a:pt x="840" y="266"/>
+                    </a:lnTo>
+                    <a:lnTo>
+                      <a:pt x="840" y="0"/>
+                    </a:lnTo>
+                    <a:lnTo>
+                      <a:pt x="0" y="0"/>
+                    </a:lnTo>
+                    <a:lnTo>
+                      <a:pt x="0" y="266"/>
+                    </a:lnTo>
+                    <a:close/>
+                  </a:path>
+                </a:pathLst>
+              </a:custGeom>
+              <a:solidFill>
+                <a:srgbClr val="939598"/>
+              </a:solidFill>
+              <a:ln>
+                <a:noFill/>
+              </a:ln>
+              <a:extLst>
+                <a:ext uri="{91240B29-F687-4F45-9708-019B960494DF}">
+                  <a14:hiddenLine xmlns:a14="http://schemas.microsoft.com/office/drawing/2010/main" w="9525">
+                    <a:solidFill>
+                      <a:srgbClr val="000000"/>
+                    </a:solidFill>
+                    <a:round/>
+                    <a:headEnd/>
+                    <a:tailEnd/>
+                  </a14:hiddenLine>
+                </a:ext>
+              </a:extLst>
+            </p:spPr>
+            <p:txBody>
+              <a:bodyPr rot="0" vert="horz" wrap="square" lIns="91440" tIns="45720" rIns="91440" bIns="45720" anchor="t" anchorCtr="0" upright="1">
+                <a:noAutofit/>
+              </a:bodyPr>
+              <a:lstStyle/>
+              <a:p>
+                <a:endParaRPr lang="es-CL" dirty="0"/>
+              </a:p>
+            </p:txBody>
+          </p:sp>
+        </p:grpSp>
+        <p:grpSp>
+          <p:nvGrpSpPr>
+            <p:cNvPr id="40" name="Group 19">
+              <a:extLst>
+                <a:ext uri="{FF2B5EF4-FFF2-40B4-BE49-F238E27FC236}">
+                  <a16:creationId xmlns:a16="http://schemas.microsoft.com/office/drawing/2014/main" id="{95CEBB81-23E0-03AE-4BD1-4506C80483E2}"/>
+                </a:ext>
+              </a:extLst>
+            </p:cNvPr>
+            <p:cNvGrpSpPr>
+              <a:grpSpLocks/>
+            </p:cNvGrpSpPr>
+            <p:nvPr/>
+          </p:nvGrpSpPr>
+          <p:grpSpPr bwMode="auto">
+            <a:xfrm>
+              <a:off x="1291" y="454"/>
+              <a:ext cx="2366" cy="2371"/>
+              <a:chOff x="1291" y="454"/>
+              <a:chExt cx="2366" cy="2371"/>
+            </a:xfrm>
+          </p:grpSpPr>
+          <p:sp>
+            <p:nvSpPr>
+              <p:cNvPr id="63" name="Freeform 20">
+                <a:extLst>
+                  <a:ext uri="{FF2B5EF4-FFF2-40B4-BE49-F238E27FC236}">
+                    <a16:creationId xmlns:a16="http://schemas.microsoft.com/office/drawing/2014/main" id="{BA1758E3-98D4-3877-7968-CDD442745DF9}"/>
+                  </a:ext>
+                </a:extLst>
+              </p:cNvPr>
+              <p:cNvSpPr>
+                <a:spLocks/>
+              </p:cNvSpPr>
+              <p:nvPr/>
+            </p:nvSpPr>
+            <p:spPr bwMode="auto">
+              <a:xfrm>
+                <a:off x="1291" y="454"/>
+                <a:ext cx="2366" cy="2371"/>
+              </a:xfrm>
+              <a:custGeom>
+                <a:avLst/>
+                <a:gdLst>
+                  <a:gd name="T0" fmla="+- 0 1291 1291"/>
+                  <a:gd name="T1" fmla="*/ T0 w 2366"/>
+                  <a:gd name="T2" fmla="+- 0 2824 454"/>
+                  <a:gd name="T3" fmla="*/ 2824 h 2371"/>
+                  <a:gd name="T4" fmla="+- 0 3658 1291"/>
+                  <a:gd name="T5" fmla="*/ T4 w 2366"/>
+                  <a:gd name="T6" fmla="+- 0 2824 454"/>
+                  <a:gd name="T7" fmla="*/ 2824 h 2371"/>
+                  <a:gd name="T8" fmla="+- 0 3658 1291"/>
+                  <a:gd name="T9" fmla="*/ T8 w 2366"/>
+                  <a:gd name="T10" fmla="+- 0 454 454"/>
+                  <a:gd name="T11" fmla="*/ 454 h 2371"/>
+                  <a:gd name="T12" fmla="+- 0 1291 1291"/>
+                  <a:gd name="T13" fmla="*/ T12 w 2366"/>
+                  <a:gd name="T14" fmla="+- 0 454 454"/>
+                  <a:gd name="T15" fmla="*/ 454 h 2371"/>
+                  <a:gd name="T16" fmla="+- 0 1291 1291"/>
+                  <a:gd name="T17" fmla="*/ T16 w 2366"/>
+                  <a:gd name="T18" fmla="+- 0 2824 454"/>
+                  <a:gd name="T19" fmla="*/ 2824 h 2371"/>
+                </a:gdLst>
+                <a:ahLst/>
+                <a:cxnLst>
+                  <a:cxn ang="0">
+                    <a:pos x="T1" y="T3"/>
+                  </a:cxn>
+                  <a:cxn ang="0">
+                    <a:pos x="T5" y="T7"/>
+                  </a:cxn>
+                  <a:cxn ang="0">
+                    <a:pos x="T9" y="T11"/>
+                  </a:cxn>
+                  <a:cxn ang="0">
+                    <a:pos x="T13" y="T15"/>
+                  </a:cxn>
+                  <a:cxn ang="0">
+                    <a:pos x="T17" y="T19"/>
+                  </a:cxn>
+                </a:cxnLst>
+                <a:rect l="0" t="0" r="r" b="b"/>
+                <a:pathLst>
+                  <a:path w="2366" h="2371">
+                    <a:moveTo>
+                      <a:pt x="0" y="2370"/>
+                    </a:moveTo>
+                    <a:lnTo>
+                      <a:pt x="2367" y="2370"/>
+                    </a:lnTo>
+                    <a:lnTo>
+                      <a:pt x="2367" y="0"/>
+                    </a:lnTo>
+                    <a:lnTo>
+                      <a:pt x="0" y="0"/>
+                    </a:lnTo>
+                    <a:lnTo>
+                      <a:pt x="0" y="2370"/>
+                    </a:lnTo>
+                  </a:path>
+                </a:pathLst>
+              </a:custGeom>
+              <a:solidFill>
+                <a:srgbClr val="ED1C24"/>
+              </a:solidFill>
+              <a:ln>
+                <a:noFill/>
+              </a:ln>
+              <a:extLst>
+                <a:ext uri="{91240B29-F687-4F45-9708-019B960494DF}">
+                  <a14:hiddenLine xmlns:a14="http://schemas.microsoft.com/office/drawing/2010/main" w="9525">
+                    <a:solidFill>
+                      <a:srgbClr val="000000"/>
+                    </a:solidFill>
+                    <a:round/>
+                    <a:headEnd/>
+                    <a:tailEnd/>
+                  </a14:hiddenLine>
+                </a:ext>
+              </a:extLst>
+            </p:spPr>
+            <p:txBody>
+              <a:bodyPr rot="0" vert="horz" wrap="square" lIns="91440" tIns="45720" rIns="91440" bIns="45720" anchor="t" anchorCtr="0" upright="1">
+                <a:noAutofit/>
+              </a:bodyPr>
+              <a:lstStyle/>
+              <a:p>
+                <a:pPr algn="ctr"/>
+                <a:r>
+                  <a:rPr lang="es-CL" sz="1100" dirty="0">
+                    <a:latin typeface="+mj-lt"/>
+                  </a:rPr>
+                  <a:t>ANALISTA PROGAMADOR</a:t>
+                </a:r>
+              </a:p>
+            </p:txBody>
+          </p:sp>
+        </p:grpSp>
+        <p:grpSp>
+          <p:nvGrpSpPr>
+            <p:cNvPr id="41" name="Group 21">
+              <a:extLst>
+                <a:ext uri="{FF2B5EF4-FFF2-40B4-BE49-F238E27FC236}">
+                  <a16:creationId xmlns:a16="http://schemas.microsoft.com/office/drawing/2014/main" id="{EE2942AA-0C9A-1C7D-DF35-132874694769}"/>
+                </a:ext>
+              </a:extLst>
+            </p:cNvPr>
+            <p:cNvGrpSpPr>
+              <a:grpSpLocks/>
+            </p:cNvGrpSpPr>
+            <p:nvPr/>
+          </p:nvGrpSpPr>
+          <p:grpSpPr bwMode="auto">
+            <a:xfrm>
+              <a:off x="1625" y="2043"/>
+              <a:ext cx="357" cy="358"/>
+              <a:chOff x="1625" y="2043"/>
+              <a:chExt cx="357" cy="358"/>
+            </a:xfrm>
+          </p:grpSpPr>
+          <p:sp>
+            <p:nvSpPr>
+              <p:cNvPr id="61" name="Freeform 22">
+                <a:extLst>
+                  <a:ext uri="{FF2B5EF4-FFF2-40B4-BE49-F238E27FC236}">
+                    <a16:creationId xmlns:a16="http://schemas.microsoft.com/office/drawing/2014/main" id="{728F44CA-E11A-66B5-8527-E21005DDAA77}"/>
+                  </a:ext>
+                </a:extLst>
+              </p:cNvPr>
+              <p:cNvSpPr>
+                <a:spLocks/>
+              </p:cNvSpPr>
+              <p:nvPr/>
+            </p:nvSpPr>
+            <p:spPr bwMode="auto">
+              <a:xfrm>
+                <a:off x="1625" y="2043"/>
+                <a:ext cx="357" cy="358"/>
+              </a:xfrm>
+              <a:custGeom>
+                <a:avLst/>
+                <a:gdLst>
+                  <a:gd name="T0" fmla="+- 0 1983 1625"/>
+                  <a:gd name="T1" fmla="*/ T0 w 357"/>
+                  <a:gd name="T2" fmla="+- 0 2043 2043"/>
+                  <a:gd name="T3" fmla="*/ 2043 h 358"/>
+                  <a:gd name="T4" fmla="+- 0 1625 1625"/>
+                  <a:gd name="T5" fmla="*/ T4 w 357"/>
+                  <a:gd name="T6" fmla="+- 0 2043 2043"/>
+                  <a:gd name="T7" fmla="*/ 2043 h 358"/>
+                  <a:gd name="T8" fmla="+- 0 1625 1625"/>
+                  <a:gd name="T9" fmla="*/ T8 w 357"/>
+                  <a:gd name="T10" fmla="+- 0 2401 2043"/>
+                  <a:gd name="T11" fmla="*/ 2401 h 358"/>
+                  <a:gd name="T12" fmla="+- 0 1866 1625"/>
+                  <a:gd name="T13" fmla="*/ T12 w 357"/>
+                  <a:gd name="T14" fmla="+- 0 2401 2043"/>
+                  <a:gd name="T15" fmla="*/ 2401 h 358"/>
+                  <a:gd name="T16" fmla="+- 0 1866 1625"/>
+                  <a:gd name="T17" fmla="*/ T16 w 357"/>
+                  <a:gd name="T18" fmla="+- 0 2172 2043"/>
+                  <a:gd name="T19" fmla="*/ 2172 h 358"/>
+                  <a:gd name="T20" fmla="+- 0 1983 1625"/>
+                  <a:gd name="T21" fmla="*/ T20 w 357"/>
+                  <a:gd name="T22" fmla="+- 0 2172 2043"/>
+                  <a:gd name="T23" fmla="*/ 2172 h 358"/>
+                  <a:gd name="T24" fmla="+- 0 1983 1625"/>
+                  <a:gd name="T25" fmla="*/ T24 w 357"/>
+                  <a:gd name="T26" fmla="+- 0 2043 2043"/>
+                  <a:gd name="T27" fmla="*/ 2043 h 358"/>
+                </a:gdLst>
+                <a:ahLst/>
+                <a:cxnLst>
+                  <a:cxn ang="0">
+                    <a:pos x="T1" y="T3"/>
+                  </a:cxn>
+                  <a:cxn ang="0">
+                    <a:pos x="T5" y="T7"/>
+                  </a:cxn>
+                  <a:cxn ang="0">
+                    <a:pos x="T9" y="T11"/>
+                  </a:cxn>
+                  <a:cxn ang="0">
+                    <a:pos x="T13" y="T15"/>
+                  </a:cxn>
+                  <a:cxn ang="0">
+                    <a:pos x="T17" y="T19"/>
+                  </a:cxn>
+                  <a:cxn ang="0">
+                    <a:pos x="T21" y="T23"/>
+                  </a:cxn>
+                  <a:cxn ang="0">
+                    <a:pos x="T25" y="T27"/>
+                  </a:cxn>
+                </a:cxnLst>
+                <a:rect l="0" t="0" r="r" b="b"/>
+                <a:pathLst>
+                  <a:path w="357" h="358">
+                    <a:moveTo>
+                      <a:pt x="358" y="0"/>
+                    </a:moveTo>
+                    <a:lnTo>
+                      <a:pt x="0" y="0"/>
+                    </a:lnTo>
+                    <a:lnTo>
+                      <a:pt x="0" y="358"/>
+                    </a:lnTo>
+                    <a:lnTo>
+                      <a:pt x="241" y="358"/>
+                    </a:lnTo>
+                    <a:lnTo>
+                      <a:pt x="241" y="129"/>
+                    </a:lnTo>
+                    <a:lnTo>
+                      <a:pt x="358" y="129"/>
+                    </a:lnTo>
+                    <a:lnTo>
+                      <a:pt x="358" y="0"/>
+                    </a:lnTo>
+                  </a:path>
+                </a:pathLst>
+              </a:custGeom>
+              <a:solidFill>
+                <a:srgbClr val="FFFFFF"/>
+              </a:solidFill>
+              <a:ln>
+                <a:noFill/>
+              </a:ln>
+              <a:extLst>
+                <a:ext uri="{91240B29-F687-4F45-9708-019B960494DF}">
+                  <a14:hiddenLine xmlns:a14="http://schemas.microsoft.com/office/drawing/2010/main" w="9525">
+                    <a:solidFill>
+                      <a:srgbClr val="000000"/>
+                    </a:solidFill>
+                    <a:round/>
+                    <a:headEnd/>
+                    <a:tailEnd/>
+                  </a14:hiddenLine>
+                </a:ext>
+              </a:extLst>
+            </p:spPr>
+            <p:txBody>
+              <a:bodyPr rot="0" vert="horz" wrap="square" lIns="91440" tIns="45720" rIns="91440" bIns="45720" anchor="t" anchorCtr="0" upright="1">
+                <a:noAutofit/>
+              </a:bodyPr>
+              <a:lstStyle/>
+              <a:p>
+                <a:endParaRPr lang="es-CL" dirty="0"/>
+              </a:p>
+            </p:txBody>
+          </p:sp>
+          <p:sp>
+            <p:nvSpPr>
+              <p:cNvPr id="62" name="Freeform 23">
+                <a:extLst>
+                  <a:ext uri="{FF2B5EF4-FFF2-40B4-BE49-F238E27FC236}">
+                    <a16:creationId xmlns:a16="http://schemas.microsoft.com/office/drawing/2014/main" id="{356EC1FE-A36B-FF40-D682-083E39B3E6F6}"/>
+                  </a:ext>
+                </a:extLst>
+              </p:cNvPr>
+              <p:cNvSpPr>
+                <a:spLocks/>
+              </p:cNvSpPr>
+              <p:nvPr/>
+            </p:nvSpPr>
+            <p:spPr bwMode="auto">
+              <a:xfrm>
+                <a:off x="1625" y="2043"/>
+                <a:ext cx="357" cy="358"/>
+              </a:xfrm>
+              <a:custGeom>
+                <a:avLst/>
+                <a:gdLst>
+                  <a:gd name="T0" fmla="+- 0 1983 1625"/>
+                  <a:gd name="T1" fmla="*/ T0 w 357"/>
+                  <a:gd name="T2" fmla="+- 0 2172 2043"/>
+                  <a:gd name="T3" fmla="*/ 2172 h 358"/>
+                  <a:gd name="T4" fmla="+- 0 1923 1625"/>
+                  <a:gd name="T5" fmla="*/ T4 w 357"/>
+                  <a:gd name="T6" fmla="+- 0 2172 2043"/>
+                  <a:gd name="T7" fmla="*/ 2172 h 358"/>
+                  <a:gd name="T8" fmla="+- 0 1923 1625"/>
+                  <a:gd name="T9" fmla="*/ T8 w 357"/>
+                  <a:gd name="T10" fmla="+- 0 2401 2043"/>
+                  <a:gd name="T11" fmla="*/ 2401 h 358"/>
+                  <a:gd name="T12" fmla="+- 0 1983 1625"/>
+                  <a:gd name="T13" fmla="*/ T12 w 357"/>
+                  <a:gd name="T14" fmla="+- 0 2401 2043"/>
+                  <a:gd name="T15" fmla="*/ 2401 h 358"/>
+                  <a:gd name="T16" fmla="+- 0 1983 1625"/>
+                  <a:gd name="T17" fmla="*/ T16 w 357"/>
+                  <a:gd name="T18" fmla="+- 0 2172 2043"/>
+                  <a:gd name="T19" fmla="*/ 2172 h 358"/>
+                </a:gdLst>
+                <a:ahLst/>
+                <a:cxnLst>
+                  <a:cxn ang="0">
+                    <a:pos x="T1" y="T3"/>
+                  </a:cxn>
+                  <a:cxn ang="0">
+                    <a:pos x="T5" y="T7"/>
+                  </a:cxn>
+                  <a:cxn ang="0">
+                    <a:pos x="T9" y="T11"/>
+                  </a:cxn>
+                  <a:cxn ang="0">
+                    <a:pos x="T13" y="T15"/>
+                  </a:cxn>
+                  <a:cxn ang="0">
+                    <a:pos x="T17" y="T19"/>
+                  </a:cxn>
+                </a:cxnLst>
+                <a:rect l="0" t="0" r="r" b="b"/>
+                <a:pathLst>
+                  <a:path w="357" h="358">
+                    <a:moveTo>
+                      <a:pt x="358" y="129"/>
+                    </a:moveTo>
+                    <a:lnTo>
+                      <a:pt x="298" y="129"/>
+                    </a:lnTo>
+                    <a:lnTo>
+                      <a:pt x="298" y="358"/>
+                    </a:lnTo>
+                    <a:lnTo>
+                      <a:pt x="358" y="358"/>
+                    </a:lnTo>
+                    <a:lnTo>
+                      <a:pt x="358" y="129"/>
+                    </a:lnTo>
+                  </a:path>
+                </a:pathLst>
+              </a:custGeom>
+              <a:solidFill>
+                <a:srgbClr val="FFFFFF"/>
+              </a:solidFill>
+              <a:ln>
+                <a:noFill/>
+              </a:ln>
+              <a:extLst>
+                <a:ext uri="{91240B29-F687-4F45-9708-019B960494DF}">
+                  <a14:hiddenLine xmlns:a14="http://schemas.microsoft.com/office/drawing/2010/main" w="9525">
+                    <a:solidFill>
+                      <a:srgbClr val="000000"/>
+                    </a:solidFill>
+                    <a:round/>
+                    <a:headEnd/>
+                    <a:tailEnd/>
+                  </a14:hiddenLine>
+                </a:ext>
+              </a:extLst>
+            </p:spPr>
+            <p:txBody>
+              <a:bodyPr rot="0" vert="horz" wrap="square" lIns="91440" tIns="45720" rIns="91440" bIns="45720" anchor="t" anchorCtr="0" upright="1">
+                <a:noAutofit/>
+              </a:bodyPr>
+              <a:lstStyle/>
+              <a:p>
+                <a:endParaRPr lang="es-CL" dirty="0"/>
+              </a:p>
+            </p:txBody>
+          </p:sp>
+        </p:grpSp>
+        <p:grpSp>
+          <p:nvGrpSpPr>
+            <p:cNvPr id="42" name="Group 24">
+              <a:extLst>
+                <a:ext uri="{FF2B5EF4-FFF2-40B4-BE49-F238E27FC236}">
+                  <a16:creationId xmlns:a16="http://schemas.microsoft.com/office/drawing/2014/main" id="{FBCB0DB3-F8EE-DBA5-D2B9-B50FEBDA9C6E}"/>
+                </a:ext>
+              </a:extLst>
+            </p:cNvPr>
+            <p:cNvGrpSpPr>
+              <a:grpSpLocks/>
+            </p:cNvGrpSpPr>
+            <p:nvPr/>
+          </p:nvGrpSpPr>
+          <p:grpSpPr bwMode="auto">
+            <a:xfrm>
+              <a:off x="2043" y="2171"/>
+              <a:ext cx="211" cy="231"/>
+              <a:chOff x="2043" y="2171"/>
+              <a:chExt cx="211" cy="231"/>
+            </a:xfrm>
+          </p:grpSpPr>
+          <p:sp>
+            <p:nvSpPr>
+              <p:cNvPr id="59" name="Freeform 25">
+                <a:extLst>
+                  <a:ext uri="{FF2B5EF4-FFF2-40B4-BE49-F238E27FC236}">
+                    <a16:creationId xmlns:a16="http://schemas.microsoft.com/office/drawing/2014/main" id="{4AE9B9D4-EA77-94BF-A550-9845F6B9F506}"/>
+                  </a:ext>
+                </a:extLst>
+              </p:cNvPr>
+              <p:cNvSpPr>
+                <a:spLocks/>
+              </p:cNvSpPr>
+              <p:nvPr/>
+            </p:nvSpPr>
+            <p:spPr bwMode="auto">
+              <a:xfrm>
+                <a:off x="2043" y="2171"/>
+                <a:ext cx="211" cy="231"/>
+              </a:xfrm>
+              <a:custGeom>
+                <a:avLst/>
+                <a:gdLst>
+                  <a:gd name="T0" fmla="+- 0 2168 2043"/>
+                  <a:gd name="T1" fmla="*/ T0 w 211"/>
+                  <a:gd name="T2" fmla="+- 0 2171 2171"/>
+                  <a:gd name="T3" fmla="*/ 2171 h 231"/>
+                  <a:gd name="T4" fmla="+- 0 2043 2043"/>
+                  <a:gd name="T5" fmla="*/ T4 w 211"/>
+                  <a:gd name="T6" fmla="+- 0 2171 2171"/>
+                  <a:gd name="T7" fmla="*/ 2171 h 231"/>
+                  <a:gd name="T8" fmla="+- 0 2043 2043"/>
+                  <a:gd name="T9" fmla="*/ T8 w 211"/>
+                  <a:gd name="T10" fmla="+- 0 2401 2171"/>
+                  <a:gd name="T11" fmla="*/ 2401 h 231"/>
+                  <a:gd name="T12" fmla="+- 0 2103 2043"/>
+                  <a:gd name="T13" fmla="*/ T12 w 211"/>
+                  <a:gd name="T14" fmla="+- 0 2402 2171"/>
+                  <a:gd name="T15" fmla="*/ 2402 h 231"/>
+                  <a:gd name="T16" fmla="+- 0 2103 2043"/>
+                  <a:gd name="T17" fmla="*/ T16 w 211"/>
+                  <a:gd name="T18" fmla="+- 0 2222 2171"/>
+                  <a:gd name="T19" fmla="*/ 2222 h 231"/>
+                  <a:gd name="T20" fmla="+- 0 2254 2043"/>
+                  <a:gd name="T21" fmla="*/ T20 w 211"/>
+                  <a:gd name="T22" fmla="+- 0 2222 2171"/>
+                  <a:gd name="T23" fmla="*/ 2222 h 231"/>
+                  <a:gd name="T24" fmla="+- 0 2204 2043"/>
+                  <a:gd name="T25" fmla="*/ T24 w 211"/>
+                  <a:gd name="T26" fmla="+- 0 2172 2171"/>
+                  <a:gd name="T27" fmla="*/ 2172 h 231"/>
+                  <a:gd name="T28" fmla="+- 0 2168 2043"/>
+                  <a:gd name="T29" fmla="*/ T28 w 211"/>
+                  <a:gd name="T30" fmla="+- 0 2171 2171"/>
+                  <a:gd name="T31" fmla="*/ 2171 h 231"/>
+                </a:gdLst>
+                <a:ahLst/>
+                <a:cxnLst>
+                  <a:cxn ang="0">
+                    <a:pos x="T1" y="T3"/>
+                  </a:cxn>
+                  <a:cxn ang="0">
+                    <a:pos x="T5" y="T7"/>
+                  </a:cxn>
+                  <a:cxn ang="0">
+                    <a:pos x="T9" y="T11"/>
+                  </a:cxn>
+                  <a:cxn ang="0">
+                    <a:pos x="T13" y="T15"/>
+                  </a:cxn>
+                  <a:cxn ang="0">
+                    <a:pos x="T17" y="T19"/>
+                  </a:cxn>
+                  <a:cxn ang="0">
+                    <a:pos x="T21" y="T23"/>
+                  </a:cxn>
+                  <a:cxn ang="0">
+                    <a:pos x="T25" y="T27"/>
+                  </a:cxn>
+                  <a:cxn ang="0">
+                    <a:pos x="T29" y="T31"/>
+                  </a:cxn>
+                </a:cxnLst>
+                <a:rect l="0" t="0" r="r" b="b"/>
+                <a:pathLst>
+                  <a:path w="211" h="231">
+                    <a:moveTo>
+                      <a:pt x="125" y="0"/>
+                    </a:moveTo>
+                    <a:lnTo>
+                      <a:pt x="0" y="0"/>
+                    </a:lnTo>
+                    <a:lnTo>
+                      <a:pt x="0" y="230"/>
+                    </a:lnTo>
+                    <a:lnTo>
+                      <a:pt x="60" y="231"/>
+                    </a:lnTo>
+                    <a:lnTo>
+                      <a:pt x="60" y="51"/>
+                    </a:lnTo>
+                    <a:lnTo>
+                      <a:pt x="211" y="51"/>
+                    </a:lnTo>
+                    <a:lnTo>
+                      <a:pt x="161" y="1"/>
+                    </a:lnTo>
+                    <a:lnTo>
+                      <a:pt x="125" y="0"/>
+                    </a:lnTo>
+                  </a:path>
+                </a:pathLst>
+              </a:custGeom>
+              <a:solidFill>
+                <a:srgbClr val="FFFFFF"/>
+              </a:solidFill>
+              <a:ln>
+                <a:noFill/>
+              </a:ln>
+              <a:extLst>
+                <a:ext uri="{91240B29-F687-4F45-9708-019B960494DF}">
+                  <a14:hiddenLine xmlns:a14="http://schemas.microsoft.com/office/drawing/2010/main" w="9525">
+                    <a:solidFill>
+                      <a:srgbClr val="000000"/>
+                    </a:solidFill>
+                    <a:round/>
+                    <a:headEnd/>
+                    <a:tailEnd/>
+                  </a14:hiddenLine>
+                </a:ext>
+              </a:extLst>
+            </p:spPr>
+            <p:txBody>
+              <a:bodyPr rot="0" vert="horz" wrap="square" lIns="91440" tIns="45720" rIns="91440" bIns="45720" anchor="t" anchorCtr="0" upright="1">
+                <a:noAutofit/>
+              </a:bodyPr>
+              <a:lstStyle/>
+              <a:p>
+                <a:endParaRPr lang="es-CL" dirty="0"/>
+              </a:p>
+            </p:txBody>
+          </p:sp>
+          <p:sp>
+            <p:nvSpPr>
+              <p:cNvPr id="60" name="Freeform 26">
+                <a:extLst>
+                  <a:ext uri="{FF2B5EF4-FFF2-40B4-BE49-F238E27FC236}">
+                    <a16:creationId xmlns:a16="http://schemas.microsoft.com/office/drawing/2014/main" id="{24E0E1EB-199D-4BCC-3E27-2A45F3DA6BC1}"/>
+                  </a:ext>
+                </a:extLst>
+              </p:cNvPr>
+              <p:cNvSpPr>
+                <a:spLocks/>
+              </p:cNvSpPr>
+              <p:nvPr/>
+            </p:nvSpPr>
+            <p:spPr bwMode="auto">
+              <a:xfrm>
+                <a:off x="2043" y="2171"/>
+                <a:ext cx="211" cy="231"/>
+              </a:xfrm>
+              <a:custGeom>
+                <a:avLst/>
+                <a:gdLst>
+                  <a:gd name="T0" fmla="+- 0 2254 2043"/>
+                  <a:gd name="T1" fmla="*/ T0 w 211"/>
+                  <a:gd name="T2" fmla="+- 0 2222 2171"/>
+                  <a:gd name="T3" fmla="*/ 2222 h 231"/>
+                  <a:gd name="T4" fmla="+- 0 2190 2043"/>
+                  <a:gd name="T5" fmla="*/ T4 w 211"/>
+                  <a:gd name="T6" fmla="+- 0 2222 2171"/>
+                  <a:gd name="T7" fmla="*/ 2222 h 231"/>
+                  <a:gd name="T8" fmla="+- 0 2190 2043"/>
+                  <a:gd name="T9" fmla="*/ T8 w 211"/>
+                  <a:gd name="T10" fmla="+- 0 2244 2171"/>
+                  <a:gd name="T11" fmla="*/ 2244 h 231"/>
+                  <a:gd name="T12" fmla="+- 0 2192 2043"/>
+                  <a:gd name="T13" fmla="*/ T12 w 211"/>
+                  <a:gd name="T14" fmla="+- 0 2401 2171"/>
+                  <a:gd name="T15" fmla="*/ 2401 h 231"/>
+                  <a:gd name="T16" fmla="+- 0 2254 2043"/>
+                  <a:gd name="T17" fmla="*/ T16 w 211"/>
+                  <a:gd name="T18" fmla="+- 0 2401 2171"/>
+                  <a:gd name="T19" fmla="*/ 2401 h 231"/>
+                  <a:gd name="T20" fmla="+- 0 2254 2043"/>
+                  <a:gd name="T21" fmla="*/ T20 w 211"/>
+                  <a:gd name="T22" fmla="+- 0 2252 2171"/>
+                  <a:gd name="T23" fmla="*/ 2252 h 231"/>
+                  <a:gd name="T24" fmla="+- 0 2254 2043"/>
+                  <a:gd name="T25" fmla="*/ T24 w 211"/>
+                  <a:gd name="T26" fmla="+- 0 2222 2171"/>
+                  <a:gd name="T27" fmla="*/ 2222 h 231"/>
+                </a:gdLst>
+                <a:ahLst/>
+                <a:cxnLst>
+                  <a:cxn ang="0">
+                    <a:pos x="T1" y="T3"/>
+                  </a:cxn>
+                  <a:cxn ang="0">
+                    <a:pos x="T5" y="T7"/>
+                  </a:cxn>
+                  <a:cxn ang="0">
+                    <a:pos x="T9" y="T11"/>
+                  </a:cxn>
+                  <a:cxn ang="0">
+                    <a:pos x="T13" y="T15"/>
+                  </a:cxn>
+                  <a:cxn ang="0">
+                    <a:pos x="T17" y="T19"/>
+                  </a:cxn>
+                  <a:cxn ang="0">
+                    <a:pos x="T21" y="T23"/>
+                  </a:cxn>
+                  <a:cxn ang="0">
+                    <a:pos x="T25" y="T27"/>
+                  </a:cxn>
+                </a:cxnLst>
+                <a:rect l="0" t="0" r="r" b="b"/>
+                <a:pathLst>
+                  <a:path w="211" h="231">
+                    <a:moveTo>
+                      <a:pt x="211" y="51"/>
+                    </a:moveTo>
+                    <a:lnTo>
+                      <a:pt x="147" y="51"/>
+                    </a:lnTo>
+                    <a:lnTo>
+                      <a:pt x="147" y="73"/>
+                    </a:lnTo>
+                    <a:lnTo>
+                      <a:pt x="149" y="230"/>
+                    </a:lnTo>
+                    <a:lnTo>
+                      <a:pt x="211" y="230"/>
+                    </a:lnTo>
+                    <a:lnTo>
+                      <a:pt x="211" y="81"/>
+                    </a:lnTo>
+                    <a:lnTo>
+                      <a:pt x="211" y="51"/>
+                    </a:lnTo>
+                  </a:path>
+                </a:pathLst>
+              </a:custGeom>
+              <a:solidFill>
+                <a:srgbClr val="FFFFFF"/>
+              </a:solidFill>
+              <a:ln>
+                <a:noFill/>
+              </a:ln>
+              <a:extLst>
+                <a:ext uri="{91240B29-F687-4F45-9708-019B960494DF}">
+                  <a14:hiddenLine xmlns:a14="http://schemas.microsoft.com/office/drawing/2010/main" w="9525">
+                    <a:solidFill>
+                      <a:srgbClr val="000000"/>
+                    </a:solidFill>
+                    <a:round/>
+                    <a:headEnd/>
+                    <a:tailEnd/>
+                  </a14:hiddenLine>
+                </a:ext>
+              </a:extLst>
+            </p:spPr>
+            <p:txBody>
+              <a:bodyPr rot="0" vert="horz" wrap="square" lIns="91440" tIns="45720" rIns="91440" bIns="45720" anchor="t" anchorCtr="0" upright="1">
+                <a:noAutofit/>
+              </a:bodyPr>
+              <a:lstStyle/>
+              <a:p>
+                <a:endParaRPr lang="es-CL" dirty="0"/>
+              </a:p>
+            </p:txBody>
+          </p:sp>
+        </p:grpSp>
+        <p:grpSp>
+          <p:nvGrpSpPr>
+            <p:cNvPr id="43" name="Group 27">
+              <a:extLst>
+                <a:ext uri="{FF2B5EF4-FFF2-40B4-BE49-F238E27FC236}">
+                  <a16:creationId xmlns:a16="http://schemas.microsoft.com/office/drawing/2014/main" id="{E2CCB02F-E452-11DC-F336-FB2C10CBA745}"/>
+                </a:ext>
+              </a:extLst>
+            </p:cNvPr>
+            <p:cNvGrpSpPr>
+              <a:grpSpLocks/>
+            </p:cNvGrpSpPr>
+            <p:nvPr/>
+          </p:nvGrpSpPr>
+          <p:grpSpPr bwMode="auto">
+            <a:xfrm>
+              <a:off x="2295" y="2173"/>
+              <a:ext cx="230" cy="228"/>
+              <a:chOff x="2295" y="2173"/>
+              <a:chExt cx="230" cy="228"/>
+            </a:xfrm>
+          </p:grpSpPr>
+          <p:sp>
+            <p:nvSpPr>
+              <p:cNvPr id="56" name="Freeform 28">
+                <a:extLst>
+                  <a:ext uri="{FF2B5EF4-FFF2-40B4-BE49-F238E27FC236}">
+                    <a16:creationId xmlns:a16="http://schemas.microsoft.com/office/drawing/2014/main" id="{61910216-C3F6-CECB-694F-99896F22FB11}"/>
+                  </a:ext>
+                </a:extLst>
+              </p:cNvPr>
+              <p:cNvSpPr>
+                <a:spLocks/>
+              </p:cNvSpPr>
+              <p:nvPr/>
+            </p:nvSpPr>
+            <p:spPr bwMode="auto">
+              <a:xfrm>
+                <a:off x="2295" y="2173"/>
+                <a:ext cx="230" cy="228"/>
+              </a:xfrm>
+              <a:custGeom>
+                <a:avLst/>
+                <a:gdLst>
+                  <a:gd name="T0" fmla="+- 0 2310 2295"/>
+                  <a:gd name="T1" fmla="*/ T0 w 230"/>
+                  <a:gd name="T2" fmla="+- 0 2173 2173"/>
+                  <a:gd name="T3" fmla="*/ 2173 h 228"/>
+                  <a:gd name="T4" fmla="+- 0 2310 2295"/>
+                  <a:gd name="T5" fmla="*/ T4 w 230"/>
+                  <a:gd name="T6" fmla="+- 0 2218 2173"/>
+                  <a:gd name="T7" fmla="*/ 2218 h 228"/>
+                  <a:gd name="T8" fmla="+- 0 2425 2295"/>
+                  <a:gd name="T9" fmla="*/ T8 w 230"/>
+                  <a:gd name="T10" fmla="+- 0 2218 2173"/>
+                  <a:gd name="T11" fmla="*/ 2218 h 228"/>
+                  <a:gd name="T12" fmla="+- 0 2453 2295"/>
+                  <a:gd name="T13" fmla="*/ T12 w 230"/>
+                  <a:gd name="T14" fmla="+- 0 2218 2173"/>
+                  <a:gd name="T15" fmla="*/ 2218 h 228"/>
+                  <a:gd name="T16" fmla="+- 0 2463 2295"/>
+                  <a:gd name="T17" fmla="*/ T16 w 230"/>
+                  <a:gd name="T18" fmla="+- 0 2230 2173"/>
+                  <a:gd name="T19" fmla="*/ 2230 h 228"/>
+                  <a:gd name="T20" fmla="+- 0 2465 2295"/>
+                  <a:gd name="T21" fmla="*/ T20 w 230"/>
+                  <a:gd name="T22" fmla="+- 0 2262 2173"/>
+                  <a:gd name="T23" fmla="*/ 2262 h 228"/>
+                  <a:gd name="T24" fmla="+- 0 2360 2295"/>
+                  <a:gd name="T25" fmla="*/ T24 w 230"/>
+                  <a:gd name="T26" fmla="+- 0 2262 2173"/>
+                  <a:gd name="T27" fmla="*/ 2262 h 228"/>
+                  <a:gd name="T28" fmla="+- 0 2327 2295"/>
+                  <a:gd name="T29" fmla="*/ T28 w 230"/>
+                  <a:gd name="T30" fmla="+- 0 2264 2173"/>
+                  <a:gd name="T31" fmla="*/ 2264 h 228"/>
+                  <a:gd name="T32" fmla="+- 0 2309 2295"/>
+                  <a:gd name="T33" fmla="*/ T32 w 230"/>
+                  <a:gd name="T34" fmla="+- 0 2269 2173"/>
+                  <a:gd name="T35" fmla="*/ 2269 h 228"/>
+                  <a:gd name="T36" fmla="+- 0 2300 2295"/>
+                  <a:gd name="T37" fmla="*/ T36 w 230"/>
+                  <a:gd name="T38" fmla="+- 0 2283 2173"/>
+                  <a:gd name="T39" fmla="*/ 2283 h 228"/>
+                  <a:gd name="T40" fmla="+- 0 2296 2295"/>
+                  <a:gd name="T41" fmla="*/ T40 w 230"/>
+                  <a:gd name="T42" fmla="+- 0 2309 2173"/>
+                  <a:gd name="T43" fmla="*/ 2309 h 228"/>
+                  <a:gd name="T44" fmla="+- 0 2295 2295"/>
+                  <a:gd name="T45" fmla="*/ T44 w 230"/>
+                  <a:gd name="T46" fmla="+- 0 2356 2173"/>
+                  <a:gd name="T47" fmla="*/ 2356 h 228"/>
+                  <a:gd name="T48" fmla="+- 0 2299 2295"/>
+                  <a:gd name="T49" fmla="*/ T48 w 230"/>
+                  <a:gd name="T50" fmla="+- 0 2378 2173"/>
+                  <a:gd name="T51" fmla="*/ 2378 h 228"/>
+                  <a:gd name="T52" fmla="+- 0 2308 2295"/>
+                  <a:gd name="T53" fmla="*/ T52 w 230"/>
+                  <a:gd name="T54" fmla="+- 0 2390 2173"/>
+                  <a:gd name="T55" fmla="*/ 2390 h 228"/>
+                  <a:gd name="T56" fmla="+- 0 2332 2295"/>
+                  <a:gd name="T57" fmla="*/ T56 w 230"/>
+                  <a:gd name="T58" fmla="+- 0 2397 2173"/>
+                  <a:gd name="T59" fmla="*/ 2397 h 228"/>
+                  <a:gd name="T60" fmla="+- 0 2525 2295"/>
+                  <a:gd name="T61" fmla="*/ T60 w 230"/>
+                  <a:gd name="T62" fmla="+- 0 2401 2173"/>
+                  <a:gd name="T63" fmla="*/ 2401 h 228"/>
+                  <a:gd name="T64" fmla="+- 0 2525 2295"/>
+                  <a:gd name="T65" fmla="*/ T64 w 230"/>
+                  <a:gd name="T66" fmla="+- 0 2359 2173"/>
+                  <a:gd name="T67" fmla="*/ 2359 h 228"/>
+                  <a:gd name="T68" fmla="+- 0 2355 2295"/>
+                  <a:gd name="T69" fmla="*/ T68 w 230"/>
+                  <a:gd name="T70" fmla="+- 0 2359 2173"/>
+                  <a:gd name="T71" fmla="*/ 2359 h 228"/>
+                  <a:gd name="T72" fmla="+- 0 2357 2295"/>
+                  <a:gd name="T73" fmla="*/ T72 w 230"/>
+                  <a:gd name="T74" fmla="+- 0 2342 2173"/>
+                  <a:gd name="T75" fmla="*/ 2342 h 228"/>
+                  <a:gd name="T76" fmla="+- 0 2356 2295"/>
+                  <a:gd name="T77" fmla="*/ T76 w 230"/>
+                  <a:gd name="T78" fmla="+- 0 2327 2173"/>
+                  <a:gd name="T79" fmla="*/ 2327 h 228"/>
+                  <a:gd name="T80" fmla="+- 0 2356 2295"/>
+                  <a:gd name="T81" fmla="*/ T80 w 230"/>
+                  <a:gd name="T82" fmla="+- 0 2309 2173"/>
+                  <a:gd name="T83" fmla="*/ 2309 h 228"/>
+                  <a:gd name="T84" fmla="+- 0 2375 2295"/>
+                  <a:gd name="T85" fmla="*/ T84 w 230"/>
+                  <a:gd name="T86" fmla="+- 0 2307 2173"/>
+                  <a:gd name="T87" fmla="*/ 2307 h 228"/>
+                  <a:gd name="T88" fmla="+- 0 2525 2295"/>
+                  <a:gd name="T89" fmla="*/ T88 w 230"/>
+                  <a:gd name="T90" fmla="+- 0 2307 2173"/>
+                  <a:gd name="T91" fmla="*/ 2307 h 228"/>
+                  <a:gd name="T92" fmla="+- 0 2525 2295"/>
+                  <a:gd name="T93" fmla="*/ T92 w 230"/>
+                  <a:gd name="T94" fmla="+- 0 2245 2173"/>
+                  <a:gd name="T95" fmla="*/ 2245 h 228"/>
+                  <a:gd name="T96" fmla="+- 0 2511 2295"/>
+                  <a:gd name="T97" fmla="*/ T96 w 230"/>
+                  <a:gd name="T98" fmla="+- 0 2181 2173"/>
+                  <a:gd name="T99" fmla="*/ 2181 h 228"/>
+                  <a:gd name="T100" fmla="+- 0 2448 2295"/>
+                  <a:gd name="T101" fmla="*/ T100 w 230"/>
+                  <a:gd name="T102" fmla="+- 0 2173 2173"/>
+                  <a:gd name="T103" fmla="*/ 2173 h 228"/>
+                  <a:gd name="T104" fmla="+- 0 2310 2295"/>
+                  <a:gd name="T105" fmla="*/ T104 w 230"/>
+                  <a:gd name="T106" fmla="+- 0 2173 2173"/>
+                  <a:gd name="T107" fmla="*/ 2173 h 228"/>
+                </a:gdLst>
+                <a:ahLst/>
+                <a:cxnLst>
+                  <a:cxn ang="0">
+                    <a:pos x="T1" y="T3"/>
+                  </a:cxn>
+                  <a:cxn ang="0">
+                    <a:pos x="T5" y="T7"/>
+                  </a:cxn>
+                  <a:cxn ang="0">
+                    <a:pos x="T9" y="T11"/>
+                  </a:cxn>
+                  <a:cxn ang="0">
+                    <a:pos x="T13" y="T15"/>
+                  </a:cxn>
+                  <a:cxn ang="0">
+                    <a:pos x="T17" y="T19"/>
+                  </a:cxn>
+                  <a:cxn ang="0">
+                    <a:pos x="T21" y="T23"/>
+                  </a:cxn>
+                  <a:cxn ang="0">
+                    <a:pos x="T25" y="T27"/>
+                  </a:cxn>
+                  <a:cxn ang="0">
+                    <a:pos x="T29" y="T31"/>
+                  </a:cxn>
+                  <a:cxn ang="0">
+                    <a:pos x="T33" y="T35"/>
+                  </a:cxn>
+                  <a:cxn ang="0">
+                    <a:pos x="T37" y="T39"/>
+                  </a:cxn>
+                  <a:cxn ang="0">
+                    <a:pos x="T41" y="T43"/>
+                  </a:cxn>
+                  <a:cxn ang="0">
+                    <a:pos x="T45" y="T47"/>
+                  </a:cxn>
+                  <a:cxn ang="0">
+                    <a:pos x="T49" y="T51"/>
+                  </a:cxn>
+                  <a:cxn ang="0">
+                    <a:pos x="T53" y="T55"/>
+                  </a:cxn>
+                  <a:cxn ang="0">
+                    <a:pos x="T57" y="T59"/>
+                  </a:cxn>
+                  <a:cxn ang="0">
+                    <a:pos x="T61" y="T63"/>
+                  </a:cxn>
+                  <a:cxn ang="0">
+                    <a:pos x="T65" y="T67"/>
+                  </a:cxn>
+                  <a:cxn ang="0">
+                    <a:pos x="T69" y="T71"/>
+                  </a:cxn>
+                  <a:cxn ang="0">
+                    <a:pos x="T73" y="T75"/>
+                  </a:cxn>
+                  <a:cxn ang="0">
+                    <a:pos x="T77" y="T79"/>
+                  </a:cxn>
+                  <a:cxn ang="0">
+                    <a:pos x="T81" y="T83"/>
+                  </a:cxn>
+                  <a:cxn ang="0">
+                    <a:pos x="T85" y="T87"/>
+                  </a:cxn>
+                  <a:cxn ang="0">
+                    <a:pos x="T89" y="T91"/>
+                  </a:cxn>
+                  <a:cxn ang="0">
+                    <a:pos x="T93" y="T95"/>
+                  </a:cxn>
+                  <a:cxn ang="0">
+                    <a:pos x="T97" y="T99"/>
+                  </a:cxn>
+                  <a:cxn ang="0">
+                    <a:pos x="T101" y="T103"/>
+                  </a:cxn>
+                  <a:cxn ang="0">
+                    <a:pos x="T105" y="T107"/>
+                  </a:cxn>
+                </a:cxnLst>
+                <a:rect l="0" t="0" r="r" b="b"/>
+                <a:pathLst>
+                  <a:path w="230" h="228">
+                    <a:moveTo>
+                      <a:pt x="15" y="0"/>
+                    </a:moveTo>
+                    <a:lnTo>
+                      <a:pt x="15" y="45"/>
+                    </a:lnTo>
+                    <a:lnTo>
+                      <a:pt x="130" y="45"/>
+                    </a:lnTo>
+                    <a:lnTo>
+                      <a:pt x="158" y="45"/>
+                    </a:lnTo>
+                    <a:lnTo>
+                      <a:pt x="168" y="57"/>
+                    </a:lnTo>
+                    <a:lnTo>
+                      <a:pt x="170" y="89"/>
+                    </a:lnTo>
+                    <a:lnTo>
+                      <a:pt x="65" y="89"/>
+                    </a:lnTo>
+                    <a:lnTo>
+                      <a:pt x="32" y="91"/>
+                    </a:lnTo>
+                    <a:lnTo>
+                      <a:pt x="14" y="96"/>
+                    </a:lnTo>
+                    <a:lnTo>
+                      <a:pt x="5" y="110"/>
+                    </a:lnTo>
+                    <a:lnTo>
+                      <a:pt x="1" y="136"/>
+                    </a:lnTo>
+                    <a:lnTo>
+                      <a:pt x="0" y="183"/>
+                    </a:lnTo>
+                    <a:lnTo>
+                      <a:pt x="4" y="205"/>
+                    </a:lnTo>
+                    <a:lnTo>
+                      <a:pt x="13" y="217"/>
+                    </a:lnTo>
+                    <a:lnTo>
+                      <a:pt x="37" y="224"/>
+                    </a:lnTo>
+                    <a:lnTo>
+                      <a:pt x="230" y="228"/>
+                    </a:lnTo>
+                    <a:lnTo>
+                      <a:pt x="230" y="186"/>
+                    </a:lnTo>
+                    <a:lnTo>
+                      <a:pt x="60" y="186"/>
+                    </a:lnTo>
+                    <a:lnTo>
+                      <a:pt x="62" y="169"/>
+                    </a:lnTo>
+                    <a:lnTo>
+                      <a:pt x="61" y="154"/>
+                    </a:lnTo>
+                    <a:lnTo>
+                      <a:pt x="61" y="136"/>
+                    </a:lnTo>
+                    <a:lnTo>
+                      <a:pt x="80" y="134"/>
+                    </a:lnTo>
+                    <a:lnTo>
+                      <a:pt x="230" y="134"/>
+                    </a:lnTo>
+                    <a:lnTo>
+                      <a:pt x="230" y="72"/>
+                    </a:lnTo>
+                    <a:lnTo>
+                      <a:pt x="216" y="8"/>
+                    </a:lnTo>
+                    <a:lnTo>
+                      <a:pt x="153" y="0"/>
+                    </a:lnTo>
+                    <a:lnTo>
+                      <a:pt x="15" y="0"/>
+                    </a:lnTo>
+                  </a:path>
+                </a:pathLst>
+              </a:custGeom>
+              <a:solidFill>
+                <a:srgbClr val="FFFFFF"/>
+              </a:solidFill>
+              <a:ln>
+                <a:noFill/>
+              </a:ln>
+              <a:extLst>
+                <a:ext uri="{91240B29-F687-4F45-9708-019B960494DF}">
+                  <a14:hiddenLine xmlns:a14="http://schemas.microsoft.com/office/drawing/2010/main" w="9525">
+                    <a:solidFill>
+                      <a:srgbClr val="000000"/>
+                    </a:solidFill>
+                    <a:round/>
+                    <a:headEnd/>
+                    <a:tailEnd/>
+                  </a14:hiddenLine>
+                </a:ext>
+              </a:extLst>
+            </p:spPr>
+            <p:txBody>
+              <a:bodyPr rot="0" vert="horz" wrap="square" lIns="91440" tIns="45720" rIns="91440" bIns="45720" anchor="t" anchorCtr="0" upright="1">
+                <a:noAutofit/>
+              </a:bodyPr>
+              <a:lstStyle/>
+              <a:p>
+                <a:endParaRPr lang="es-CL" dirty="0"/>
+              </a:p>
+            </p:txBody>
+          </p:sp>
+          <p:sp>
+            <p:nvSpPr>
+              <p:cNvPr id="57" name="Freeform 29">
+                <a:extLst>
+                  <a:ext uri="{FF2B5EF4-FFF2-40B4-BE49-F238E27FC236}">
+                    <a16:creationId xmlns:a16="http://schemas.microsoft.com/office/drawing/2014/main" id="{D3B01AFC-CF6F-3A18-E4FE-777BA07CD958}"/>
+                  </a:ext>
+                </a:extLst>
+              </p:cNvPr>
+              <p:cNvSpPr>
+                <a:spLocks/>
+              </p:cNvSpPr>
+              <p:nvPr/>
+            </p:nvSpPr>
+            <p:spPr bwMode="auto">
+              <a:xfrm>
+                <a:off x="2295" y="2173"/>
+                <a:ext cx="230" cy="228"/>
+              </a:xfrm>
+              <a:custGeom>
+                <a:avLst/>
+                <a:gdLst>
+                  <a:gd name="T0" fmla="+- 0 2379 2295"/>
+                  <a:gd name="T1" fmla="*/ T0 w 230"/>
+                  <a:gd name="T2" fmla="+- 0 2358 2173"/>
+                  <a:gd name="T3" fmla="*/ 2358 h 228"/>
+                  <a:gd name="T4" fmla="+- 0 2355 2295"/>
+                  <a:gd name="T5" fmla="*/ T4 w 230"/>
+                  <a:gd name="T6" fmla="+- 0 2359 2173"/>
+                  <a:gd name="T7" fmla="*/ 2359 h 228"/>
+                  <a:gd name="T8" fmla="+- 0 2525 2295"/>
+                  <a:gd name="T9" fmla="*/ T8 w 230"/>
+                  <a:gd name="T10" fmla="+- 0 2359 2173"/>
+                  <a:gd name="T11" fmla="*/ 2359 h 228"/>
+                  <a:gd name="T12" fmla="+- 0 2525 2295"/>
+                  <a:gd name="T13" fmla="*/ T12 w 230"/>
+                  <a:gd name="T14" fmla="+- 0 2358 2173"/>
+                  <a:gd name="T15" fmla="*/ 2358 h 228"/>
+                  <a:gd name="T16" fmla="+- 0 2464 2295"/>
+                  <a:gd name="T17" fmla="*/ T16 w 230"/>
+                  <a:gd name="T18" fmla="+- 0 2358 2173"/>
+                  <a:gd name="T19" fmla="*/ 2358 h 228"/>
+                  <a:gd name="T20" fmla="+- 0 2379 2295"/>
+                  <a:gd name="T21" fmla="*/ T20 w 230"/>
+                  <a:gd name="T22" fmla="+- 0 2358 2173"/>
+                  <a:gd name="T23" fmla="*/ 2358 h 228"/>
+                </a:gdLst>
+                <a:ahLst/>
+                <a:cxnLst>
+                  <a:cxn ang="0">
+                    <a:pos x="T1" y="T3"/>
+                  </a:cxn>
+                  <a:cxn ang="0">
+                    <a:pos x="T5" y="T7"/>
+                  </a:cxn>
+                  <a:cxn ang="0">
+                    <a:pos x="T9" y="T11"/>
+                  </a:cxn>
+                  <a:cxn ang="0">
+                    <a:pos x="T13" y="T15"/>
+                  </a:cxn>
+                  <a:cxn ang="0">
+                    <a:pos x="T17" y="T19"/>
+                  </a:cxn>
+                  <a:cxn ang="0">
+                    <a:pos x="T21" y="T23"/>
+                  </a:cxn>
+                </a:cxnLst>
+                <a:rect l="0" t="0" r="r" b="b"/>
+                <a:pathLst>
+                  <a:path w="230" h="228">
+                    <a:moveTo>
+                      <a:pt x="84" y="185"/>
+                    </a:moveTo>
+                    <a:lnTo>
+                      <a:pt x="60" y="186"/>
+                    </a:lnTo>
+                    <a:lnTo>
+                      <a:pt x="230" y="186"/>
+                    </a:lnTo>
+                    <a:lnTo>
+                      <a:pt x="230" y="185"/>
+                    </a:lnTo>
+                    <a:lnTo>
+                      <a:pt x="169" y="185"/>
+                    </a:lnTo>
+                    <a:lnTo>
+                      <a:pt x="84" y="185"/>
+                    </a:lnTo>
+                  </a:path>
+                </a:pathLst>
+              </a:custGeom>
+              <a:solidFill>
+                <a:srgbClr val="FFFFFF"/>
+              </a:solidFill>
+              <a:ln>
+                <a:noFill/>
+              </a:ln>
+              <a:extLst>
+                <a:ext uri="{91240B29-F687-4F45-9708-019B960494DF}">
+                  <a14:hiddenLine xmlns:a14="http://schemas.microsoft.com/office/drawing/2010/main" w="9525">
+                    <a:solidFill>
+                      <a:srgbClr val="000000"/>
+                    </a:solidFill>
+                    <a:round/>
+                    <a:headEnd/>
+                    <a:tailEnd/>
+                  </a14:hiddenLine>
+                </a:ext>
+              </a:extLst>
+            </p:spPr>
+            <p:txBody>
+              <a:bodyPr rot="0" vert="horz" wrap="square" lIns="91440" tIns="45720" rIns="91440" bIns="45720" anchor="t" anchorCtr="0" upright="1">
+                <a:noAutofit/>
+              </a:bodyPr>
+              <a:lstStyle/>
+              <a:p>
+                <a:endParaRPr lang="es-CL" dirty="0"/>
+              </a:p>
+            </p:txBody>
+          </p:sp>
+          <p:sp>
+            <p:nvSpPr>
+              <p:cNvPr id="58" name="Freeform 30">
+                <a:extLst>
+                  <a:ext uri="{FF2B5EF4-FFF2-40B4-BE49-F238E27FC236}">
+                    <a16:creationId xmlns:a16="http://schemas.microsoft.com/office/drawing/2014/main" id="{4403FB5B-99E9-BA89-B696-D593BF00D82B}"/>
+                  </a:ext>
+                </a:extLst>
+              </p:cNvPr>
+              <p:cNvSpPr>
+                <a:spLocks/>
+              </p:cNvSpPr>
+              <p:nvPr/>
+            </p:nvSpPr>
+            <p:spPr bwMode="auto">
+              <a:xfrm>
+                <a:off x="2295" y="2173"/>
+                <a:ext cx="230" cy="228"/>
+              </a:xfrm>
+              <a:custGeom>
+                <a:avLst/>
+                <a:gdLst>
+                  <a:gd name="T0" fmla="+- 0 2525 2295"/>
+                  <a:gd name="T1" fmla="*/ T0 w 230"/>
+                  <a:gd name="T2" fmla="+- 0 2307 2173"/>
+                  <a:gd name="T3" fmla="*/ 2307 h 228"/>
+                  <a:gd name="T4" fmla="+- 0 2375 2295"/>
+                  <a:gd name="T5" fmla="*/ T4 w 230"/>
+                  <a:gd name="T6" fmla="+- 0 2307 2173"/>
+                  <a:gd name="T7" fmla="*/ 2307 h 228"/>
+                  <a:gd name="T8" fmla="+- 0 2464 2295"/>
+                  <a:gd name="T9" fmla="*/ T8 w 230"/>
+                  <a:gd name="T10" fmla="+- 0 2308 2173"/>
+                  <a:gd name="T11" fmla="*/ 2308 h 228"/>
+                  <a:gd name="T12" fmla="+- 0 2464 2295"/>
+                  <a:gd name="T13" fmla="*/ T12 w 230"/>
+                  <a:gd name="T14" fmla="+- 0 2358 2173"/>
+                  <a:gd name="T15" fmla="*/ 2358 h 228"/>
+                  <a:gd name="T16" fmla="+- 0 2525 2295"/>
+                  <a:gd name="T17" fmla="*/ T16 w 230"/>
+                  <a:gd name="T18" fmla="+- 0 2358 2173"/>
+                  <a:gd name="T19" fmla="*/ 2358 h 228"/>
+                  <a:gd name="T20" fmla="+- 0 2525 2295"/>
+                  <a:gd name="T21" fmla="*/ T20 w 230"/>
+                  <a:gd name="T22" fmla="+- 0 2307 2173"/>
+                  <a:gd name="T23" fmla="*/ 2307 h 228"/>
+                </a:gdLst>
+                <a:ahLst/>
+                <a:cxnLst>
+                  <a:cxn ang="0">
+                    <a:pos x="T1" y="T3"/>
+                  </a:cxn>
+                  <a:cxn ang="0">
+                    <a:pos x="T5" y="T7"/>
+                  </a:cxn>
+                  <a:cxn ang="0">
+                    <a:pos x="T9" y="T11"/>
+                  </a:cxn>
+                  <a:cxn ang="0">
+                    <a:pos x="T13" y="T15"/>
+                  </a:cxn>
+                  <a:cxn ang="0">
+                    <a:pos x="T17" y="T19"/>
+                  </a:cxn>
+                  <a:cxn ang="0">
+                    <a:pos x="T21" y="T23"/>
+                  </a:cxn>
+                </a:cxnLst>
+                <a:rect l="0" t="0" r="r" b="b"/>
+                <a:pathLst>
+                  <a:path w="230" h="228">
+                    <a:moveTo>
+                      <a:pt x="230" y="134"/>
+                    </a:moveTo>
+                    <a:lnTo>
+                      <a:pt x="80" y="134"/>
+                    </a:lnTo>
+                    <a:lnTo>
+                      <a:pt x="169" y="135"/>
+                    </a:lnTo>
+                    <a:lnTo>
+                      <a:pt x="169" y="185"/>
+                    </a:lnTo>
+                    <a:lnTo>
+                      <a:pt x="230" y="185"/>
+                    </a:lnTo>
+                    <a:lnTo>
+                      <a:pt x="230" y="134"/>
+                    </a:lnTo>
+                  </a:path>
+                </a:pathLst>
+              </a:custGeom>
+              <a:solidFill>
+                <a:srgbClr val="FFFFFF"/>
+              </a:solidFill>
+              <a:ln>
+                <a:noFill/>
+              </a:ln>
+              <a:extLst>
+                <a:ext uri="{91240B29-F687-4F45-9708-019B960494DF}">
+                  <a14:hiddenLine xmlns:a14="http://schemas.microsoft.com/office/drawing/2010/main" w="9525">
+                    <a:solidFill>
+                      <a:srgbClr val="000000"/>
+                    </a:solidFill>
+                    <a:round/>
+                    <a:headEnd/>
+                    <a:tailEnd/>
+                  </a14:hiddenLine>
+                </a:ext>
+              </a:extLst>
+            </p:spPr>
+            <p:txBody>
+              <a:bodyPr rot="0" vert="horz" wrap="square" lIns="91440" tIns="45720" rIns="91440" bIns="45720" anchor="t" anchorCtr="0" upright="1">
+                <a:noAutofit/>
+              </a:bodyPr>
+              <a:lstStyle/>
+              <a:p>
+                <a:endParaRPr lang="es-CL" dirty="0"/>
+              </a:p>
+            </p:txBody>
+          </p:sp>
+        </p:grpSp>
+        <p:grpSp>
+          <p:nvGrpSpPr>
+            <p:cNvPr id="44" name="Group 31">
+              <a:extLst>
+                <a:ext uri="{FF2B5EF4-FFF2-40B4-BE49-F238E27FC236}">
+                  <a16:creationId xmlns:a16="http://schemas.microsoft.com/office/drawing/2014/main" id="{9F95A828-36D9-7CDC-0A3E-FBF73D03DBBE}"/>
+                </a:ext>
+              </a:extLst>
+            </p:cNvPr>
+            <p:cNvGrpSpPr>
+              <a:grpSpLocks/>
+            </p:cNvGrpSpPr>
+            <p:nvPr/>
+          </p:nvGrpSpPr>
+          <p:grpSpPr bwMode="auto">
+            <a:xfrm>
+              <a:off x="2565" y="2173"/>
+              <a:ext cx="203" cy="230"/>
+              <a:chOff x="2565" y="2173"/>
+              <a:chExt cx="203" cy="230"/>
+            </a:xfrm>
+          </p:grpSpPr>
+          <p:sp>
+            <p:nvSpPr>
+              <p:cNvPr id="54" name="Freeform 32">
+                <a:extLst>
+                  <a:ext uri="{FF2B5EF4-FFF2-40B4-BE49-F238E27FC236}">
+                    <a16:creationId xmlns:a16="http://schemas.microsoft.com/office/drawing/2014/main" id="{BF5A8B26-25FF-8AB8-DD3A-59D585F9BA18}"/>
+                  </a:ext>
+                </a:extLst>
+              </p:cNvPr>
+              <p:cNvSpPr>
+                <a:spLocks/>
+              </p:cNvSpPr>
+              <p:nvPr/>
+            </p:nvSpPr>
+            <p:spPr bwMode="auto">
+              <a:xfrm>
+                <a:off x="2565" y="2173"/>
+                <a:ext cx="203" cy="230"/>
+              </a:xfrm>
+              <a:custGeom>
+                <a:avLst/>
+                <a:gdLst>
+                  <a:gd name="T0" fmla="+- 0 2768 2565"/>
+                  <a:gd name="T1" fmla="*/ T0 w 203"/>
+                  <a:gd name="T2" fmla="+- 0 2173 2173"/>
+                  <a:gd name="T3" fmla="*/ 2173 h 230"/>
+                  <a:gd name="T4" fmla="+- 0 2669 2565"/>
+                  <a:gd name="T5" fmla="*/ T4 w 203"/>
+                  <a:gd name="T6" fmla="+- 0 2173 2173"/>
+                  <a:gd name="T7" fmla="*/ 2173 h 230"/>
+                  <a:gd name="T8" fmla="+- 0 2634 2565"/>
+                  <a:gd name="T9" fmla="*/ T8 w 203"/>
+                  <a:gd name="T10" fmla="+- 0 2174 2173"/>
+                  <a:gd name="T11" fmla="*/ 2174 h 230"/>
+                  <a:gd name="T12" fmla="+- 0 2575 2565"/>
+                  <a:gd name="T13" fmla="*/ T12 w 203"/>
+                  <a:gd name="T14" fmla="+- 0 2209 2173"/>
+                  <a:gd name="T15" fmla="*/ 2209 h 230"/>
+                  <a:gd name="T16" fmla="+- 0 2567 2565"/>
+                  <a:gd name="T17" fmla="*/ T16 w 203"/>
+                  <a:gd name="T18" fmla="+- 0 2274 2173"/>
+                  <a:gd name="T19" fmla="*/ 2274 h 230"/>
+                  <a:gd name="T20" fmla="+- 0 2565 2565"/>
+                  <a:gd name="T21" fmla="*/ T20 w 203"/>
+                  <a:gd name="T22" fmla="+- 0 2297 2173"/>
+                  <a:gd name="T23" fmla="*/ 2297 h 230"/>
+                  <a:gd name="T24" fmla="+- 0 2565 2565"/>
+                  <a:gd name="T25" fmla="*/ T24 w 203"/>
+                  <a:gd name="T26" fmla="+- 0 2309 2173"/>
+                  <a:gd name="T27" fmla="*/ 2309 h 230"/>
+                  <a:gd name="T28" fmla="+- 0 2567 2565"/>
+                  <a:gd name="T29" fmla="*/ T28 w 203"/>
+                  <a:gd name="T30" fmla="+- 0 2317 2173"/>
+                  <a:gd name="T31" fmla="*/ 2317 h 230"/>
+                  <a:gd name="T32" fmla="+- 0 2574 2565"/>
+                  <a:gd name="T33" fmla="*/ T32 w 203"/>
+                  <a:gd name="T34" fmla="+- 0 2347 2173"/>
+                  <a:gd name="T35" fmla="*/ 2347 h 230"/>
+                  <a:gd name="T36" fmla="+- 0 2617 2565"/>
+                  <a:gd name="T37" fmla="*/ T36 w 203"/>
+                  <a:gd name="T38" fmla="+- 0 2400 2173"/>
+                  <a:gd name="T39" fmla="*/ 2400 h 230"/>
+                  <a:gd name="T40" fmla="+- 0 2675 2565"/>
+                  <a:gd name="T41" fmla="*/ T40 w 203"/>
+                  <a:gd name="T42" fmla="+- 0 2403 2173"/>
+                  <a:gd name="T43" fmla="*/ 2403 h 230"/>
+                  <a:gd name="T44" fmla="+- 0 2768 2565"/>
+                  <a:gd name="T45" fmla="*/ T44 w 203"/>
+                  <a:gd name="T46" fmla="+- 0 2402 2173"/>
+                  <a:gd name="T47" fmla="*/ 2402 h 230"/>
+                  <a:gd name="T48" fmla="+- 0 2768 2565"/>
+                  <a:gd name="T49" fmla="*/ T48 w 203"/>
+                  <a:gd name="T50" fmla="+- 0 2353 2173"/>
+                  <a:gd name="T51" fmla="*/ 2353 h 230"/>
+                  <a:gd name="T52" fmla="+- 0 2682 2565"/>
+                  <a:gd name="T53" fmla="*/ T52 w 203"/>
+                  <a:gd name="T54" fmla="+- 0 2353 2173"/>
+                  <a:gd name="T55" fmla="*/ 2353 h 230"/>
+                  <a:gd name="T56" fmla="+- 0 2650 2565"/>
+                  <a:gd name="T57" fmla="*/ T56 w 203"/>
+                  <a:gd name="T58" fmla="+- 0 2350 2173"/>
+                  <a:gd name="T59" fmla="*/ 2350 h 230"/>
+                  <a:gd name="T60" fmla="+- 0 2634 2565"/>
+                  <a:gd name="T61" fmla="*/ T60 w 203"/>
+                  <a:gd name="T62" fmla="+- 0 2343 2173"/>
+                  <a:gd name="T63" fmla="*/ 2343 h 230"/>
+                  <a:gd name="T64" fmla="+- 0 2630 2565"/>
+                  <a:gd name="T65" fmla="*/ T64 w 203"/>
+                  <a:gd name="T66" fmla="+- 0 2326 2173"/>
+                  <a:gd name="T67" fmla="*/ 2326 h 230"/>
+                  <a:gd name="T68" fmla="+- 0 2631 2565"/>
+                  <a:gd name="T69" fmla="*/ T68 w 203"/>
+                  <a:gd name="T70" fmla="+- 0 2273 2173"/>
+                  <a:gd name="T71" fmla="*/ 2273 h 230"/>
+                  <a:gd name="T72" fmla="+- 0 2632 2565"/>
+                  <a:gd name="T73" fmla="*/ T72 w 203"/>
+                  <a:gd name="T74" fmla="+- 0 2244 2173"/>
+                  <a:gd name="T75" fmla="*/ 2244 h 230"/>
+                  <a:gd name="T76" fmla="+- 0 2640 2565"/>
+                  <a:gd name="T77" fmla="*/ T76 w 203"/>
+                  <a:gd name="T78" fmla="+- 0 2231 2173"/>
+                  <a:gd name="T79" fmla="*/ 2231 h 230"/>
+                  <a:gd name="T80" fmla="+- 0 2662 2565"/>
+                  <a:gd name="T81" fmla="*/ T80 w 203"/>
+                  <a:gd name="T82" fmla="+- 0 2225 2173"/>
+                  <a:gd name="T83" fmla="*/ 2225 h 230"/>
+                  <a:gd name="T84" fmla="+- 0 2768 2565"/>
+                  <a:gd name="T85" fmla="*/ T84 w 203"/>
+                  <a:gd name="T86" fmla="+- 0 2222 2173"/>
+                  <a:gd name="T87" fmla="*/ 2222 h 230"/>
+                  <a:gd name="T88" fmla="+- 0 2768 2565"/>
+                  <a:gd name="T89" fmla="*/ T88 w 203"/>
+                  <a:gd name="T90" fmla="+- 0 2173 2173"/>
+                  <a:gd name="T91" fmla="*/ 2173 h 230"/>
+                </a:gdLst>
+                <a:ahLst/>
+                <a:cxnLst>
+                  <a:cxn ang="0">
+                    <a:pos x="T1" y="T3"/>
+                  </a:cxn>
+                  <a:cxn ang="0">
+                    <a:pos x="T5" y="T7"/>
+                  </a:cxn>
+                  <a:cxn ang="0">
+                    <a:pos x="T9" y="T11"/>
+                  </a:cxn>
+                  <a:cxn ang="0">
+                    <a:pos x="T13" y="T15"/>
+                  </a:cxn>
+                  <a:cxn ang="0">
+                    <a:pos x="T17" y="T19"/>
+                  </a:cxn>
+                  <a:cxn ang="0">
+                    <a:pos x="T21" y="T23"/>
+                  </a:cxn>
+                  <a:cxn ang="0">
+                    <a:pos x="T25" y="T27"/>
+                  </a:cxn>
+                  <a:cxn ang="0">
+                    <a:pos x="T29" y="T31"/>
+                  </a:cxn>
+                  <a:cxn ang="0">
+                    <a:pos x="T33" y="T35"/>
+                  </a:cxn>
+                  <a:cxn ang="0">
+                    <a:pos x="T37" y="T39"/>
+                  </a:cxn>
+                  <a:cxn ang="0">
+                    <a:pos x="T41" y="T43"/>
+                  </a:cxn>
+                  <a:cxn ang="0">
+                    <a:pos x="T45" y="T47"/>
+                  </a:cxn>
+                  <a:cxn ang="0">
+                    <a:pos x="T49" y="T51"/>
+                  </a:cxn>
+                  <a:cxn ang="0">
+                    <a:pos x="T53" y="T55"/>
+                  </a:cxn>
+                  <a:cxn ang="0">
+                    <a:pos x="T57" y="T59"/>
+                  </a:cxn>
+                  <a:cxn ang="0">
+                    <a:pos x="T61" y="T63"/>
+                  </a:cxn>
+                  <a:cxn ang="0">
+                    <a:pos x="T65" y="T67"/>
+                  </a:cxn>
+                  <a:cxn ang="0">
+                    <a:pos x="T69" y="T71"/>
+                  </a:cxn>
+                  <a:cxn ang="0">
+                    <a:pos x="T73" y="T75"/>
+                  </a:cxn>
+                  <a:cxn ang="0">
+                    <a:pos x="T77" y="T79"/>
+                  </a:cxn>
+                  <a:cxn ang="0">
+                    <a:pos x="T81" y="T83"/>
+                  </a:cxn>
+                  <a:cxn ang="0">
+                    <a:pos x="T85" y="T87"/>
+                  </a:cxn>
+                  <a:cxn ang="0">
+                    <a:pos x="T89" y="T91"/>
+                  </a:cxn>
+                </a:cxnLst>
+                <a:rect l="0" t="0" r="r" b="b"/>
+                <a:pathLst>
+                  <a:path w="203" h="230">
+                    <a:moveTo>
+                      <a:pt x="203" y="0"/>
+                    </a:moveTo>
+                    <a:lnTo>
+                      <a:pt x="104" y="0"/>
+                    </a:lnTo>
+                    <a:lnTo>
+                      <a:pt x="69" y="1"/>
+                    </a:lnTo>
+                    <a:lnTo>
+                      <a:pt x="10" y="36"/>
+                    </a:lnTo>
+                    <a:lnTo>
+                      <a:pt x="2" y="101"/>
+                    </a:lnTo>
+                    <a:lnTo>
+                      <a:pt x="0" y="124"/>
+                    </a:lnTo>
+                    <a:lnTo>
+                      <a:pt x="0" y="136"/>
+                    </a:lnTo>
+                    <a:lnTo>
+                      <a:pt x="2" y="144"/>
+                    </a:lnTo>
+                    <a:lnTo>
+                      <a:pt x="9" y="174"/>
+                    </a:lnTo>
+                    <a:lnTo>
+                      <a:pt x="52" y="227"/>
+                    </a:lnTo>
+                    <a:lnTo>
+                      <a:pt x="110" y="230"/>
+                    </a:lnTo>
+                    <a:lnTo>
+                      <a:pt x="203" y="229"/>
+                    </a:lnTo>
+                    <a:lnTo>
+                      <a:pt x="203" y="180"/>
+                    </a:lnTo>
+                    <a:lnTo>
+                      <a:pt x="117" y="180"/>
+                    </a:lnTo>
+                    <a:lnTo>
+                      <a:pt x="85" y="177"/>
+                    </a:lnTo>
+                    <a:lnTo>
+                      <a:pt x="69" y="170"/>
+                    </a:lnTo>
+                    <a:lnTo>
+                      <a:pt x="65" y="153"/>
+                    </a:lnTo>
+                    <a:lnTo>
+                      <a:pt x="66" y="100"/>
+                    </a:lnTo>
+                    <a:lnTo>
+                      <a:pt x="67" y="71"/>
+                    </a:lnTo>
+                    <a:lnTo>
+                      <a:pt x="75" y="58"/>
+                    </a:lnTo>
+                    <a:lnTo>
+                      <a:pt x="97" y="52"/>
+                    </a:lnTo>
+                    <a:lnTo>
+                      <a:pt x="203" y="49"/>
+                    </a:lnTo>
+                    <a:lnTo>
+                      <a:pt x="203" y="0"/>
+                    </a:lnTo>
+                  </a:path>
+                </a:pathLst>
+              </a:custGeom>
+              <a:solidFill>
+                <a:srgbClr val="FFFFFF"/>
+              </a:solidFill>
+              <a:ln>
+                <a:noFill/>
+              </a:ln>
+              <a:extLst>
+                <a:ext uri="{91240B29-F687-4F45-9708-019B960494DF}">
+                  <a14:hiddenLine xmlns:a14="http://schemas.microsoft.com/office/drawing/2010/main" w="9525">
+                    <a:solidFill>
+                      <a:srgbClr val="000000"/>
+                    </a:solidFill>
+                    <a:round/>
+                    <a:headEnd/>
+                    <a:tailEnd/>
+                  </a14:hiddenLine>
+                </a:ext>
+              </a:extLst>
+            </p:spPr>
+            <p:txBody>
+              <a:bodyPr rot="0" vert="horz" wrap="square" lIns="91440" tIns="45720" rIns="91440" bIns="45720" anchor="t" anchorCtr="0" upright="1">
+                <a:noAutofit/>
+              </a:bodyPr>
+              <a:lstStyle/>
+              <a:p>
+                <a:endParaRPr lang="es-CL" dirty="0"/>
+              </a:p>
+            </p:txBody>
+          </p:sp>
+          <p:sp>
+            <p:nvSpPr>
+              <p:cNvPr id="55" name="Freeform 33">
+                <a:extLst>
+                  <a:ext uri="{FF2B5EF4-FFF2-40B4-BE49-F238E27FC236}">
+                    <a16:creationId xmlns:a16="http://schemas.microsoft.com/office/drawing/2014/main" id="{D6E40F08-0E50-8A1F-8D57-1FA804C78576}"/>
+                  </a:ext>
+                </a:extLst>
+              </p:cNvPr>
+              <p:cNvSpPr>
+                <a:spLocks/>
+              </p:cNvSpPr>
+              <p:nvPr/>
+            </p:nvSpPr>
+            <p:spPr bwMode="auto">
+              <a:xfrm>
+                <a:off x="2565" y="2173"/>
+                <a:ext cx="203" cy="230"/>
+              </a:xfrm>
+              <a:custGeom>
+                <a:avLst/>
+                <a:gdLst>
+                  <a:gd name="T0" fmla="+- 0 2768 2565"/>
+                  <a:gd name="T1" fmla="*/ T0 w 203"/>
+                  <a:gd name="T2" fmla="+- 0 2353 2173"/>
+                  <a:gd name="T3" fmla="*/ 2353 h 230"/>
+                  <a:gd name="T4" fmla="+- 0 2682 2565"/>
+                  <a:gd name="T5" fmla="*/ T4 w 203"/>
+                  <a:gd name="T6" fmla="+- 0 2353 2173"/>
+                  <a:gd name="T7" fmla="*/ 2353 h 230"/>
+                  <a:gd name="T8" fmla="+- 0 2768 2565"/>
+                  <a:gd name="T9" fmla="*/ T8 w 203"/>
+                  <a:gd name="T10" fmla="+- 0 2353 2173"/>
+                  <a:gd name="T11" fmla="*/ 2353 h 230"/>
+                  <a:gd name="T12" fmla="+- 0 2768 2565"/>
+                  <a:gd name="T13" fmla="*/ T12 w 203"/>
+                  <a:gd name="T14" fmla="+- 0 2353 2173"/>
+                  <a:gd name="T15" fmla="*/ 2353 h 230"/>
+                </a:gdLst>
+                <a:ahLst/>
+                <a:cxnLst>
+                  <a:cxn ang="0">
+                    <a:pos x="T1" y="T3"/>
+                  </a:cxn>
+                  <a:cxn ang="0">
+                    <a:pos x="T5" y="T7"/>
+                  </a:cxn>
+                  <a:cxn ang="0">
+                    <a:pos x="T9" y="T11"/>
+                  </a:cxn>
+                  <a:cxn ang="0">
+                    <a:pos x="T13" y="T15"/>
+                  </a:cxn>
+                </a:cxnLst>
+                <a:rect l="0" t="0" r="r" b="b"/>
+                <a:pathLst>
+                  <a:path w="203" h="230">
+                    <a:moveTo>
+                      <a:pt x="203" y="180"/>
+                    </a:moveTo>
+                    <a:lnTo>
+                      <a:pt x="117" y="180"/>
+                    </a:lnTo>
+                    <a:lnTo>
+                      <a:pt x="203" y="180"/>
+                    </a:lnTo>
+                  </a:path>
+                </a:pathLst>
+              </a:custGeom>
+              <a:solidFill>
+                <a:srgbClr val="FFFFFF"/>
+              </a:solidFill>
+              <a:ln>
+                <a:noFill/>
+              </a:ln>
+              <a:extLst>
+                <a:ext uri="{91240B29-F687-4F45-9708-019B960494DF}">
+                  <a14:hiddenLine xmlns:a14="http://schemas.microsoft.com/office/drawing/2010/main" w="9525">
+                    <a:solidFill>
+                      <a:srgbClr val="000000"/>
+                    </a:solidFill>
+                    <a:round/>
+                    <a:headEnd/>
+                    <a:tailEnd/>
+                  </a14:hiddenLine>
+                </a:ext>
+              </a:extLst>
+            </p:spPr>
+            <p:txBody>
+              <a:bodyPr rot="0" vert="horz" wrap="square" lIns="91440" tIns="45720" rIns="91440" bIns="45720" anchor="t" anchorCtr="0" upright="1">
+                <a:noAutofit/>
+              </a:bodyPr>
+              <a:lstStyle/>
+              <a:p>
+                <a:endParaRPr lang="es-CL" dirty="0"/>
+              </a:p>
+            </p:txBody>
+          </p:sp>
+        </p:grpSp>
+        <p:grpSp>
+          <p:nvGrpSpPr>
+            <p:cNvPr id="45" name="Group 34">
+              <a:extLst>
+                <a:ext uri="{FF2B5EF4-FFF2-40B4-BE49-F238E27FC236}">
+                  <a16:creationId xmlns:a16="http://schemas.microsoft.com/office/drawing/2014/main" id="{8E14538A-A3CF-D44F-525D-346F0EB1689D}"/>
+                </a:ext>
+              </a:extLst>
+            </p:cNvPr>
+            <p:cNvGrpSpPr>
+              <a:grpSpLocks/>
+            </p:cNvGrpSpPr>
+            <p:nvPr/>
+          </p:nvGrpSpPr>
+          <p:grpSpPr bwMode="auto">
+            <a:xfrm>
+              <a:off x="2801" y="2172"/>
+              <a:ext cx="230" cy="228"/>
+              <a:chOff x="2801" y="2172"/>
+              <a:chExt cx="230" cy="228"/>
+            </a:xfrm>
+          </p:grpSpPr>
+          <p:sp>
+            <p:nvSpPr>
+              <p:cNvPr id="51" name="Freeform 35">
+                <a:extLst>
+                  <a:ext uri="{FF2B5EF4-FFF2-40B4-BE49-F238E27FC236}">
+                    <a16:creationId xmlns:a16="http://schemas.microsoft.com/office/drawing/2014/main" id="{A28520DE-16F4-995B-A1DD-2E1000260218}"/>
+                  </a:ext>
+                </a:extLst>
+              </p:cNvPr>
+              <p:cNvSpPr>
+                <a:spLocks/>
+              </p:cNvSpPr>
+              <p:nvPr/>
+            </p:nvSpPr>
+            <p:spPr bwMode="auto">
+              <a:xfrm>
+                <a:off x="2801" y="2172"/>
+                <a:ext cx="230" cy="228"/>
+              </a:xfrm>
+              <a:custGeom>
+                <a:avLst/>
+                <a:gdLst>
+                  <a:gd name="T0" fmla="+- 0 2815 2801"/>
+                  <a:gd name="T1" fmla="*/ T0 w 230"/>
+                  <a:gd name="T2" fmla="+- 0 2172 2172"/>
+                  <a:gd name="T3" fmla="*/ 2172 h 228"/>
+                  <a:gd name="T4" fmla="+- 0 2815 2801"/>
+                  <a:gd name="T5" fmla="*/ T4 w 230"/>
+                  <a:gd name="T6" fmla="+- 0 2217 2172"/>
+                  <a:gd name="T7" fmla="*/ 2217 h 228"/>
+                  <a:gd name="T8" fmla="+- 0 2930 2801"/>
+                  <a:gd name="T9" fmla="*/ T8 w 230"/>
+                  <a:gd name="T10" fmla="+- 0 2217 2172"/>
+                  <a:gd name="T11" fmla="*/ 2217 h 228"/>
+                  <a:gd name="T12" fmla="+- 0 2958 2801"/>
+                  <a:gd name="T13" fmla="*/ T12 w 230"/>
+                  <a:gd name="T14" fmla="+- 0 2218 2172"/>
+                  <a:gd name="T15" fmla="*/ 2218 h 228"/>
+                  <a:gd name="T16" fmla="+- 0 2968 2801"/>
+                  <a:gd name="T17" fmla="*/ T16 w 230"/>
+                  <a:gd name="T18" fmla="+- 0 2230 2172"/>
+                  <a:gd name="T19" fmla="*/ 2230 h 228"/>
+                  <a:gd name="T20" fmla="+- 0 2970 2801"/>
+                  <a:gd name="T21" fmla="*/ T20 w 230"/>
+                  <a:gd name="T22" fmla="+- 0 2262 2172"/>
+                  <a:gd name="T23" fmla="*/ 2262 h 228"/>
+                  <a:gd name="T24" fmla="+- 0 2865 2801"/>
+                  <a:gd name="T25" fmla="*/ T24 w 230"/>
+                  <a:gd name="T26" fmla="+- 0 2262 2172"/>
+                  <a:gd name="T27" fmla="*/ 2262 h 228"/>
+                  <a:gd name="T28" fmla="+- 0 2832 2801"/>
+                  <a:gd name="T29" fmla="*/ T28 w 230"/>
+                  <a:gd name="T30" fmla="+- 0 2263 2172"/>
+                  <a:gd name="T31" fmla="*/ 2263 h 228"/>
+                  <a:gd name="T32" fmla="+- 0 2814 2801"/>
+                  <a:gd name="T33" fmla="*/ T32 w 230"/>
+                  <a:gd name="T34" fmla="+- 0 2268 2172"/>
+                  <a:gd name="T35" fmla="*/ 2268 h 228"/>
+                  <a:gd name="T36" fmla="+- 0 2806 2801"/>
+                  <a:gd name="T37" fmla="*/ T36 w 230"/>
+                  <a:gd name="T38" fmla="+- 0 2282 2172"/>
+                  <a:gd name="T39" fmla="*/ 2282 h 228"/>
+                  <a:gd name="T40" fmla="+- 0 2802 2801"/>
+                  <a:gd name="T41" fmla="*/ T40 w 230"/>
+                  <a:gd name="T42" fmla="+- 0 2308 2172"/>
+                  <a:gd name="T43" fmla="*/ 2308 h 228"/>
+                  <a:gd name="T44" fmla="+- 0 2801 2801"/>
+                  <a:gd name="T45" fmla="*/ T44 w 230"/>
+                  <a:gd name="T46" fmla="+- 0 2355 2172"/>
+                  <a:gd name="T47" fmla="*/ 2355 h 228"/>
+                  <a:gd name="T48" fmla="+- 0 2804 2801"/>
+                  <a:gd name="T49" fmla="*/ T48 w 230"/>
+                  <a:gd name="T50" fmla="+- 0 2378 2172"/>
+                  <a:gd name="T51" fmla="*/ 2378 h 228"/>
+                  <a:gd name="T52" fmla="+- 0 2814 2801"/>
+                  <a:gd name="T53" fmla="*/ T52 w 230"/>
+                  <a:gd name="T54" fmla="+- 0 2389 2172"/>
+                  <a:gd name="T55" fmla="*/ 2389 h 228"/>
+                  <a:gd name="T56" fmla="+- 0 2837 2801"/>
+                  <a:gd name="T57" fmla="*/ T56 w 230"/>
+                  <a:gd name="T58" fmla="+- 0 2397 2172"/>
+                  <a:gd name="T59" fmla="*/ 2397 h 228"/>
+                  <a:gd name="T60" fmla="+- 0 3031 2801"/>
+                  <a:gd name="T61" fmla="*/ T60 w 230"/>
+                  <a:gd name="T62" fmla="+- 0 2400 2172"/>
+                  <a:gd name="T63" fmla="*/ 2400 h 228"/>
+                  <a:gd name="T64" fmla="+- 0 3031 2801"/>
+                  <a:gd name="T65" fmla="*/ T64 w 230"/>
+                  <a:gd name="T66" fmla="+- 0 2358 2172"/>
+                  <a:gd name="T67" fmla="*/ 2358 h 228"/>
+                  <a:gd name="T68" fmla="+- 0 2861 2801"/>
+                  <a:gd name="T69" fmla="*/ T68 w 230"/>
+                  <a:gd name="T70" fmla="+- 0 2358 2172"/>
+                  <a:gd name="T71" fmla="*/ 2358 h 228"/>
+                  <a:gd name="T72" fmla="+- 0 2862 2801"/>
+                  <a:gd name="T73" fmla="*/ T72 w 230"/>
+                  <a:gd name="T74" fmla="+- 0 2341 2172"/>
+                  <a:gd name="T75" fmla="*/ 2341 h 228"/>
+                  <a:gd name="T76" fmla="+- 0 2862 2801"/>
+                  <a:gd name="T77" fmla="*/ T76 w 230"/>
+                  <a:gd name="T78" fmla="+- 0 2326 2172"/>
+                  <a:gd name="T79" fmla="*/ 2326 h 228"/>
+                  <a:gd name="T80" fmla="+- 0 2862 2801"/>
+                  <a:gd name="T81" fmla="*/ T80 w 230"/>
+                  <a:gd name="T82" fmla="+- 0 2308 2172"/>
+                  <a:gd name="T83" fmla="*/ 2308 h 228"/>
+                  <a:gd name="T84" fmla="+- 0 2881 2801"/>
+                  <a:gd name="T85" fmla="*/ T84 w 230"/>
+                  <a:gd name="T86" fmla="+- 0 2307 2172"/>
+                  <a:gd name="T87" fmla="*/ 2307 h 228"/>
+                  <a:gd name="T88" fmla="+- 0 3031 2801"/>
+                  <a:gd name="T89" fmla="*/ T88 w 230"/>
+                  <a:gd name="T90" fmla="+- 0 2307 2172"/>
+                  <a:gd name="T91" fmla="*/ 2307 h 228"/>
+                  <a:gd name="T92" fmla="+- 0 3031 2801"/>
+                  <a:gd name="T93" fmla="*/ T92 w 230"/>
+                  <a:gd name="T94" fmla="+- 0 2244 2172"/>
+                  <a:gd name="T95" fmla="*/ 2244 h 228"/>
+                  <a:gd name="T96" fmla="+- 0 3016 2801"/>
+                  <a:gd name="T97" fmla="*/ T96 w 230"/>
+                  <a:gd name="T98" fmla="+- 0 2180 2172"/>
+                  <a:gd name="T99" fmla="*/ 2180 h 228"/>
+                  <a:gd name="T100" fmla="+- 0 2953 2801"/>
+                  <a:gd name="T101" fmla="*/ T100 w 230"/>
+                  <a:gd name="T102" fmla="+- 0 2173 2172"/>
+                  <a:gd name="T103" fmla="*/ 2173 h 228"/>
+                  <a:gd name="T104" fmla="+- 0 2815 2801"/>
+                  <a:gd name="T105" fmla="*/ T104 w 230"/>
+                  <a:gd name="T106" fmla="+- 0 2172 2172"/>
+                  <a:gd name="T107" fmla="*/ 2172 h 228"/>
+                </a:gdLst>
+                <a:ahLst/>
+                <a:cxnLst>
+                  <a:cxn ang="0">
+                    <a:pos x="T1" y="T3"/>
+                  </a:cxn>
+                  <a:cxn ang="0">
+                    <a:pos x="T5" y="T7"/>
+                  </a:cxn>
+                  <a:cxn ang="0">
+                    <a:pos x="T9" y="T11"/>
+                  </a:cxn>
+                  <a:cxn ang="0">
+                    <a:pos x="T13" y="T15"/>
+                  </a:cxn>
+                  <a:cxn ang="0">
+                    <a:pos x="T17" y="T19"/>
+                  </a:cxn>
+                  <a:cxn ang="0">
+                    <a:pos x="T21" y="T23"/>
+                  </a:cxn>
+                  <a:cxn ang="0">
+                    <a:pos x="T25" y="T27"/>
+                  </a:cxn>
+                  <a:cxn ang="0">
+                    <a:pos x="T29" y="T31"/>
+                  </a:cxn>
+                  <a:cxn ang="0">
+                    <a:pos x="T33" y="T35"/>
+                  </a:cxn>
+                  <a:cxn ang="0">
+                    <a:pos x="T37" y="T39"/>
+                  </a:cxn>
+                  <a:cxn ang="0">
+                    <a:pos x="T41" y="T43"/>
+                  </a:cxn>
+                  <a:cxn ang="0">
+                    <a:pos x="T45" y="T47"/>
+                  </a:cxn>
+                  <a:cxn ang="0">
+                    <a:pos x="T49" y="T51"/>
+                  </a:cxn>
+                  <a:cxn ang="0">
+                    <a:pos x="T53" y="T55"/>
+                  </a:cxn>
+                  <a:cxn ang="0">
+                    <a:pos x="T57" y="T59"/>
+                  </a:cxn>
+                  <a:cxn ang="0">
+                    <a:pos x="T61" y="T63"/>
+                  </a:cxn>
+                  <a:cxn ang="0">
+                    <a:pos x="T65" y="T67"/>
+                  </a:cxn>
+                  <a:cxn ang="0">
+                    <a:pos x="T69" y="T71"/>
+                  </a:cxn>
+                  <a:cxn ang="0">
+                    <a:pos x="T73" y="T75"/>
+                  </a:cxn>
+                  <a:cxn ang="0">
+                    <a:pos x="T77" y="T79"/>
+                  </a:cxn>
+                  <a:cxn ang="0">
+                    <a:pos x="T81" y="T83"/>
+                  </a:cxn>
+                  <a:cxn ang="0">
+                    <a:pos x="T85" y="T87"/>
+                  </a:cxn>
+                  <a:cxn ang="0">
+                    <a:pos x="T89" y="T91"/>
+                  </a:cxn>
+                  <a:cxn ang="0">
+                    <a:pos x="T93" y="T95"/>
+                  </a:cxn>
+                  <a:cxn ang="0">
+                    <a:pos x="T97" y="T99"/>
+                  </a:cxn>
+                  <a:cxn ang="0">
+                    <a:pos x="T101" y="T103"/>
+                  </a:cxn>
+                  <a:cxn ang="0">
+                    <a:pos x="T105" y="T107"/>
+                  </a:cxn>
+                </a:cxnLst>
+                <a:rect l="0" t="0" r="r" b="b"/>
+                <a:pathLst>
+                  <a:path w="230" h="228">
+                    <a:moveTo>
+                      <a:pt x="14" y="0"/>
+                    </a:moveTo>
+                    <a:lnTo>
+                      <a:pt x="14" y="45"/>
+                    </a:lnTo>
+                    <a:lnTo>
+                      <a:pt x="129" y="45"/>
+                    </a:lnTo>
+                    <a:lnTo>
+                      <a:pt x="157" y="46"/>
+                    </a:lnTo>
+                    <a:lnTo>
+                      <a:pt x="167" y="58"/>
+                    </a:lnTo>
+                    <a:lnTo>
+                      <a:pt x="169" y="90"/>
+                    </a:lnTo>
+                    <a:lnTo>
+                      <a:pt x="64" y="90"/>
+                    </a:lnTo>
+                    <a:lnTo>
+                      <a:pt x="31" y="91"/>
+                    </a:lnTo>
+                    <a:lnTo>
+                      <a:pt x="13" y="96"/>
+                    </a:lnTo>
+                    <a:lnTo>
+                      <a:pt x="5" y="110"/>
+                    </a:lnTo>
+                    <a:lnTo>
+                      <a:pt x="1" y="136"/>
+                    </a:lnTo>
+                    <a:lnTo>
+                      <a:pt x="0" y="183"/>
+                    </a:lnTo>
+                    <a:lnTo>
+                      <a:pt x="3" y="206"/>
+                    </a:lnTo>
+                    <a:lnTo>
+                      <a:pt x="13" y="217"/>
+                    </a:lnTo>
+                    <a:lnTo>
+                      <a:pt x="36" y="225"/>
+                    </a:lnTo>
+                    <a:lnTo>
+                      <a:pt x="230" y="228"/>
+                    </a:lnTo>
+                    <a:lnTo>
+                      <a:pt x="230" y="186"/>
+                    </a:lnTo>
+                    <a:lnTo>
+                      <a:pt x="60" y="186"/>
+                    </a:lnTo>
+                    <a:lnTo>
+                      <a:pt x="61" y="169"/>
+                    </a:lnTo>
+                    <a:lnTo>
+                      <a:pt x="61" y="154"/>
+                    </a:lnTo>
+                    <a:lnTo>
+                      <a:pt x="61" y="136"/>
+                    </a:lnTo>
+                    <a:lnTo>
+                      <a:pt x="80" y="135"/>
+                    </a:lnTo>
+                    <a:lnTo>
+                      <a:pt x="230" y="135"/>
+                    </a:lnTo>
+                    <a:lnTo>
+                      <a:pt x="230" y="72"/>
+                    </a:lnTo>
+                    <a:lnTo>
+                      <a:pt x="215" y="8"/>
+                    </a:lnTo>
+                    <a:lnTo>
+                      <a:pt x="152" y="1"/>
+                    </a:lnTo>
+                    <a:lnTo>
+                      <a:pt x="14" y="0"/>
+                    </a:lnTo>
+                  </a:path>
+                </a:pathLst>
+              </a:custGeom>
+              <a:solidFill>
+                <a:srgbClr val="FFFFFF"/>
+              </a:solidFill>
+              <a:ln>
+                <a:noFill/>
+              </a:ln>
+              <a:extLst>
+                <a:ext uri="{91240B29-F687-4F45-9708-019B960494DF}">
+                  <a14:hiddenLine xmlns:a14="http://schemas.microsoft.com/office/drawing/2010/main" w="9525">
+                    <a:solidFill>
+                      <a:srgbClr val="000000"/>
+                    </a:solidFill>
+                    <a:round/>
+                    <a:headEnd/>
+                    <a:tailEnd/>
+                  </a14:hiddenLine>
+                </a:ext>
+              </a:extLst>
+            </p:spPr>
+            <p:txBody>
+              <a:bodyPr rot="0" vert="horz" wrap="square" lIns="91440" tIns="45720" rIns="91440" bIns="45720" anchor="t" anchorCtr="0" upright="1">
+                <a:noAutofit/>
+              </a:bodyPr>
+              <a:lstStyle/>
+              <a:p>
+                <a:endParaRPr lang="es-CL" dirty="0"/>
+              </a:p>
+            </p:txBody>
+          </p:sp>
+          <p:sp>
+            <p:nvSpPr>
+              <p:cNvPr id="52" name="Freeform 36">
+                <a:extLst>
+                  <a:ext uri="{FF2B5EF4-FFF2-40B4-BE49-F238E27FC236}">
+                    <a16:creationId xmlns:a16="http://schemas.microsoft.com/office/drawing/2014/main" id="{21F9618A-1D8F-5910-8254-D2646188E907}"/>
+                  </a:ext>
+                </a:extLst>
+              </p:cNvPr>
+              <p:cNvSpPr>
+                <a:spLocks/>
+              </p:cNvSpPr>
+              <p:nvPr/>
+            </p:nvSpPr>
+            <p:spPr bwMode="auto">
+              <a:xfrm>
+                <a:off x="2801" y="2172"/>
+                <a:ext cx="230" cy="228"/>
+              </a:xfrm>
+              <a:custGeom>
+                <a:avLst/>
+                <a:gdLst>
+                  <a:gd name="T0" fmla="+- 0 2884 2801"/>
+                  <a:gd name="T1" fmla="*/ T0 w 230"/>
+                  <a:gd name="T2" fmla="+- 0 2357 2172"/>
+                  <a:gd name="T3" fmla="*/ 2357 h 228"/>
+                  <a:gd name="T4" fmla="+- 0 2861 2801"/>
+                  <a:gd name="T5" fmla="*/ T4 w 230"/>
+                  <a:gd name="T6" fmla="+- 0 2358 2172"/>
+                  <a:gd name="T7" fmla="*/ 2358 h 228"/>
+                  <a:gd name="T8" fmla="+- 0 3031 2801"/>
+                  <a:gd name="T9" fmla="*/ T8 w 230"/>
+                  <a:gd name="T10" fmla="+- 0 2358 2172"/>
+                  <a:gd name="T11" fmla="*/ 2358 h 228"/>
+                  <a:gd name="T12" fmla="+- 0 3031 2801"/>
+                  <a:gd name="T13" fmla="*/ T12 w 230"/>
+                  <a:gd name="T14" fmla="+- 0 2358 2172"/>
+                  <a:gd name="T15" fmla="*/ 2358 h 228"/>
+                  <a:gd name="T16" fmla="+- 0 2969 2801"/>
+                  <a:gd name="T17" fmla="*/ T16 w 230"/>
+                  <a:gd name="T18" fmla="+- 0 2358 2172"/>
+                  <a:gd name="T19" fmla="*/ 2358 h 228"/>
+                  <a:gd name="T20" fmla="+- 0 2884 2801"/>
+                  <a:gd name="T21" fmla="*/ T20 w 230"/>
+                  <a:gd name="T22" fmla="+- 0 2357 2172"/>
+                  <a:gd name="T23" fmla="*/ 2357 h 228"/>
+                </a:gdLst>
+                <a:ahLst/>
+                <a:cxnLst>
+                  <a:cxn ang="0">
+                    <a:pos x="T1" y="T3"/>
+                  </a:cxn>
+                  <a:cxn ang="0">
+                    <a:pos x="T5" y="T7"/>
+                  </a:cxn>
+                  <a:cxn ang="0">
+                    <a:pos x="T9" y="T11"/>
+                  </a:cxn>
+                  <a:cxn ang="0">
+                    <a:pos x="T13" y="T15"/>
+                  </a:cxn>
+                  <a:cxn ang="0">
+                    <a:pos x="T17" y="T19"/>
+                  </a:cxn>
+                  <a:cxn ang="0">
+                    <a:pos x="T21" y="T23"/>
+                  </a:cxn>
+                </a:cxnLst>
+                <a:rect l="0" t="0" r="r" b="b"/>
+                <a:pathLst>
+                  <a:path w="230" h="228">
+                    <a:moveTo>
+                      <a:pt x="83" y="185"/>
+                    </a:moveTo>
+                    <a:lnTo>
+                      <a:pt x="60" y="186"/>
+                    </a:lnTo>
+                    <a:lnTo>
+                      <a:pt x="230" y="186"/>
+                    </a:lnTo>
+                    <a:lnTo>
+                      <a:pt x="168" y="186"/>
+                    </a:lnTo>
+                    <a:lnTo>
+                      <a:pt x="83" y="185"/>
+                    </a:lnTo>
+                  </a:path>
+                </a:pathLst>
+              </a:custGeom>
+              <a:solidFill>
+                <a:srgbClr val="FFFFFF"/>
+              </a:solidFill>
+              <a:ln>
+                <a:noFill/>
+              </a:ln>
+              <a:extLst>
+                <a:ext uri="{91240B29-F687-4F45-9708-019B960494DF}">
+                  <a14:hiddenLine xmlns:a14="http://schemas.microsoft.com/office/drawing/2010/main" w="9525">
+                    <a:solidFill>
+                      <a:srgbClr val="000000"/>
+                    </a:solidFill>
+                    <a:round/>
+                    <a:headEnd/>
+                    <a:tailEnd/>
+                  </a14:hiddenLine>
+                </a:ext>
+              </a:extLst>
+            </p:spPr>
+            <p:txBody>
+              <a:bodyPr rot="0" vert="horz" wrap="square" lIns="91440" tIns="45720" rIns="91440" bIns="45720" anchor="t" anchorCtr="0" upright="1">
+                <a:noAutofit/>
+              </a:bodyPr>
+              <a:lstStyle/>
+              <a:p>
+                <a:endParaRPr lang="es-CL" dirty="0"/>
+              </a:p>
+            </p:txBody>
+          </p:sp>
+          <p:sp>
+            <p:nvSpPr>
+              <p:cNvPr id="53" name="Freeform 37">
+                <a:extLst>
+                  <a:ext uri="{FF2B5EF4-FFF2-40B4-BE49-F238E27FC236}">
+                    <a16:creationId xmlns:a16="http://schemas.microsoft.com/office/drawing/2014/main" id="{00DB661C-AF6C-577D-B27F-3084A62E8892}"/>
+                  </a:ext>
+                </a:extLst>
+              </p:cNvPr>
+              <p:cNvSpPr>
+                <a:spLocks/>
+              </p:cNvSpPr>
+              <p:nvPr/>
+            </p:nvSpPr>
+            <p:spPr bwMode="auto">
+              <a:xfrm>
+                <a:off x="2801" y="2172"/>
+                <a:ext cx="230" cy="228"/>
+              </a:xfrm>
+              <a:custGeom>
+                <a:avLst/>
+                <a:gdLst>
+                  <a:gd name="T0" fmla="+- 0 3031 2801"/>
+                  <a:gd name="T1" fmla="*/ T0 w 230"/>
+                  <a:gd name="T2" fmla="+- 0 2307 2172"/>
+                  <a:gd name="T3" fmla="*/ 2307 h 228"/>
+                  <a:gd name="T4" fmla="+- 0 2881 2801"/>
+                  <a:gd name="T5" fmla="*/ T4 w 230"/>
+                  <a:gd name="T6" fmla="+- 0 2307 2172"/>
+                  <a:gd name="T7" fmla="*/ 2307 h 228"/>
+                  <a:gd name="T8" fmla="+- 0 2969 2801"/>
+                  <a:gd name="T9" fmla="*/ T8 w 230"/>
+                  <a:gd name="T10" fmla="+- 0 2307 2172"/>
+                  <a:gd name="T11" fmla="*/ 2307 h 228"/>
+                  <a:gd name="T12" fmla="+- 0 2969 2801"/>
+                  <a:gd name="T13" fmla="*/ T12 w 230"/>
+                  <a:gd name="T14" fmla="+- 0 2358 2172"/>
+                  <a:gd name="T15" fmla="*/ 2358 h 228"/>
+                  <a:gd name="T16" fmla="+- 0 3031 2801"/>
+                  <a:gd name="T17" fmla="*/ T16 w 230"/>
+                  <a:gd name="T18" fmla="+- 0 2358 2172"/>
+                  <a:gd name="T19" fmla="*/ 2358 h 228"/>
+                  <a:gd name="T20" fmla="+- 0 3031 2801"/>
+                  <a:gd name="T21" fmla="*/ T20 w 230"/>
+                  <a:gd name="T22" fmla="+- 0 2307 2172"/>
+                  <a:gd name="T23" fmla="*/ 2307 h 228"/>
+                </a:gdLst>
+                <a:ahLst/>
+                <a:cxnLst>
+                  <a:cxn ang="0">
+                    <a:pos x="T1" y="T3"/>
+                  </a:cxn>
+                  <a:cxn ang="0">
+                    <a:pos x="T5" y="T7"/>
+                  </a:cxn>
+                  <a:cxn ang="0">
+                    <a:pos x="T9" y="T11"/>
+                  </a:cxn>
+                  <a:cxn ang="0">
+                    <a:pos x="T13" y="T15"/>
+                  </a:cxn>
+                  <a:cxn ang="0">
+                    <a:pos x="T17" y="T19"/>
+                  </a:cxn>
+                  <a:cxn ang="0">
+                    <a:pos x="T21" y="T23"/>
+                  </a:cxn>
+                </a:cxnLst>
+                <a:rect l="0" t="0" r="r" b="b"/>
+                <a:pathLst>
+                  <a:path w="230" h="228">
+                    <a:moveTo>
+                      <a:pt x="230" y="135"/>
+                    </a:moveTo>
+                    <a:lnTo>
+                      <a:pt x="80" y="135"/>
+                    </a:lnTo>
+                    <a:lnTo>
+                      <a:pt x="168" y="135"/>
+                    </a:lnTo>
+                    <a:lnTo>
+                      <a:pt x="168" y="186"/>
+                    </a:lnTo>
+                    <a:lnTo>
+                      <a:pt x="230" y="186"/>
+                    </a:lnTo>
+                    <a:lnTo>
+                      <a:pt x="230" y="135"/>
+                    </a:lnTo>
+                  </a:path>
+                </a:pathLst>
+              </a:custGeom>
+              <a:solidFill>
+                <a:srgbClr val="FFFFFF"/>
+              </a:solidFill>
+              <a:ln>
+                <a:noFill/>
+              </a:ln>
+              <a:extLst>
+                <a:ext uri="{91240B29-F687-4F45-9708-019B960494DF}">
+                  <a14:hiddenLine xmlns:a14="http://schemas.microsoft.com/office/drawing/2010/main" w="9525">
+                    <a:solidFill>
+                      <a:srgbClr val="000000"/>
+                    </a:solidFill>
+                    <a:round/>
+                    <a:headEnd/>
+                    <a:tailEnd/>
+                  </a14:hiddenLine>
+                </a:ext>
+              </a:extLst>
+            </p:spPr>
+            <p:txBody>
+              <a:bodyPr rot="0" vert="horz" wrap="square" lIns="91440" tIns="45720" rIns="91440" bIns="45720" anchor="t" anchorCtr="0" upright="1">
+                <a:noAutofit/>
+              </a:bodyPr>
+              <a:lstStyle/>
+              <a:p>
+                <a:endParaRPr lang="es-CL" dirty="0"/>
+              </a:p>
+            </p:txBody>
+          </p:sp>
+        </p:grpSp>
+        <p:grpSp>
+          <p:nvGrpSpPr>
+            <p:cNvPr id="46" name="Group 38">
+              <a:extLst>
+                <a:ext uri="{FF2B5EF4-FFF2-40B4-BE49-F238E27FC236}">
+                  <a16:creationId xmlns:a16="http://schemas.microsoft.com/office/drawing/2014/main" id="{B46B0485-2CB0-50DB-0F0E-75DB5694141F}"/>
+                </a:ext>
+              </a:extLst>
+            </p:cNvPr>
+            <p:cNvGrpSpPr>
+              <a:grpSpLocks/>
+            </p:cNvGrpSpPr>
+            <p:nvPr/>
+          </p:nvGrpSpPr>
+          <p:grpSpPr bwMode="auto">
+            <a:xfrm>
+              <a:off x="3085" y="2173"/>
+              <a:ext cx="229" cy="327"/>
+              <a:chOff x="3085" y="2173"/>
+              <a:chExt cx="229" cy="327"/>
+            </a:xfrm>
+          </p:grpSpPr>
+          <p:sp>
+            <p:nvSpPr>
+              <p:cNvPr id="49" name="Freeform 39">
+                <a:extLst>
+                  <a:ext uri="{FF2B5EF4-FFF2-40B4-BE49-F238E27FC236}">
+                    <a16:creationId xmlns:a16="http://schemas.microsoft.com/office/drawing/2014/main" id="{94A79737-7432-BC1C-C44F-B89F75387077}"/>
+                  </a:ext>
+                </a:extLst>
+              </p:cNvPr>
+              <p:cNvSpPr>
+                <a:spLocks/>
+              </p:cNvSpPr>
+              <p:nvPr/>
+            </p:nvSpPr>
+            <p:spPr bwMode="auto">
+              <a:xfrm>
+                <a:off x="3085" y="2173"/>
+                <a:ext cx="229" cy="327"/>
+              </a:xfrm>
+              <a:custGeom>
+                <a:avLst/>
+                <a:gdLst>
+                  <a:gd name="T0" fmla="+- 0 3085 3085"/>
+                  <a:gd name="T1" fmla="*/ T0 w 229"/>
+                  <a:gd name="T2" fmla="+- 0 2173 2173"/>
+                  <a:gd name="T3" fmla="*/ 2173 h 327"/>
+                  <a:gd name="T4" fmla="+- 0 3085 3085"/>
+                  <a:gd name="T5" fmla="*/ T4 w 229"/>
+                  <a:gd name="T6" fmla="+- 0 2500 2173"/>
+                  <a:gd name="T7" fmla="*/ 2500 h 327"/>
+                  <a:gd name="T8" fmla="+- 0 3145 3085"/>
+                  <a:gd name="T9" fmla="*/ T8 w 229"/>
+                  <a:gd name="T10" fmla="+- 0 2500 2173"/>
+                  <a:gd name="T11" fmla="*/ 2500 h 327"/>
+                  <a:gd name="T12" fmla="+- 0 3145 3085"/>
+                  <a:gd name="T13" fmla="*/ T12 w 229"/>
+                  <a:gd name="T14" fmla="+- 0 2400 2173"/>
+                  <a:gd name="T15" fmla="*/ 2400 h 327"/>
+                  <a:gd name="T16" fmla="+- 0 3216 3085"/>
+                  <a:gd name="T17" fmla="*/ T16 w 229"/>
+                  <a:gd name="T18" fmla="+- 0 2400 2173"/>
+                  <a:gd name="T19" fmla="*/ 2400 h 327"/>
+                  <a:gd name="T20" fmla="+- 0 3251 3085"/>
+                  <a:gd name="T21" fmla="*/ T20 w 229"/>
+                  <a:gd name="T22" fmla="+- 0 2394 2173"/>
+                  <a:gd name="T23" fmla="*/ 2394 h 327"/>
+                  <a:gd name="T24" fmla="+- 0 3277 3085"/>
+                  <a:gd name="T25" fmla="*/ T24 w 229"/>
+                  <a:gd name="T26" fmla="+- 0 2381 2173"/>
+                  <a:gd name="T27" fmla="*/ 2381 h 327"/>
+                  <a:gd name="T28" fmla="+- 0 3294 3085"/>
+                  <a:gd name="T29" fmla="*/ T28 w 229"/>
+                  <a:gd name="T30" fmla="+- 0 2363 2173"/>
+                  <a:gd name="T31" fmla="*/ 2363 h 327"/>
+                  <a:gd name="T32" fmla="+- 0 3300 3085"/>
+                  <a:gd name="T33" fmla="*/ T32 w 229"/>
+                  <a:gd name="T34" fmla="+- 0 2352 2173"/>
+                  <a:gd name="T35" fmla="*/ 2352 h 327"/>
+                  <a:gd name="T36" fmla="+- 0 3145 3085"/>
+                  <a:gd name="T37" fmla="*/ T36 w 229"/>
+                  <a:gd name="T38" fmla="+- 0 2352 2173"/>
+                  <a:gd name="T39" fmla="*/ 2352 h 327"/>
+                  <a:gd name="T40" fmla="+- 0 3146 3085"/>
+                  <a:gd name="T41" fmla="*/ T40 w 229"/>
+                  <a:gd name="T42" fmla="+- 0 2223 2173"/>
+                  <a:gd name="T43" fmla="*/ 2223 h 327"/>
+                  <a:gd name="T44" fmla="+- 0 3300 3085"/>
+                  <a:gd name="T45" fmla="*/ T44 w 229"/>
+                  <a:gd name="T46" fmla="+- 0 2222 2173"/>
+                  <a:gd name="T47" fmla="*/ 2222 h 327"/>
+                  <a:gd name="T48" fmla="+- 0 3284 3085"/>
+                  <a:gd name="T49" fmla="*/ T48 w 229"/>
+                  <a:gd name="T50" fmla="+- 0 2202 2173"/>
+                  <a:gd name="T51" fmla="*/ 2202 h 327"/>
+                  <a:gd name="T52" fmla="+- 0 3266 3085"/>
+                  <a:gd name="T53" fmla="*/ T52 w 229"/>
+                  <a:gd name="T54" fmla="+- 0 2188 2173"/>
+                  <a:gd name="T55" fmla="*/ 2188 h 327"/>
+                  <a:gd name="T56" fmla="+- 0 3247 3085"/>
+                  <a:gd name="T57" fmla="*/ T56 w 229"/>
+                  <a:gd name="T58" fmla="+- 0 2179 2173"/>
+                  <a:gd name="T59" fmla="*/ 2179 h 327"/>
+                  <a:gd name="T60" fmla="+- 0 3231 3085"/>
+                  <a:gd name="T61" fmla="*/ T60 w 229"/>
+                  <a:gd name="T62" fmla="+- 0 2175 2173"/>
+                  <a:gd name="T63" fmla="*/ 2175 h 327"/>
+                  <a:gd name="T64" fmla="+- 0 3220 3085"/>
+                  <a:gd name="T65" fmla="*/ T64 w 229"/>
+                  <a:gd name="T66" fmla="+- 0 2173 2173"/>
+                  <a:gd name="T67" fmla="*/ 2173 h 327"/>
+                  <a:gd name="T68" fmla="+- 0 3085 3085"/>
+                  <a:gd name="T69" fmla="*/ T68 w 229"/>
+                  <a:gd name="T70" fmla="+- 0 2173 2173"/>
+                  <a:gd name="T71" fmla="*/ 2173 h 327"/>
+                </a:gdLst>
+                <a:ahLst/>
+                <a:cxnLst>
+                  <a:cxn ang="0">
+                    <a:pos x="T1" y="T3"/>
+                  </a:cxn>
+                  <a:cxn ang="0">
+                    <a:pos x="T5" y="T7"/>
+                  </a:cxn>
+                  <a:cxn ang="0">
+                    <a:pos x="T9" y="T11"/>
+                  </a:cxn>
+                  <a:cxn ang="0">
+                    <a:pos x="T13" y="T15"/>
+                  </a:cxn>
+                  <a:cxn ang="0">
+                    <a:pos x="T17" y="T19"/>
+                  </a:cxn>
+                  <a:cxn ang="0">
+                    <a:pos x="T21" y="T23"/>
+                  </a:cxn>
+                  <a:cxn ang="0">
+                    <a:pos x="T25" y="T27"/>
+                  </a:cxn>
+                  <a:cxn ang="0">
+                    <a:pos x="T29" y="T31"/>
+                  </a:cxn>
+                  <a:cxn ang="0">
+                    <a:pos x="T33" y="T35"/>
+                  </a:cxn>
+                  <a:cxn ang="0">
+                    <a:pos x="T37" y="T39"/>
+                  </a:cxn>
+                  <a:cxn ang="0">
+                    <a:pos x="T41" y="T43"/>
+                  </a:cxn>
+                  <a:cxn ang="0">
+                    <a:pos x="T45" y="T47"/>
+                  </a:cxn>
+                  <a:cxn ang="0">
+                    <a:pos x="T49" y="T51"/>
+                  </a:cxn>
+                  <a:cxn ang="0">
+                    <a:pos x="T53" y="T55"/>
+                  </a:cxn>
+                  <a:cxn ang="0">
+                    <a:pos x="T57" y="T59"/>
+                  </a:cxn>
+                  <a:cxn ang="0">
+                    <a:pos x="T61" y="T63"/>
+                  </a:cxn>
+                  <a:cxn ang="0">
+                    <a:pos x="T65" y="T67"/>
+                  </a:cxn>
+                  <a:cxn ang="0">
+                    <a:pos x="T69" y="T71"/>
+                  </a:cxn>
+                </a:cxnLst>
+                <a:rect l="0" t="0" r="r" b="b"/>
+                <a:pathLst>
+                  <a:path w="229" h="327">
+                    <a:moveTo>
+                      <a:pt x="0" y="0"/>
+                    </a:moveTo>
+                    <a:lnTo>
+                      <a:pt x="0" y="327"/>
+                    </a:lnTo>
+                    <a:lnTo>
+                      <a:pt x="60" y="327"/>
+                    </a:lnTo>
+                    <a:lnTo>
+                      <a:pt x="60" y="227"/>
+                    </a:lnTo>
+                    <a:lnTo>
+                      <a:pt x="131" y="227"/>
+                    </a:lnTo>
+                    <a:lnTo>
+                      <a:pt x="166" y="221"/>
+                    </a:lnTo>
+                    <a:lnTo>
+                      <a:pt x="192" y="208"/>
+                    </a:lnTo>
+                    <a:lnTo>
+                      <a:pt x="209" y="190"/>
+                    </a:lnTo>
+                    <a:lnTo>
+                      <a:pt x="215" y="179"/>
+                    </a:lnTo>
+                    <a:lnTo>
+                      <a:pt x="60" y="179"/>
+                    </a:lnTo>
+                    <a:lnTo>
+                      <a:pt x="61" y="50"/>
+                    </a:lnTo>
+                    <a:lnTo>
+                      <a:pt x="215" y="49"/>
+                    </a:lnTo>
+                    <a:lnTo>
+                      <a:pt x="199" y="29"/>
+                    </a:lnTo>
+                    <a:lnTo>
+                      <a:pt x="181" y="15"/>
+                    </a:lnTo>
+                    <a:lnTo>
+                      <a:pt x="162" y="6"/>
+                    </a:lnTo>
+                    <a:lnTo>
+                      <a:pt x="146" y="2"/>
+                    </a:lnTo>
+                    <a:lnTo>
+                      <a:pt x="135" y="0"/>
+                    </a:lnTo>
+                    <a:lnTo>
+                      <a:pt x="0" y="0"/>
+                    </a:lnTo>
+                  </a:path>
+                </a:pathLst>
+              </a:custGeom>
+              <a:solidFill>
+                <a:srgbClr val="FFFFFF"/>
+              </a:solidFill>
+              <a:ln>
+                <a:noFill/>
+              </a:ln>
+              <a:extLst>
+                <a:ext uri="{91240B29-F687-4F45-9708-019B960494DF}">
+                  <a14:hiddenLine xmlns:a14="http://schemas.microsoft.com/office/drawing/2010/main" w="9525">
+                    <a:solidFill>
+                      <a:srgbClr val="000000"/>
+                    </a:solidFill>
+                    <a:round/>
+                    <a:headEnd/>
+                    <a:tailEnd/>
+                  </a14:hiddenLine>
+                </a:ext>
+              </a:extLst>
+            </p:spPr>
+            <p:txBody>
+              <a:bodyPr rot="0" vert="horz" wrap="square" lIns="91440" tIns="45720" rIns="91440" bIns="45720" anchor="t" anchorCtr="0" upright="1">
+                <a:noAutofit/>
+              </a:bodyPr>
+              <a:lstStyle/>
+              <a:p>
+                <a:endParaRPr lang="es-CL" dirty="0"/>
+              </a:p>
+            </p:txBody>
+          </p:sp>
+          <p:sp>
+            <p:nvSpPr>
+              <p:cNvPr id="50" name="Freeform 40">
+                <a:extLst>
+                  <a:ext uri="{FF2B5EF4-FFF2-40B4-BE49-F238E27FC236}">
+                    <a16:creationId xmlns:a16="http://schemas.microsoft.com/office/drawing/2014/main" id="{0590247D-8F1B-D0C4-BBE3-FB0D9155BBA9}"/>
+                  </a:ext>
+                </a:extLst>
+              </p:cNvPr>
+              <p:cNvSpPr>
+                <a:spLocks/>
+              </p:cNvSpPr>
+              <p:nvPr/>
+            </p:nvSpPr>
+            <p:spPr bwMode="auto">
+              <a:xfrm>
+                <a:off x="3085" y="2173"/>
+                <a:ext cx="229" cy="327"/>
+              </a:xfrm>
+              <a:custGeom>
+                <a:avLst/>
+                <a:gdLst>
+                  <a:gd name="T0" fmla="+- 0 3300 3085"/>
+                  <a:gd name="T1" fmla="*/ T0 w 229"/>
+                  <a:gd name="T2" fmla="+- 0 2222 2173"/>
+                  <a:gd name="T3" fmla="*/ 2222 h 327"/>
+                  <a:gd name="T4" fmla="+- 0 3208 3085"/>
+                  <a:gd name="T5" fmla="*/ T4 w 229"/>
+                  <a:gd name="T6" fmla="+- 0 2222 2173"/>
+                  <a:gd name="T7" fmla="*/ 2222 h 327"/>
+                  <a:gd name="T8" fmla="+- 0 3234 3085"/>
+                  <a:gd name="T9" fmla="*/ T8 w 229"/>
+                  <a:gd name="T10" fmla="+- 0 2225 2173"/>
+                  <a:gd name="T11" fmla="*/ 2225 h 327"/>
+                  <a:gd name="T12" fmla="+- 0 3244 3085"/>
+                  <a:gd name="T13" fmla="*/ T12 w 229"/>
+                  <a:gd name="T14" fmla="+- 0 2237 2173"/>
+                  <a:gd name="T15" fmla="*/ 2237 h 327"/>
+                  <a:gd name="T16" fmla="+- 0 3249 3085"/>
+                  <a:gd name="T17" fmla="*/ T16 w 229"/>
+                  <a:gd name="T18" fmla="+- 0 2314 2173"/>
+                  <a:gd name="T19" fmla="*/ 2314 h 327"/>
+                  <a:gd name="T20" fmla="+- 0 3247 3085"/>
+                  <a:gd name="T21" fmla="*/ T20 w 229"/>
+                  <a:gd name="T22" fmla="+- 0 2336 2173"/>
+                  <a:gd name="T23" fmla="*/ 2336 h 327"/>
+                  <a:gd name="T24" fmla="+- 0 3232 3085"/>
+                  <a:gd name="T25" fmla="*/ T24 w 229"/>
+                  <a:gd name="T26" fmla="+- 0 2346 2173"/>
+                  <a:gd name="T27" fmla="*/ 2346 h 327"/>
+                  <a:gd name="T28" fmla="+- 0 3214 3085"/>
+                  <a:gd name="T29" fmla="*/ T28 w 229"/>
+                  <a:gd name="T30" fmla="+- 0 2352 2173"/>
+                  <a:gd name="T31" fmla="*/ 2352 h 327"/>
+                  <a:gd name="T32" fmla="+- 0 3145 3085"/>
+                  <a:gd name="T33" fmla="*/ T32 w 229"/>
+                  <a:gd name="T34" fmla="+- 0 2352 2173"/>
+                  <a:gd name="T35" fmla="*/ 2352 h 327"/>
+                  <a:gd name="T36" fmla="+- 0 3300 3085"/>
+                  <a:gd name="T37" fmla="*/ T36 w 229"/>
+                  <a:gd name="T38" fmla="+- 0 2352 2173"/>
+                  <a:gd name="T39" fmla="*/ 2352 h 327"/>
+                  <a:gd name="T40" fmla="+- 0 3305 3085"/>
+                  <a:gd name="T41" fmla="*/ T40 w 229"/>
+                  <a:gd name="T42" fmla="+- 0 2342 2173"/>
+                  <a:gd name="T43" fmla="*/ 2342 h 327"/>
+                  <a:gd name="T44" fmla="+- 0 3311 3085"/>
+                  <a:gd name="T45" fmla="*/ T44 w 229"/>
+                  <a:gd name="T46" fmla="+- 0 2322 2173"/>
+                  <a:gd name="T47" fmla="*/ 2322 h 327"/>
+                  <a:gd name="T48" fmla="+- 0 3314 3085"/>
+                  <a:gd name="T49" fmla="*/ T48 w 229"/>
+                  <a:gd name="T50" fmla="+- 0 2306 2173"/>
+                  <a:gd name="T51" fmla="*/ 2306 h 327"/>
+                  <a:gd name="T52" fmla="+- 0 3314 3085"/>
+                  <a:gd name="T53" fmla="*/ T52 w 229"/>
+                  <a:gd name="T54" fmla="+- 0 2294 2173"/>
+                  <a:gd name="T55" fmla="*/ 2294 h 327"/>
+                  <a:gd name="T56" fmla="+- 0 3314 3085"/>
+                  <a:gd name="T57" fmla="*/ T56 w 229"/>
+                  <a:gd name="T58" fmla="+- 0 2291 2173"/>
+                  <a:gd name="T59" fmla="*/ 2291 h 327"/>
+                  <a:gd name="T60" fmla="+- 0 3311 3085"/>
+                  <a:gd name="T61" fmla="*/ T60 w 229"/>
+                  <a:gd name="T62" fmla="+- 0 2252 2173"/>
+                  <a:gd name="T63" fmla="*/ 2252 h 327"/>
+                  <a:gd name="T64" fmla="+- 0 3300 3085"/>
+                  <a:gd name="T65" fmla="*/ T64 w 229"/>
+                  <a:gd name="T66" fmla="+- 0 2223 2173"/>
+                  <a:gd name="T67" fmla="*/ 2223 h 327"/>
+                  <a:gd name="T68" fmla="+- 0 3300 3085"/>
+                  <a:gd name="T69" fmla="*/ T68 w 229"/>
+                  <a:gd name="T70" fmla="+- 0 2222 2173"/>
+                  <a:gd name="T71" fmla="*/ 2222 h 327"/>
+                </a:gdLst>
+                <a:ahLst/>
+                <a:cxnLst>
+                  <a:cxn ang="0">
+                    <a:pos x="T1" y="T3"/>
+                  </a:cxn>
+                  <a:cxn ang="0">
+                    <a:pos x="T5" y="T7"/>
+                  </a:cxn>
+                  <a:cxn ang="0">
+                    <a:pos x="T9" y="T11"/>
+                  </a:cxn>
+                  <a:cxn ang="0">
+                    <a:pos x="T13" y="T15"/>
+                  </a:cxn>
+                  <a:cxn ang="0">
+                    <a:pos x="T17" y="T19"/>
+                  </a:cxn>
+                  <a:cxn ang="0">
+                    <a:pos x="T21" y="T23"/>
+                  </a:cxn>
+                  <a:cxn ang="0">
+                    <a:pos x="T25" y="T27"/>
+                  </a:cxn>
+                  <a:cxn ang="0">
+                    <a:pos x="T29" y="T31"/>
+                  </a:cxn>
+                  <a:cxn ang="0">
+                    <a:pos x="T33" y="T35"/>
+                  </a:cxn>
+                  <a:cxn ang="0">
+                    <a:pos x="T37" y="T39"/>
+                  </a:cxn>
+                  <a:cxn ang="0">
+                    <a:pos x="T41" y="T43"/>
+                  </a:cxn>
+                  <a:cxn ang="0">
+                    <a:pos x="T45" y="T47"/>
+                  </a:cxn>
+                  <a:cxn ang="0">
+                    <a:pos x="T49" y="T51"/>
+                  </a:cxn>
+                  <a:cxn ang="0">
+                    <a:pos x="T53" y="T55"/>
+                  </a:cxn>
+                  <a:cxn ang="0">
+                    <a:pos x="T57" y="T59"/>
+                  </a:cxn>
+                  <a:cxn ang="0">
+                    <a:pos x="T61" y="T63"/>
+                  </a:cxn>
+                  <a:cxn ang="0">
+                    <a:pos x="T65" y="T67"/>
+                  </a:cxn>
+                  <a:cxn ang="0">
+                    <a:pos x="T69" y="T71"/>
+                  </a:cxn>
+                </a:cxnLst>
+                <a:rect l="0" t="0" r="r" b="b"/>
+                <a:pathLst>
+                  <a:path w="229" h="327">
+                    <a:moveTo>
+                      <a:pt x="215" y="49"/>
+                    </a:moveTo>
+                    <a:lnTo>
+                      <a:pt x="123" y="49"/>
+                    </a:lnTo>
+                    <a:lnTo>
+                      <a:pt x="149" y="52"/>
+                    </a:lnTo>
+                    <a:lnTo>
+                      <a:pt x="159" y="64"/>
+                    </a:lnTo>
+                    <a:lnTo>
+                      <a:pt x="164" y="141"/>
+                    </a:lnTo>
+                    <a:lnTo>
+                      <a:pt x="162" y="163"/>
+                    </a:lnTo>
+                    <a:lnTo>
+                      <a:pt x="147" y="173"/>
+                    </a:lnTo>
+                    <a:lnTo>
+                      <a:pt x="129" y="179"/>
+                    </a:lnTo>
+                    <a:lnTo>
+                      <a:pt x="60" y="179"/>
+                    </a:lnTo>
+                    <a:lnTo>
+                      <a:pt x="215" y="179"/>
+                    </a:lnTo>
+                    <a:lnTo>
+                      <a:pt x="220" y="169"/>
+                    </a:lnTo>
+                    <a:lnTo>
+                      <a:pt x="226" y="149"/>
+                    </a:lnTo>
+                    <a:lnTo>
+                      <a:pt x="229" y="133"/>
+                    </a:lnTo>
+                    <a:lnTo>
+                      <a:pt x="229" y="121"/>
+                    </a:lnTo>
+                    <a:lnTo>
+                      <a:pt x="229" y="118"/>
+                    </a:lnTo>
+                    <a:lnTo>
+                      <a:pt x="226" y="79"/>
+                    </a:lnTo>
+                    <a:lnTo>
+                      <a:pt x="215" y="50"/>
+                    </a:lnTo>
+                    <a:lnTo>
+                      <a:pt x="215" y="49"/>
+                    </a:lnTo>
+                  </a:path>
+                </a:pathLst>
+              </a:custGeom>
+              <a:solidFill>
+                <a:srgbClr val="FFFFFF"/>
+              </a:solidFill>
+              <a:ln>
+                <a:noFill/>
+              </a:ln>
+              <a:extLst>
+                <a:ext uri="{91240B29-F687-4F45-9708-019B960494DF}">
+                  <a14:hiddenLine xmlns:a14="http://schemas.microsoft.com/office/drawing/2010/main" w="9525">
+                    <a:solidFill>
+                      <a:srgbClr val="000000"/>
+                    </a:solidFill>
+                    <a:round/>
+                    <a:headEnd/>
+                    <a:tailEnd/>
+                  </a14:hiddenLine>
+                </a:ext>
+              </a:extLst>
+            </p:spPr>
+            <p:txBody>
+              <a:bodyPr rot="0" vert="horz" wrap="square" lIns="91440" tIns="45720" rIns="91440" bIns="45720" anchor="t" anchorCtr="0" upright="1">
+                <a:noAutofit/>
+              </a:bodyPr>
+              <a:lstStyle/>
+              <a:p>
+                <a:endParaRPr lang="es-CL" dirty="0"/>
+              </a:p>
+            </p:txBody>
+          </p:sp>
+        </p:grpSp>
+        <p:grpSp>
+          <p:nvGrpSpPr>
+            <p:cNvPr id="47" name="Group 41">
+              <a:extLst>
+                <a:ext uri="{FF2B5EF4-FFF2-40B4-BE49-F238E27FC236}">
+                  <a16:creationId xmlns:a16="http://schemas.microsoft.com/office/drawing/2014/main" id="{1C9519E7-E387-10B9-0B39-046D6F1696F4}"/>
+                </a:ext>
+              </a:extLst>
+            </p:cNvPr>
+            <p:cNvGrpSpPr>
+              <a:grpSpLocks/>
+            </p:cNvGrpSpPr>
+            <p:nvPr/>
+          </p:nvGrpSpPr>
+          <p:grpSpPr bwMode="auto">
+            <a:xfrm>
+              <a:off x="1470" y="1760"/>
+              <a:ext cx="2037" cy="2"/>
+              <a:chOff x="1470" y="1760"/>
+              <a:chExt cx="2037" cy="2"/>
+            </a:xfrm>
+          </p:grpSpPr>
+          <p:sp>
+            <p:nvSpPr>
+              <p:cNvPr id="48" name="Freeform 42">
+                <a:extLst>
+                  <a:ext uri="{FF2B5EF4-FFF2-40B4-BE49-F238E27FC236}">
+                    <a16:creationId xmlns:a16="http://schemas.microsoft.com/office/drawing/2014/main" id="{6963936D-84DB-ADD1-5C3D-E5FA5AE183BE}"/>
+                  </a:ext>
+                </a:extLst>
+              </p:cNvPr>
+              <p:cNvSpPr>
+                <a:spLocks/>
+              </p:cNvSpPr>
+              <p:nvPr/>
+            </p:nvSpPr>
+            <p:spPr bwMode="auto">
+              <a:xfrm>
+                <a:off x="1470" y="1760"/>
+                <a:ext cx="2037" cy="2"/>
+              </a:xfrm>
+              <a:custGeom>
+                <a:avLst/>
+                <a:gdLst>
+                  <a:gd name="T0" fmla="+- 0 1470 1470"/>
+                  <a:gd name="T1" fmla="*/ T0 w 2037"/>
+                  <a:gd name="T2" fmla="+- 0 3507 1470"/>
+                  <a:gd name="T3" fmla="*/ T2 w 2037"/>
+                </a:gdLst>
+                <a:ahLst/>
+                <a:cxnLst>
+                  <a:cxn ang="0">
+                    <a:pos x="T1" y="0"/>
+                  </a:cxn>
+                  <a:cxn ang="0">
+                    <a:pos x="T3" y="0"/>
+                  </a:cxn>
+                </a:cxnLst>
+                <a:rect l="0" t="0" r="r" b="b"/>
+                <a:pathLst>
+                  <a:path w="2037">
+                    <a:moveTo>
+                      <a:pt x="0" y="0"/>
+                    </a:moveTo>
+                    <a:lnTo>
+                      <a:pt x="2037" y="0"/>
+                    </a:lnTo>
+                  </a:path>
+                </a:pathLst>
+              </a:custGeom>
+              <a:noFill/>
+              <a:ln w="10884">
+                <a:solidFill>
+                  <a:srgbClr val="FFFFFF"/>
+                </a:solidFill>
+                <a:round/>
+                <a:headEnd/>
+                <a:tailEnd/>
+              </a:ln>
+              <a:extLst>
+                <a:ext uri="{909E8E84-426E-40DD-AFC4-6F175D3DCCD1}">
+                  <a14:hiddenFill xmlns:a14="http://schemas.microsoft.com/office/drawing/2010/main">
+                    <a:solidFill>
+                      <a:srgbClr val="FFFFFF"/>
+                    </a:solidFill>
+                  </a14:hiddenFill>
+                </a:ext>
+              </a:extLst>
+            </p:spPr>
+            <p:txBody>
+              <a:bodyPr rot="0" vert="horz" wrap="square" lIns="91440" tIns="45720" rIns="91440" bIns="45720" anchor="t" anchorCtr="0" upright="1">
+                <a:noAutofit/>
+              </a:bodyPr>
+              <a:lstStyle/>
+              <a:p>
+                <a:endParaRPr lang="es-CL" dirty="0"/>
+              </a:p>
+            </p:txBody>
+          </p:sp>
+        </p:grpSp>
+      </p:grpSp>
     </p:spTree>
   </p:cSld>
   <p:clrMapOvr>
@@ -4568,14 +7961,14 @@
           <p:nvPr>
             <p:extLst>
               <p:ext uri="{D42A27DB-BD31-4B8C-83A1-F6EECF244321}">
-                <p14:modId xmlns:p14="http://schemas.microsoft.com/office/powerpoint/2010/main" val="2729774600"/>
+                <p14:modId xmlns:p14="http://schemas.microsoft.com/office/powerpoint/2010/main" val="89775375"/>
               </p:ext>
             </p:extLst>
           </p:nvPr>
         </p:nvGraphicFramePr>
         <p:xfrm>
-          <a:off x="544606" y="127750"/>
-          <a:ext cx="7779124" cy="3180465"/>
+          <a:off x="490818" y="381154"/>
+          <a:ext cx="8303558" cy="4036949"/>
         </p:xfrm>
         <a:graphic>
           <a:graphicData uri="http://schemas.openxmlformats.org/drawingml/2006/table">
@@ -4584,35 +7977,35 @@
                 <a:tableStyleId>{648B679D-914E-4AAC-99FA-D040583F183B}</a:tableStyleId>
               </a:tblPr>
               <a:tblGrid>
-                <a:gridCol w="492275">
+                <a:gridCol w="525463">
                   <a:extLst>
                     <a:ext uri="{9D8B030D-6E8A-4147-A177-3AD203B41FA5}">
                       <a16:colId xmlns:a16="http://schemas.microsoft.com/office/drawing/2014/main" val="2113827947"/>
                     </a:ext>
                   </a:extLst>
                 </a:gridCol>
-                <a:gridCol w="1393673">
+                <a:gridCol w="1487628">
                   <a:extLst>
                     <a:ext uri="{9D8B030D-6E8A-4147-A177-3AD203B41FA5}">
                       <a16:colId xmlns:a16="http://schemas.microsoft.com/office/drawing/2014/main" val="2949701601"/>
                     </a:ext>
                   </a:extLst>
                 </a:gridCol>
-                <a:gridCol w="2004030">
+                <a:gridCol w="2139133">
                   <a:extLst>
                     <a:ext uri="{9D8B030D-6E8A-4147-A177-3AD203B41FA5}">
                       <a16:colId xmlns:a16="http://schemas.microsoft.com/office/drawing/2014/main" val="3312197957"/>
                     </a:ext>
                   </a:extLst>
                 </a:gridCol>
-                <a:gridCol w="1649791">
+                <a:gridCol w="1761012">
                   <a:extLst>
                     <a:ext uri="{9D8B030D-6E8A-4147-A177-3AD203B41FA5}">
                       <a16:colId xmlns:a16="http://schemas.microsoft.com/office/drawing/2014/main" val="2496701998"/>
                     </a:ext>
                   </a:extLst>
                 </a:gridCol>
-                <a:gridCol w="2239355">
+                <a:gridCol w="2390322">
                   <a:extLst>
                     <a:ext uri="{9D8B030D-6E8A-4147-A177-3AD203B41FA5}">
                       <a16:colId xmlns:a16="http://schemas.microsoft.com/office/drawing/2014/main" val="3947694893"/>
@@ -4620,7 +8013,7 @@
                   </a:extLst>
                 </a:gridCol>
               </a:tblGrid>
-              <a:tr h="127454">
+              <a:tr h="130572">
                 <a:tc gridSpan="5">
                   <a:txBody>
                     <a:bodyPr/>
@@ -4635,13 +8028,35 @@
                         </a:spcAft>
                       </a:pPr>
                       <a:r>
-                        <a:rPr lang="es-CL" sz="800" b="1">
-                          <a:effectLst/>
+                        <a:rPr lang="es-CL" sz="900" b="1" dirty="0">
+                          <a:solidFill>
+                            <a:schemeClr val="bg1">
+                              <a:lumMod val="10000"/>
+                            </a:schemeClr>
+                          </a:solidFill>
+                          <a:effectLst>
+                            <a:outerShdw blurRad="38100" dist="38100" dir="2700000" algn="tl">
+                              <a:srgbClr val="000000">
+                                <a:alpha val="43137"/>
+                              </a:srgbClr>
+                            </a:outerShdw>
+                          </a:effectLst>
                         </a:rPr>
                         <a:t>RECOPILACIÓN DE HISTORIAS DE USUARIO</a:t>
                       </a:r>
-                      <a:endParaRPr lang="es-CL" sz="800" b="1">
-                        <a:effectLst/>
+                      <a:endParaRPr lang="es-CL" sz="900" b="1" dirty="0">
+                        <a:solidFill>
+                          <a:schemeClr val="bg1">
+                            <a:lumMod val="10000"/>
+                          </a:schemeClr>
+                        </a:solidFill>
+                        <a:effectLst>
+                          <a:outerShdw blurRad="38100" dist="38100" dir="2700000" algn="tl">
+                            <a:srgbClr val="000000">
+                              <a:alpha val="43137"/>
+                            </a:srgbClr>
+                          </a:outerShdw>
+                        </a:effectLst>
                         <a:latin typeface="Calibri" panose="020F0502020204030204" pitchFamily="34" charset="0"/>
                         <a:ea typeface="Calibri" panose="020F0502020204030204" pitchFamily="34" charset="0"/>
                         <a:cs typeface="Times New Roman" panose="02020603050405020304" pitchFamily="18" charset="0"/>
@@ -4696,7 +8111,7 @@
                   </a:ext>
                 </a:extLst>
               </a:tr>
-              <a:tr h="141661">
+              <a:tr h="270146">
                 <a:tc>
                   <a:txBody>
                     <a:bodyPr/>
@@ -4711,13 +8126,35 @@
                         </a:spcAft>
                       </a:pPr>
                       <a:r>
-                        <a:rPr lang="es-CL" sz="800" b="1">
-                          <a:effectLst/>
+                        <a:rPr lang="es-CL" sz="900" b="1" dirty="0">
+                          <a:solidFill>
+                            <a:schemeClr val="bg1">
+                              <a:lumMod val="10000"/>
+                            </a:schemeClr>
+                          </a:solidFill>
+                          <a:effectLst>
+                            <a:outerShdw blurRad="38100" dist="38100" dir="2700000" algn="tl">
+                              <a:srgbClr val="000000">
+                                <a:alpha val="43137"/>
+                              </a:srgbClr>
+                            </a:outerShdw>
+                          </a:effectLst>
                         </a:rPr>
                         <a:t>ID</a:t>
                       </a:r>
-                      <a:endParaRPr lang="es-CL" sz="800" b="1">
-                        <a:effectLst/>
+                      <a:endParaRPr lang="es-CL" sz="900" b="1" dirty="0">
+                        <a:solidFill>
+                          <a:schemeClr val="bg1">
+                            <a:lumMod val="10000"/>
+                          </a:schemeClr>
+                        </a:solidFill>
+                        <a:effectLst>
+                          <a:outerShdw blurRad="38100" dist="38100" dir="2700000" algn="tl">
+                            <a:srgbClr val="000000">
+                              <a:alpha val="43137"/>
+                            </a:srgbClr>
+                          </a:outerShdw>
+                        </a:effectLst>
                         <a:latin typeface="Calibri" panose="020F0502020204030204" pitchFamily="34" charset="0"/>
                         <a:ea typeface="Calibri" panose="020F0502020204030204" pitchFamily="34" charset="0"/>
                         <a:cs typeface="Times New Roman" panose="02020603050405020304" pitchFamily="18" charset="0"/>
@@ -4740,13 +8177,35 @@
                         </a:spcAft>
                       </a:pPr>
                       <a:r>
-                        <a:rPr lang="es-CL" sz="800" b="1">
-                          <a:effectLst/>
+                        <a:rPr lang="es-CL" sz="900" b="1" dirty="0">
+                          <a:solidFill>
+                            <a:schemeClr val="bg1">
+                              <a:lumMod val="10000"/>
+                            </a:schemeClr>
+                          </a:solidFill>
+                          <a:effectLst>
+                            <a:outerShdw blurRad="38100" dist="38100" dir="2700000" algn="tl">
+                              <a:srgbClr val="000000">
+                                <a:alpha val="43137"/>
+                              </a:srgbClr>
+                            </a:outerShdw>
+                          </a:effectLst>
                         </a:rPr>
                         <a:t>Rol</a:t>
                       </a:r>
-                      <a:endParaRPr lang="es-CL" sz="800" b="1">
-                        <a:effectLst/>
+                      <a:endParaRPr lang="es-CL" sz="900" b="1" dirty="0">
+                        <a:solidFill>
+                          <a:schemeClr val="bg1">
+                            <a:lumMod val="10000"/>
+                          </a:schemeClr>
+                        </a:solidFill>
+                        <a:effectLst>
+                          <a:outerShdw blurRad="38100" dist="38100" dir="2700000" algn="tl">
+                            <a:srgbClr val="000000">
+                              <a:alpha val="43137"/>
+                            </a:srgbClr>
+                          </a:outerShdw>
+                        </a:effectLst>
                         <a:latin typeface="Calibri" panose="020F0502020204030204" pitchFamily="34" charset="0"/>
                         <a:ea typeface="Calibri" panose="020F0502020204030204" pitchFamily="34" charset="0"/>
                         <a:cs typeface="Times New Roman" panose="02020603050405020304" pitchFamily="18" charset="0"/>
@@ -4769,13 +8228,35 @@
                         </a:spcAft>
                       </a:pPr>
                       <a:r>
-                        <a:rPr lang="es-CL" sz="800" b="1">
-                          <a:effectLst/>
+                        <a:rPr lang="es-CL" sz="900" b="1" dirty="0">
+                          <a:solidFill>
+                            <a:schemeClr val="bg1">
+                              <a:lumMod val="10000"/>
+                            </a:schemeClr>
+                          </a:solidFill>
+                          <a:effectLst>
+                            <a:outerShdw blurRad="38100" dist="38100" dir="2700000" algn="tl">
+                              <a:srgbClr val="000000">
+                                <a:alpha val="43137"/>
+                              </a:srgbClr>
+                            </a:outerShdw>
+                          </a:effectLst>
                         </a:rPr>
                         <a:t>Característica / Funcionalidad</a:t>
                       </a:r>
-                      <a:endParaRPr lang="es-CL" sz="800" b="1">
-                        <a:effectLst/>
+                      <a:endParaRPr lang="es-CL" sz="900" b="1" dirty="0">
+                        <a:solidFill>
+                          <a:schemeClr val="bg1">
+                            <a:lumMod val="10000"/>
+                          </a:schemeClr>
+                        </a:solidFill>
+                        <a:effectLst>
+                          <a:outerShdw blurRad="38100" dist="38100" dir="2700000" algn="tl">
+                            <a:srgbClr val="000000">
+                              <a:alpha val="43137"/>
+                            </a:srgbClr>
+                          </a:outerShdw>
+                        </a:effectLst>
                         <a:latin typeface="Calibri" panose="020F0502020204030204" pitchFamily="34" charset="0"/>
                         <a:ea typeface="Calibri" panose="020F0502020204030204" pitchFamily="34" charset="0"/>
                         <a:cs typeface="Times New Roman" panose="02020603050405020304" pitchFamily="18" charset="0"/>
@@ -4798,13 +8279,35 @@
                         </a:spcAft>
                       </a:pPr>
                       <a:r>
-                        <a:rPr lang="es-CL" sz="800" b="1">
-                          <a:effectLst/>
+                        <a:rPr lang="es-CL" sz="900" b="1" dirty="0">
+                          <a:solidFill>
+                            <a:schemeClr val="bg1">
+                              <a:lumMod val="10000"/>
+                            </a:schemeClr>
+                          </a:solidFill>
+                          <a:effectLst>
+                            <a:outerShdw blurRad="38100" dist="38100" dir="2700000" algn="tl">
+                              <a:srgbClr val="000000">
+                                <a:alpha val="43137"/>
+                              </a:srgbClr>
+                            </a:outerShdw>
+                          </a:effectLst>
                         </a:rPr>
                         <a:t>Razón / Resultado</a:t>
                       </a:r>
-                      <a:endParaRPr lang="es-CL" sz="800" b="1">
-                        <a:effectLst/>
+                      <a:endParaRPr lang="es-CL" sz="900" b="1" dirty="0">
+                        <a:solidFill>
+                          <a:schemeClr val="bg1">
+                            <a:lumMod val="10000"/>
+                          </a:schemeClr>
+                        </a:solidFill>
+                        <a:effectLst>
+                          <a:outerShdw blurRad="38100" dist="38100" dir="2700000" algn="tl">
+                            <a:srgbClr val="000000">
+                              <a:alpha val="43137"/>
+                            </a:srgbClr>
+                          </a:outerShdw>
+                        </a:effectLst>
                         <a:latin typeface="Calibri" panose="020F0502020204030204" pitchFamily="34" charset="0"/>
                         <a:ea typeface="Calibri" panose="020F0502020204030204" pitchFamily="34" charset="0"/>
                         <a:cs typeface="Times New Roman" panose="02020603050405020304" pitchFamily="18" charset="0"/>
@@ -4827,13 +8330,35 @@
                         </a:spcAft>
                       </a:pPr>
                       <a:r>
-                        <a:rPr lang="es-CL" sz="800" b="1">
-                          <a:effectLst/>
+                        <a:rPr lang="es-CL" sz="900" b="1" dirty="0">
+                          <a:solidFill>
+                            <a:schemeClr val="bg1">
+                              <a:lumMod val="10000"/>
+                            </a:schemeClr>
+                          </a:solidFill>
+                          <a:effectLst>
+                            <a:outerShdw blurRad="38100" dist="38100" dir="2700000" algn="tl">
+                              <a:srgbClr val="000000">
+                                <a:alpha val="43137"/>
+                              </a:srgbClr>
+                            </a:outerShdw>
+                          </a:effectLst>
                         </a:rPr>
                         <a:t>Criterios de aceptación</a:t>
                       </a:r>
-                      <a:endParaRPr lang="es-CL" sz="800" b="1">
-                        <a:effectLst/>
+                      <a:endParaRPr lang="es-CL" sz="900" b="1" dirty="0">
+                        <a:solidFill>
+                          <a:schemeClr val="bg1">
+                            <a:lumMod val="10000"/>
+                          </a:schemeClr>
+                        </a:solidFill>
+                        <a:effectLst>
+                          <a:outerShdw blurRad="38100" dist="38100" dir="2700000" algn="tl">
+                            <a:srgbClr val="000000">
+                              <a:alpha val="43137"/>
+                            </a:srgbClr>
+                          </a:outerShdw>
+                        </a:effectLst>
                         <a:latin typeface="Calibri" panose="020F0502020204030204" pitchFamily="34" charset="0"/>
                         <a:ea typeface="Calibri" panose="020F0502020204030204" pitchFamily="34" charset="0"/>
                         <a:cs typeface="Times New Roman" panose="02020603050405020304" pitchFamily="18" charset="0"/>
@@ -4848,7 +8373,7 @@
                   </a:ext>
                 </a:extLst>
               </a:tr>
-              <a:tr h="672370">
+              <a:tr h="688867">
                 <a:tc>
                   <a:txBody>
                     <a:bodyPr/>
@@ -4863,13 +8388,35 @@
                         </a:spcAft>
                       </a:pPr>
                       <a:r>
-                        <a:rPr lang="es-CL" sz="800" b="1">
-                          <a:effectLst/>
+                        <a:rPr lang="es-CL" sz="900" b="1" dirty="0">
+                          <a:solidFill>
+                            <a:schemeClr val="bg1">
+                              <a:lumMod val="10000"/>
+                            </a:schemeClr>
+                          </a:solidFill>
+                          <a:effectLst>
+                            <a:outerShdw blurRad="38100" dist="38100" dir="2700000" algn="tl">
+                              <a:srgbClr val="000000">
+                                <a:alpha val="43137"/>
+                              </a:srgbClr>
+                            </a:outerShdw>
+                          </a:effectLst>
                         </a:rPr>
                         <a:t>1</a:t>
                       </a:r>
-                      <a:endParaRPr lang="es-CL" sz="800" b="1">
-                        <a:effectLst/>
+                      <a:endParaRPr lang="es-CL" sz="900" b="1" dirty="0">
+                        <a:solidFill>
+                          <a:schemeClr val="bg1">
+                            <a:lumMod val="10000"/>
+                          </a:schemeClr>
+                        </a:solidFill>
+                        <a:effectLst>
+                          <a:outerShdw blurRad="38100" dist="38100" dir="2700000" algn="tl">
+                            <a:srgbClr val="000000">
+                              <a:alpha val="43137"/>
+                            </a:srgbClr>
+                          </a:outerShdw>
+                        </a:effectLst>
                         <a:latin typeface="Calibri" panose="020F0502020204030204" pitchFamily="34" charset="0"/>
                         <a:ea typeface="Calibri" panose="020F0502020204030204" pitchFamily="34" charset="0"/>
                         <a:cs typeface="Times New Roman" panose="02020603050405020304" pitchFamily="18" charset="0"/>
@@ -4892,13 +8439,35 @@
                         </a:spcAft>
                       </a:pPr>
                       <a:r>
-                        <a:rPr lang="es-CL" sz="800" b="1">
-                          <a:effectLst/>
+                        <a:rPr lang="es-CL" sz="900" b="1" dirty="0">
+                          <a:solidFill>
+                            <a:schemeClr val="bg1">
+                              <a:lumMod val="10000"/>
+                            </a:schemeClr>
+                          </a:solidFill>
+                          <a:effectLst>
+                            <a:outerShdw blurRad="38100" dist="38100" dir="2700000" algn="tl">
+                              <a:srgbClr val="000000">
+                                <a:alpha val="43137"/>
+                              </a:srgbClr>
+                            </a:outerShdw>
+                          </a:effectLst>
                         </a:rPr>
                         <a:t>Como cliente</a:t>
                       </a:r>
-                      <a:endParaRPr lang="es-CL" sz="800" b="1">
-                        <a:effectLst/>
+                      <a:endParaRPr lang="es-CL" sz="900" b="1" dirty="0">
+                        <a:solidFill>
+                          <a:schemeClr val="bg1">
+                            <a:lumMod val="10000"/>
+                          </a:schemeClr>
+                        </a:solidFill>
+                        <a:effectLst>
+                          <a:outerShdw blurRad="38100" dist="38100" dir="2700000" algn="tl">
+                            <a:srgbClr val="000000">
+                              <a:alpha val="43137"/>
+                            </a:srgbClr>
+                          </a:outerShdw>
+                        </a:effectLst>
                         <a:latin typeface="Calibri" panose="020F0502020204030204" pitchFamily="34" charset="0"/>
                         <a:ea typeface="Calibri" panose="020F0502020204030204" pitchFamily="34" charset="0"/>
                         <a:cs typeface="Times New Roman" panose="02020603050405020304" pitchFamily="18" charset="0"/>
@@ -4921,13 +8490,35 @@
                         </a:spcAft>
                       </a:pPr>
                       <a:r>
-                        <a:rPr lang="es-CL" sz="800" b="1">
-                          <a:effectLst/>
+                        <a:rPr lang="es-CL" sz="900" b="1" dirty="0">
+                          <a:solidFill>
+                            <a:schemeClr val="bg1">
+                              <a:lumMod val="10000"/>
+                            </a:schemeClr>
+                          </a:solidFill>
+                          <a:effectLst>
+                            <a:outerShdw blurRad="38100" dist="38100" dir="2700000" algn="tl">
+                              <a:srgbClr val="000000">
+                                <a:alpha val="43137"/>
+                              </a:srgbClr>
+                            </a:outerShdw>
+                          </a:effectLst>
                         </a:rPr>
                         <a:t>Necesito que tenga al menos dos personajes jugables</a:t>
                       </a:r>
-                      <a:endParaRPr lang="es-CL" sz="800" b="1">
-                        <a:effectLst/>
+                      <a:endParaRPr lang="es-CL" sz="900" b="1" dirty="0">
+                        <a:solidFill>
+                          <a:schemeClr val="bg1">
+                            <a:lumMod val="10000"/>
+                          </a:schemeClr>
+                        </a:solidFill>
+                        <a:effectLst>
+                          <a:outerShdw blurRad="38100" dist="38100" dir="2700000" algn="tl">
+                            <a:srgbClr val="000000">
+                              <a:alpha val="43137"/>
+                            </a:srgbClr>
+                          </a:outerShdw>
+                        </a:effectLst>
                         <a:latin typeface="Calibri" panose="020F0502020204030204" pitchFamily="34" charset="0"/>
                         <a:ea typeface="Calibri" panose="020F0502020204030204" pitchFamily="34" charset="0"/>
                         <a:cs typeface="Times New Roman" panose="02020603050405020304" pitchFamily="18" charset="0"/>
@@ -4950,13 +8541,35 @@
                         </a:spcAft>
                       </a:pPr>
                       <a:r>
-                        <a:rPr lang="es-CL" sz="800" b="1">
-                          <a:effectLst/>
+                        <a:rPr lang="es-CL" sz="900" b="1" dirty="0">
+                          <a:solidFill>
+                            <a:schemeClr val="bg1">
+                              <a:lumMod val="10000"/>
+                            </a:schemeClr>
+                          </a:solidFill>
+                          <a:effectLst>
+                            <a:outerShdw blurRad="38100" dist="38100" dir="2700000" algn="tl">
+                              <a:srgbClr val="000000">
+                                <a:alpha val="43137"/>
+                              </a:srgbClr>
+                            </a:outerShdw>
+                          </a:effectLst>
                         </a:rPr>
                         <a:t>Con la finalidad de sentir variedad en el juego.</a:t>
                       </a:r>
-                      <a:endParaRPr lang="es-CL" sz="800" b="1">
-                        <a:effectLst/>
+                      <a:endParaRPr lang="es-CL" sz="900" b="1" dirty="0">
+                        <a:solidFill>
+                          <a:schemeClr val="bg1">
+                            <a:lumMod val="10000"/>
+                          </a:schemeClr>
+                        </a:solidFill>
+                        <a:effectLst>
+                          <a:outerShdw blurRad="38100" dist="38100" dir="2700000" algn="tl">
+                            <a:srgbClr val="000000">
+                              <a:alpha val="43137"/>
+                            </a:srgbClr>
+                          </a:outerShdw>
+                        </a:effectLst>
                         <a:latin typeface="Calibri" panose="020F0502020204030204" pitchFamily="34" charset="0"/>
                         <a:ea typeface="Calibri" panose="020F0502020204030204" pitchFamily="34" charset="0"/>
                         <a:cs typeface="Times New Roman" panose="02020603050405020304" pitchFamily="18" charset="0"/>
@@ -4979,13 +8592,35 @@
                         </a:spcAft>
                       </a:pPr>
                       <a:r>
-                        <a:rPr lang="es-CL" sz="800" b="1">
-                          <a:effectLst/>
+                        <a:rPr lang="es-CL" sz="900" b="1" dirty="0">
+                          <a:solidFill>
+                            <a:schemeClr val="bg1">
+                              <a:lumMod val="10000"/>
+                            </a:schemeClr>
+                          </a:solidFill>
+                          <a:effectLst>
+                            <a:outerShdw blurRad="38100" dist="38100" dir="2700000" algn="tl">
+                              <a:srgbClr val="000000">
+                                <a:alpha val="43137"/>
+                              </a:srgbClr>
+                            </a:outerShdw>
+                          </a:effectLst>
                         </a:rPr>
                         <a:t>Durante el transcurso del juego, quisiera cambiar en reiteradas ocasiones de personaje sin la necesidad de tener que terminar una etapa.</a:t>
                       </a:r>
-                      <a:endParaRPr lang="es-CL" sz="800" b="1">
-                        <a:effectLst/>
+                      <a:endParaRPr lang="es-CL" sz="900" b="1" dirty="0">
+                        <a:solidFill>
+                          <a:schemeClr val="bg1">
+                            <a:lumMod val="10000"/>
+                          </a:schemeClr>
+                        </a:solidFill>
+                        <a:effectLst>
+                          <a:outerShdw blurRad="38100" dist="38100" dir="2700000" algn="tl">
+                            <a:srgbClr val="000000">
+                              <a:alpha val="43137"/>
+                            </a:srgbClr>
+                          </a:outerShdw>
+                        </a:effectLst>
                         <a:latin typeface="Calibri" panose="020F0502020204030204" pitchFamily="34" charset="0"/>
                         <a:ea typeface="Calibri" panose="020F0502020204030204" pitchFamily="34" charset="0"/>
                         <a:cs typeface="Times New Roman" panose="02020603050405020304" pitchFamily="18" charset="0"/>
@@ -5000,7 +8635,7 @@
                   </a:ext>
                 </a:extLst>
               </a:tr>
-              <a:tr h="399912">
+              <a:tr h="549293">
                 <a:tc>
                   <a:txBody>
                     <a:bodyPr/>
@@ -5015,13 +8650,35 @@
                         </a:spcAft>
                       </a:pPr>
                       <a:r>
-                        <a:rPr lang="es-CL" sz="800" b="1">
-                          <a:effectLst/>
+                        <a:rPr lang="es-CL" sz="900" b="1" dirty="0">
+                          <a:solidFill>
+                            <a:schemeClr val="bg1">
+                              <a:lumMod val="10000"/>
+                            </a:schemeClr>
+                          </a:solidFill>
+                          <a:effectLst>
+                            <a:outerShdw blurRad="38100" dist="38100" dir="2700000" algn="tl">
+                              <a:srgbClr val="000000">
+                                <a:alpha val="43137"/>
+                              </a:srgbClr>
+                            </a:outerShdw>
+                          </a:effectLst>
                         </a:rPr>
                         <a:t>2</a:t>
                       </a:r>
-                      <a:endParaRPr lang="es-CL" sz="800" b="1">
-                        <a:effectLst/>
+                      <a:endParaRPr lang="es-CL" sz="900" b="1" dirty="0">
+                        <a:solidFill>
+                          <a:schemeClr val="bg1">
+                            <a:lumMod val="10000"/>
+                          </a:schemeClr>
+                        </a:solidFill>
+                        <a:effectLst>
+                          <a:outerShdw blurRad="38100" dist="38100" dir="2700000" algn="tl">
+                            <a:srgbClr val="000000">
+                              <a:alpha val="43137"/>
+                            </a:srgbClr>
+                          </a:outerShdw>
+                        </a:effectLst>
                         <a:latin typeface="Calibri" panose="020F0502020204030204" pitchFamily="34" charset="0"/>
                         <a:ea typeface="Calibri" panose="020F0502020204030204" pitchFamily="34" charset="0"/>
                         <a:cs typeface="Times New Roman" panose="02020603050405020304" pitchFamily="18" charset="0"/>
@@ -5044,13 +8701,35 @@
                         </a:spcAft>
                       </a:pPr>
                       <a:r>
-                        <a:rPr lang="es-CL" sz="800" b="1">
-                          <a:effectLst/>
+                        <a:rPr lang="es-CL" sz="900" b="1" dirty="0">
+                          <a:solidFill>
+                            <a:schemeClr val="bg1">
+                              <a:lumMod val="10000"/>
+                            </a:schemeClr>
+                          </a:solidFill>
+                          <a:effectLst>
+                            <a:outerShdw blurRad="38100" dist="38100" dir="2700000" algn="tl">
+                              <a:srgbClr val="000000">
+                                <a:alpha val="43137"/>
+                              </a:srgbClr>
+                            </a:outerShdw>
+                          </a:effectLst>
                         </a:rPr>
                         <a:t>Como cliente</a:t>
                       </a:r>
-                      <a:endParaRPr lang="es-CL" sz="800" b="1">
-                        <a:effectLst/>
+                      <a:endParaRPr lang="es-CL" sz="900" b="1" dirty="0">
+                        <a:solidFill>
+                          <a:schemeClr val="bg1">
+                            <a:lumMod val="10000"/>
+                          </a:schemeClr>
+                        </a:solidFill>
+                        <a:effectLst>
+                          <a:outerShdw blurRad="38100" dist="38100" dir="2700000" algn="tl">
+                            <a:srgbClr val="000000">
+                              <a:alpha val="43137"/>
+                            </a:srgbClr>
+                          </a:outerShdw>
+                        </a:effectLst>
                         <a:latin typeface="Calibri" panose="020F0502020204030204" pitchFamily="34" charset="0"/>
                         <a:ea typeface="Calibri" panose="020F0502020204030204" pitchFamily="34" charset="0"/>
                         <a:cs typeface="Times New Roman" panose="02020603050405020304" pitchFamily="18" charset="0"/>
@@ -5073,13 +8752,35 @@
                         </a:spcAft>
                       </a:pPr>
                       <a:r>
-                        <a:rPr lang="es-CL" sz="800" b="1">
-                          <a:effectLst/>
+                        <a:rPr lang="es-CL" sz="900" b="1" dirty="0">
+                          <a:solidFill>
+                            <a:schemeClr val="bg1">
+                              <a:lumMod val="10000"/>
+                            </a:schemeClr>
+                          </a:solidFill>
+                          <a:effectLst>
+                            <a:outerShdw blurRad="38100" dist="38100" dir="2700000" algn="tl">
+                              <a:srgbClr val="000000">
+                                <a:alpha val="43137"/>
+                              </a:srgbClr>
+                            </a:outerShdw>
+                          </a:effectLst>
                         </a:rPr>
                         <a:t>Necesito que los la jugabilidad considere teclado y ratón dentro de los controles de juego</a:t>
                       </a:r>
-                      <a:endParaRPr lang="es-CL" sz="800" b="1">
-                        <a:effectLst/>
+                      <a:endParaRPr lang="es-CL" sz="900" b="1" dirty="0">
+                        <a:solidFill>
+                          <a:schemeClr val="bg1">
+                            <a:lumMod val="10000"/>
+                          </a:schemeClr>
+                        </a:solidFill>
+                        <a:effectLst>
+                          <a:outerShdw blurRad="38100" dist="38100" dir="2700000" algn="tl">
+                            <a:srgbClr val="000000">
+                              <a:alpha val="43137"/>
+                            </a:srgbClr>
+                          </a:outerShdw>
+                        </a:effectLst>
                         <a:latin typeface="Calibri" panose="020F0502020204030204" pitchFamily="34" charset="0"/>
                         <a:ea typeface="Calibri" panose="020F0502020204030204" pitchFamily="34" charset="0"/>
                         <a:cs typeface="Times New Roman" panose="02020603050405020304" pitchFamily="18" charset="0"/>
@@ -5102,13 +8803,35 @@
                         </a:spcAft>
                       </a:pPr>
                       <a:r>
-                        <a:rPr lang="es-CL" sz="800" b="1">
-                          <a:effectLst/>
+                        <a:rPr lang="es-CL" sz="900" b="1" dirty="0">
+                          <a:solidFill>
+                            <a:schemeClr val="bg1">
+                              <a:lumMod val="10000"/>
+                            </a:schemeClr>
+                          </a:solidFill>
+                          <a:effectLst>
+                            <a:outerShdw blurRad="38100" dist="38100" dir="2700000" algn="tl">
+                              <a:srgbClr val="000000">
+                                <a:alpha val="43137"/>
+                              </a:srgbClr>
+                            </a:outerShdw>
+                          </a:effectLst>
                         </a:rPr>
                         <a:t>Con la finalidad de jugar con una mayor comodidad.</a:t>
                       </a:r>
-                      <a:endParaRPr lang="es-CL" sz="800" b="1">
-                        <a:effectLst/>
+                      <a:endParaRPr lang="es-CL" sz="900" b="1" dirty="0">
+                        <a:solidFill>
+                          <a:schemeClr val="bg1">
+                            <a:lumMod val="10000"/>
+                          </a:schemeClr>
+                        </a:solidFill>
+                        <a:effectLst>
+                          <a:outerShdw blurRad="38100" dist="38100" dir="2700000" algn="tl">
+                            <a:srgbClr val="000000">
+                              <a:alpha val="43137"/>
+                            </a:srgbClr>
+                          </a:outerShdw>
+                        </a:effectLst>
                         <a:latin typeface="Calibri" panose="020F0502020204030204" pitchFamily="34" charset="0"/>
                         <a:ea typeface="Calibri" panose="020F0502020204030204" pitchFamily="34" charset="0"/>
                         <a:cs typeface="Times New Roman" panose="02020603050405020304" pitchFamily="18" charset="0"/>
@@ -5131,13 +8854,35 @@
                         </a:spcAft>
                       </a:pPr>
                       <a:r>
-                        <a:rPr lang="es-CL" sz="800" b="1">
-                          <a:effectLst/>
+                        <a:rPr lang="es-CL" sz="900" b="1" dirty="0">
+                          <a:solidFill>
+                            <a:schemeClr val="bg1">
+                              <a:lumMod val="10000"/>
+                            </a:schemeClr>
+                          </a:solidFill>
+                          <a:effectLst>
+                            <a:outerShdw blurRad="38100" dist="38100" dir="2700000" algn="tl">
+                              <a:srgbClr val="000000">
+                                <a:alpha val="43137"/>
+                              </a:srgbClr>
+                            </a:outerShdw>
+                          </a:effectLst>
                         </a:rPr>
                         <a:t>Que se considere parte de la movilidad, ataque e interfaz el teclado y ratón.</a:t>
                       </a:r>
-                      <a:endParaRPr lang="es-CL" sz="800" b="1">
-                        <a:effectLst/>
+                      <a:endParaRPr lang="es-CL" sz="900" b="1" dirty="0">
+                        <a:solidFill>
+                          <a:schemeClr val="bg1">
+                            <a:lumMod val="10000"/>
+                          </a:schemeClr>
+                        </a:solidFill>
+                        <a:effectLst>
+                          <a:outerShdw blurRad="38100" dist="38100" dir="2700000" algn="tl">
+                            <a:srgbClr val="000000">
+                              <a:alpha val="43137"/>
+                            </a:srgbClr>
+                          </a:outerShdw>
+                        </a:effectLst>
                         <a:latin typeface="Calibri" panose="020F0502020204030204" pitchFamily="34" charset="0"/>
                         <a:ea typeface="Calibri" panose="020F0502020204030204" pitchFamily="34" charset="0"/>
                         <a:cs typeface="Times New Roman" panose="02020603050405020304" pitchFamily="18" charset="0"/>
@@ -5152,7 +8897,7 @@
                   </a:ext>
                 </a:extLst>
               </a:tr>
-              <a:tr h="399912">
+              <a:tr h="409720">
                 <a:tc>
                   <a:txBody>
                     <a:bodyPr/>
@@ -5167,13 +8912,35 @@
                         </a:spcAft>
                       </a:pPr>
                       <a:r>
-                        <a:rPr lang="es-CL" sz="800" b="1">
-                          <a:effectLst/>
+                        <a:rPr lang="es-CL" sz="900" b="1" dirty="0">
+                          <a:solidFill>
+                            <a:schemeClr val="bg1">
+                              <a:lumMod val="10000"/>
+                            </a:schemeClr>
+                          </a:solidFill>
+                          <a:effectLst>
+                            <a:outerShdw blurRad="38100" dist="38100" dir="2700000" algn="tl">
+                              <a:srgbClr val="000000">
+                                <a:alpha val="43137"/>
+                              </a:srgbClr>
+                            </a:outerShdw>
+                          </a:effectLst>
                         </a:rPr>
                         <a:t>3</a:t>
                       </a:r>
-                      <a:endParaRPr lang="es-CL" sz="800" b="1">
-                        <a:effectLst/>
+                      <a:endParaRPr lang="es-CL" sz="900" b="1" dirty="0">
+                        <a:solidFill>
+                          <a:schemeClr val="bg1">
+                            <a:lumMod val="10000"/>
+                          </a:schemeClr>
+                        </a:solidFill>
+                        <a:effectLst>
+                          <a:outerShdw blurRad="38100" dist="38100" dir="2700000" algn="tl">
+                            <a:srgbClr val="000000">
+                              <a:alpha val="43137"/>
+                            </a:srgbClr>
+                          </a:outerShdw>
+                        </a:effectLst>
                         <a:latin typeface="Calibri" panose="020F0502020204030204" pitchFamily="34" charset="0"/>
                         <a:ea typeface="Calibri" panose="020F0502020204030204" pitchFamily="34" charset="0"/>
                         <a:cs typeface="Times New Roman" panose="02020603050405020304" pitchFamily="18" charset="0"/>
@@ -5196,13 +8963,35 @@
                         </a:spcAft>
                       </a:pPr>
                       <a:r>
-                        <a:rPr lang="es-CL" sz="800" b="1">
-                          <a:effectLst/>
+                        <a:rPr lang="es-CL" sz="900" b="1" dirty="0">
+                          <a:solidFill>
+                            <a:schemeClr val="bg1">
+                              <a:lumMod val="10000"/>
+                            </a:schemeClr>
+                          </a:solidFill>
+                          <a:effectLst>
+                            <a:outerShdw blurRad="38100" dist="38100" dir="2700000" algn="tl">
+                              <a:srgbClr val="000000">
+                                <a:alpha val="43137"/>
+                              </a:srgbClr>
+                            </a:outerShdw>
+                          </a:effectLst>
                         </a:rPr>
                         <a:t>Como cliente</a:t>
                       </a:r>
-                      <a:endParaRPr lang="es-CL" sz="800" b="1">
-                        <a:effectLst/>
+                      <a:endParaRPr lang="es-CL" sz="900" b="1" dirty="0">
+                        <a:solidFill>
+                          <a:schemeClr val="bg1">
+                            <a:lumMod val="10000"/>
+                          </a:schemeClr>
+                        </a:solidFill>
+                        <a:effectLst>
+                          <a:outerShdw blurRad="38100" dist="38100" dir="2700000" algn="tl">
+                            <a:srgbClr val="000000">
+                              <a:alpha val="43137"/>
+                            </a:srgbClr>
+                          </a:outerShdw>
+                        </a:effectLst>
                         <a:latin typeface="Calibri" panose="020F0502020204030204" pitchFamily="34" charset="0"/>
                         <a:ea typeface="Calibri" panose="020F0502020204030204" pitchFamily="34" charset="0"/>
                         <a:cs typeface="Times New Roman" panose="02020603050405020304" pitchFamily="18" charset="0"/>
@@ -5225,13 +9014,69 @@
                         </a:spcAft>
                       </a:pPr>
                       <a:r>
-                        <a:rPr lang="es-CL" sz="800" b="1">
-                          <a:effectLst/>
+                        <a:rPr lang="es-CL" sz="900" b="1" dirty="0">
+                          <a:solidFill>
+                            <a:schemeClr val="bg1">
+                              <a:lumMod val="10000"/>
+                            </a:schemeClr>
+                          </a:solidFill>
+                          <a:effectLst>
+                            <a:outerShdw blurRad="38100" dist="38100" dir="2700000" algn="tl">
+                              <a:srgbClr val="000000">
+                                <a:alpha val="43137"/>
+                              </a:srgbClr>
+                            </a:outerShdw>
+                          </a:effectLst>
                         </a:rPr>
-                        <a:t>Necesito que dentro de la jugabilidad se considere cambio de dificultades.</a:t>
+                        <a:t>Necesito que dentro de la jugabilidad </a:t>
                       </a:r>
-                      <a:endParaRPr lang="es-CL" sz="800" b="1">
-                        <a:effectLst/>
+                      <a:r>
+                        <a:rPr lang="es-CL" sz="900" b="1" i="0" dirty="0">
+                          <a:solidFill>
+                            <a:schemeClr val="bg1">
+                              <a:lumMod val="10000"/>
+                            </a:schemeClr>
+                          </a:solidFill>
+                          <a:effectLst>
+                            <a:outerShdw blurRad="38100" dist="38100" dir="2700000" algn="tl">
+                              <a:srgbClr val="000000">
+                                <a:alpha val="43137"/>
+                              </a:srgbClr>
+                            </a:outerShdw>
+                          </a:effectLst>
+                        </a:rPr>
+                        <a:t>se</a:t>
+                      </a:r>
+                      <a:r>
+                        <a:rPr lang="es-CL" sz="900" b="1" dirty="0">
+                          <a:solidFill>
+                            <a:schemeClr val="bg1">
+                              <a:lumMod val="10000"/>
+                            </a:schemeClr>
+                          </a:solidFill>
+                          <a:effectLst>
+                            <a:outerShdw blurRad="38100" dist="38100" dir="2700000" algn="tl">
+                              <a:srgbClr val="000000">
+                                <a:alpha val="43137"/>
+                              </a:srgbClr>
+                            </a:outerShdw>
+                          </a:effectLst>
+                        </a:rPr>
+                        <a:t> considere cambio de dificultades.</a:t>
+                      </a:r>
+                      <a:endParaRPr lang="es-CL" sz="900" b="1" dirty="0">
+                        <a:solidFill>
+                          <a:schemeClr val="bg1">
+                            <a:lumMod val="10000"/>
+                          </a:schemeClr>
+                        </a:solidFill>
+                        <a:effectLst>
+                          <a:outerShdw blurRad="38100" dist="38100" dir="2700000" algn="tl">
+                            <a:srgbClr val="000000">
+                              <a:alpha val="43137"/>
+                            </a:srgbClr>
+                          </a:outerShdw>
+                        </a:effectLst>
                         <a:latin typeface="Calibri" panose="020F0502020204030204" pitchFamily="34" charset="0"/>
                         <a:ea typeface="Calibri" panose="020F0502020204030204" pitchFamily="34" charset="0"/>
                         <a:cs typeface="Times New Roman" panose="02020603050405020304" pitchFamily="18" charset="0"/>
@@ -5254,13 +9099,35 @@
                         </a:spcAft>
                       </a:pPr>
                       <a:r>
-                        <a:rPr lang="es-CL" sz="800" b="1">
-                          <a:effectLst/>
+                        <a:rPr lang="es-CL" sz="900" b="1" dirty="0">
+                          <a:solidFill>
+                            <a:schemeClr val="bg1">
+                              <a:lumMod val="10000"/>
+                            </a:schemeClr>
+                          </a:solidFill>
+                          <a:effectLst>
+                            <a:outerShdw blurRad="38100" dist="38100" dir="2700000" algn="tl">
+                              <a:srgbClr val="000000">
+                                <a:alpha val="43137"/>
+                              </a:srgbClr>
+                            </a:outerShdw>
+                          </a:effectLst>
                         </a:rPr>
                         <a:t>Con la finalidad de elegir la dificultad que se estime conveniente.</a:t>
                       </a:r>
-                      <a:endParaRPr lang="es-CL" sz="800" b="1">
-                        <a:effectLst/>
+                      <a:endParaRPr lang="es-CL" sz="900" b="1" dirty="0">
+                        <a:solidFill>
+                          <a:schemeClr val="bg1">
+                            <a:lumMod val="10000"/>
+                          </a:schemeClr>
+                        </a:solidFill>
+                        <a:effectLst>
+                          <a:outerShdw blurRad="38100" dist="38100" dir="2700000" algn="tl">
+                            <a:srgbClr val="000000">
+                              <a:alpha val="43137"/>
+                            </a:srgbClr>
+                          </a:outerShdw>
+                        </a:effectLst>
                         <a:latin typeface="Calibri" panose="020F0502020204030204" pitchFamily="34" charset="0"/>
                         <a:ea typeface="Calibri" panose="020F0502020204030204" pitchFamily="34" charset="0"/>
                         <a:cs typeface="Times New Roman" panose="02020603050405020304" pitchFamily="18" charset="0"/>
@@ -5283,13 +9150,35 @@
                         </a:spcAft>
                       </a:pPr>
                       <a:r>
-                        <a:rPr lang="es-CL" sz="800" b="1">
-                          <a:effectLst/>
+                        <a:rPr lang="es-CL" sz="900" b="1" dirty="0">
+                          <a:solidFill>
+                            <a:schemeClr val="bg1">
+                              <a:lumMod val="10000"/>
+                            </a:schemeClr>
+                          </a:solidFill>
+                          <a:effectLst>
+                            <a:outerShdw blurRad="38100" dist="38100" dir="2700000" algn="tl">
+                              <a:srgbClr val="000000">
+                                <a:alpha val="43137"/>
+                              </a:srgbClr>
+                            </a:outerShdw>
+                          </a:effectLst>
                         </a:rPr>
                         <a:t>Que se consideren al menos 3 dificultades.</a:t>
                       </a:r>
-                      <a:endParaRPr lang="es-CL" sz="800" b="1">
-                        <a:effectLst/>
+                      <a:endParaRPr lang="es-CL" sz="900" b="1" dirty="0">
+                        <a:solidFill>
+                          <a:schemeClr val="bg1">
+                            <a:lumMod val="10000"/>
+                          </a:schemeClr>
+                        </a:solidFill>
+                        <a:effectLst>
+                          <a:outerShdw blurRad="38100" dist="38100" dir="2700000" algn="tl">
+                            <a:srgbClr val="000000">
+                              <a:alpha val="43137"/>
+                            </a:srgbClr>
+                          </a:outerShdw>
+                        </a:effectLst>
                         <a:latin typeface="Calibri" panose="020F0502020204030204" pitchFamily="34" charset="0"/>
                         <a:ea typeface="Calibri" panose="020F0502020204030204" pitchFamily="34" charset="0"/>
                         <a:cs typeface="Times New Roman" panose="02020603050405020304" pitchFamily="18" charset="0"/>
@@ -5304,7 +9193,7 @@
                   </a:ext>
                 </a:extLst>
               </a:tr>
-              <a:tr h="263683">
+              <a:tr h="409720">
                 <a:tc>
                   <a:txBody>
                     <a:bodyPr/>
@@ -5319,13 +9208,35 @@
                         </a:spcAft>
                       </a:pPr>
                       <a:r>
-                        <a:rPr lang="es-CL" sz="800" b="1">
-                          <a:effectLst/>
+                        <a:rPr lang="es-CL" sz="900" b="1" dirty="0">
+                          <a:solidFill>
+                            <a:schemeClr val="bg1">
+                              <a:lumMod val="10000"/>
+                            </a:schemeClr>
+                          </a:solidFill>
+                          <a:effectLst>
+                            <a:outerShdw blurRad="38100" dist="38100" dir="2700000" algn="tl">
+                              <a:srgbClr val="000000">
+                                <a:alpha val="43137"/>
+                              </a:srgbClr>
+                            </a:outerShdw>
+                          </a:effectLst>
                         </a:rPr>
                         <a:t>4</a:t>
                       </a:r>
-                      <a:endParaRPr lang="es-CL" sz="800" b="1">
-                        <a:effectLst/>
+                      <a:endParaRPr lang="es-CL" sz="900" b="1" dirty="0">
+                        <a:solidFill>
+                          <a:schemeClr val="bg1">
+                            <a:lumMod val="10000"/>
+                          </a:schemeClr>
+                        </a:solidFill>
+                        <a:effectLst>
+                          <a:outerShdw blurRad="38100" dist="38100" dir="2700000" algn="tl">
+                            <a:srgbClr val="000000">
+                              <a:alpha val="43137"/>
+                            </a:srgbClr>
+                          </a:outerShdw>
+                        </a:effectLst>
                         <a:latin typeface="Calibri" panose="020F0502020204030204" pitchFamily="34" charset="0"/>
                         <a:ea typeface="Calibri" panose="020F0502020204030204" pitchFamily="34" charset="0"/>
                         <a:cs typeface="Times New Roman" panose="02020603050405020304" pitchFamily="18" charset="0"/>
@@ -5348,13 +9259,35 @@
                         </a:spcAft>
                       </a:pPr>
                       <a:r>
-                        <a:rPr lang="es-CL" sz="800" b="1">
-                          <a:effectLst/>
+                        <a:rPr lang="es-CL" sz="900" b="1" dirty="0">
+                          <a:solidFill>
+                            <a:schemeClr val="bg1">
+                              <a:lumMod val="10000"/>
+                            </a:schemeClr>
+                          </a:solidFill>
+                          <a:effectLst>
+                            <a:outerShdw blurRad="38100" dist="38100" dir="2700000" algn="tl">
+                              <a:srgbClr val="000000">
+                                <a:alpha val="43137"/>
+                              </a:srgbClr>
+                            </a:outerShdw>
+                          </a:effectLst>
                         </a:rPr>
                         <a:t>Como cliente</a:t>
                       </a:r>
-                      <a:endParaRPr lang="es-CL" sz="800" b="1">
-                        <a:effectLst/>
+                      <a:endParaRPr lang="es-CL" sz="900" b="1" dirty="0">
+                        <a:solidFill>
+                          <a:schemeClr val="bg1">
+                            <a:lumMod val="10000"/>
+                          </a:schemeClr>
+                        </a:solidFill>
+                        <a:effectLst>
+                          <a:outerShdw blurRad="38100" dist="38100" dir="2700000" algn="tl">
+                            <a:srgbClr val="000000">
+                              <a:alpha val="43137"/>
+                            </a:srgbClr>
+                          </a:outerShdw>
+                        </a:effectLst>
                         <a:latin typeface="Calibri" panose="020F0502020204030204" pitchFamily="34" charset="0"/>
                         <a:ea typeface="Calibri" panose="020F0502020204030204" pitchFamily="34" charset="0"/>
                         <a:cs typeface="Times New Roman" panose="02020603050405020304" pitchFamily="18" charset="0"/>
@@ -5377,13 +9310,35 @@
                         </a:spcAft>
                       </a:pPr>
                       <a:r>
-                        <a:rPr lang="es-CL" sz="800" b="1">
-                          <a:effectLst/>
+                        <a:rPr lang="es-CL" sz="900" b="1" dirty="0">
+                          <a:solidFill>
+                            <a:schemeClr val="bg1">
+                              <a:lumMod val="10000"/>
+                            </a:schemeClr>
+                          </a:solidFill>
+                          <a:effectLst>
+                            <a:outerShdw blurRad="38100" dist="38100" dir="2700000" algn="tl">
+                              <a:srgbClr val="000000">
+                                <a:alpha val="43137"/>
+                              </a:srgbClr>
+                            </a:outerShdw>
+                          </a:effectLst>
                         </a:rPr>
                         <a:t>Necesito que el juego contemple múltiples finales.</a:t>
                       </a:r>
-                      <a:endParaRPr lang="es-CL" sz="800" b="1">
-                        <a:effectLst/>
+                      <a:endParaRPr lang="es-CL" sz="900" b="1" dirty="0">
+                        <a:solidFill>
+                          <a:schemeClr val="bg1">
+                            <a:lumMod val="10000"/>
+                          </a:schemeClr>
+                        </a:solidFill>
+                        <a:effectLst>
+                          <a:outerShdw blurRad="38100" dist="38100" dir="2700000" algn="tl">
+                            <a:srgbClr val="000000">
+                              <a:alpha val="43137"/>
+                            </a:srgbClr>
+                          </a:outerShdw>
+                        </a:effectLst>
                         <a:latin typeface="Calibri" panose="020F0502020204030204" pitchFamily="34" charset="0"/>
                         <a:ea typeface="Calibri" panose="020F0502020204030204" pitchFamily="34" charset="0"/>
                         <a:cs typeface="Times New Roman" panose="02020603050405020304" pitchFamily="18" charset="0"/>
@@ -5406,13 +9361,35 @@
                         </a:spcAft>
                       </a:pPr>
                       <a:r>
-                        <a:rPr lang="es-CL" sz="800" b="1">
-                          <a:effectLst/>
+                        <a:rPr lang="es-CL" sz="900" b="1" dirty="0">
+                          <a:solidFill>
+                            <a:schemeClr val="bg1">
+                              <a:lumMod val="10000"/>
+                            </a:schemeClr>
+                          </a:solidFill>
+                          <a:effectLst>
+                            <a:outerShdw blurRad="38100" dist="38100" dir="2700000" algn="tl">
+                              <a:srgbClr val="000000">
+                                <a:alpha val="43137"/>
+                              </a:srgbClr>
+                            </a:outerShdw>
+                          </a:effectLst>
                         </a:rPr>
                         <a:t>Con la finalidad de incentivar la re-jugabilidad.</a:t>
                       </a:r>
-                      <a:endParaRPr lang="es-CL" sz="800" b="1">
-                        <a:effectLst/>
+                      <a:endParaRPr lang="es-CL" sz="900" b="1" dirty="0">
+                        <a:solidFill>
+                          <a:schemeClr val="bg1">
+                            <a:lumMod val="10000"/>
+                          </a:schemeClr>
+                        </a:solidFill>
+                        <a:effectLst>
+                          <a:outerShdw blurRad="38100" dist="38100" dir="2700000" algn="tl">
+                            <a:srgbClr val="000000">
+                              <a:alpha val="43137"/>
+                            </a:srgbClr>
+                          </a:outerShdw>
+                        </a:effectLst>
                         <a:latin typeface="Calibri" panose="020F0502020204030204" pitchFamily="34" charset="0"/>
                         <a:ea typeface="Calibri" panose="020F0502020204030204" pitchFamily="34" charset="0"/>
                         <a:cs typeface="Times New Roman" panose="02020603050405020304" pitchFamily="18" charset="0"/>
@@ -5435,13 +9412,35 @@
                         </a:spcAft>
                       </a:pPr>
                       <a:r>
-                        <a:rPr lang="es-CL" sz="800" b="1">
-                          <a:effectLst/>
+                        <a:rPr lang="es-CL" sz="900" b="1" dirty="0">
+                          <a:solidFill>
+                            <a:schemeClr val="bg1">
+                              <a:lumMod val="10000"/>
+                            </a:schemeClr>
+                          </a:solidFill>
+                          <a:effectLst>
+                            <a:outerShdw blurRad="38100" dist="38100" dir="2700000" algn="tl">
+                              <a:srgbClr val="000000">
+                                <a:alpha val="43137"/>
+                              </a:srgbClr>
+                            </a:outerShdw>
+                          </a:effectLst>
                         </a:rPr>
                         <a:t>Que se consideren mínimo 2 finales.</a:t>
                       </a:r>
-                      <a:endParaRPr lang="es-CL" sz="800" b="1">
-                        <a:effectLst/>
+                      <a:endParaRPr lang="es-CL" sz="900" b="1" dirty="0">
+                        <a:solidFill>
+                          <a:schemeClr val="bg1">
+                            <a:lumMod val="10000"/>
+                          </a:schemeClr>
+                        </a:solidFill>
+                        <a:effectLst>
+                          <a:outerShdw blurRad="38100" dist="38100" dir="2700000" algn="tl">
+                            <a:srgbClr val="000000">
+                              <a:alpha val="43137"/>
+                            </a:srgbClr>
+                          </a:outerShdw>
+                        </a:effectLst>
                         <a:latin typeface="Calibri" panose="020F0502020204030204" pitchFamily="34" charset="0"/>
                         <a:ea typeface="Calibri" panose="020F0502020204030204" pitchFamily="34" charset="0"/>
                         <a:cs typeface="Times New Roman" panose="02020603050405020304" pitchFamily="18" charset="0"/>
@@ -5456,7 +9455,7 @@
                   </a:ext>
                 </a:extLst>
               </a:tr>
-              <a:tr h="536141">
+              <a:tr h="688867">
                 <a:tc>
                   <a:txBody>
                     <a:bodyPr/>
@@ -5471,13 +9470,35 @@
                         </a:spcAft>
                       </a:pPr>
                       <a:r>
-                        <a:rPr lang="es-CL" sz="800" b="1">
-                          <a:effectLst/>
+                        <a:rPr lang="es-CL" sz="900" b="1" dirty="0">
+                          <a:solidFill>
+                            <a:schemeClr val="bg1">
+                              <a:lumMod val="10000"/>
+                            </a:schemeClr>
+                          </a:solidFill>
+                          <a:effectLst>
+                            <a:outerShdw blurRad="38100" dist="38100" dir="2700000" algn="tl">
+                              <a:srgbClr val="000000">
+                                <a:alpha val="43137"/>
+                              </a:srgbClr>
+                            </a:outerShdw>
+                          </a:effectLst>
                         </a:rPr>
                         <a:t>5</a:t>
                       </a:r>
-                      <a:endParaRPr lang="es-CL" sz="800" b="1">
-                        <a:effectLst/>
+                      <a:endParaRPr lang="es-CL" sz="900" b="1" dirty="0">
+                        <a:solidFill>
+                          <a:schemeClr val="bg1">
+                            <a:lumMod val="10000"/>
+                          </a:schemeClr>
+                        </a:solidFill>
+                        <a:effectLst>
+                          <a:outerShdw blurRad="38100" dist="38100" dir="2700000" algn="tl">
+                            <a:srgbClr val="000000">
+                              <a:alpha val="43137"/>
+                            </a:srgbClr>
+                          </a:outerShdw>
+                        </a:effectLst>
                         <a:latin typeface="Calibri" panose="020F0502020204030204" pitchFamily="34" charset="0"/>
                         <a:ea typeface="Calibri" panose="020F0502020204030204" pitchFamily="34" charset="0"/>
                         <a:cs typeface="Times New Roman" panose="02020603050405020304" pitchFamily="18" charset="0"/>
@@ -5500,13 +9521,35 @@
                         </a:spcAft>
                       </a:pPr>
                       <a:r>
-                        <a:rPr lang="es-CL" sz="800" b="1">
-                          <a:effectLst/>
+                        <a:rPr lang="es-CL" sz="900" b="1" dirty="0">
+                          <a:solidFill>
+                            <a:schemeClr val="bg1">
+                              <a:lumMod val="10000"/>
+                            </a:schemeClr>
+                          </a:solidFill>
+                          <a:effectLst>
+                            <a:outerShdw blurRad="38100" dist="38100" dir="2700000" algn="tl">
+                              <a:srgbClr val="000000">
+                                <a:alpha val="43137"/>
+                              </a:srgbClr>
+                            </a:outerShdw>
+                          </a:effectLst>
                         </a:rPr>
                         <a:t>Como cliente </a:t>
                       </a:r>
-                      <a:endParaRPr lang="es-CL" sz="800" b="1">
-                        <a:effectLst/>
+                      <a:endParaRPr lang="es-CL" sz="900" b="1" dirty="0">
+                        <a:solidFill>
+                          <a:schemeClr val="bg1">
+                            <a:lumMod val="10000"/>
+                          </a:schemeClr>
+                        </a:solidFill>
+                        <a:effectLst>
+                          <a:outerShdw blurRad="38100" dist="38100" dir="2700000" algn="tl">
+                            <a:srgbClr val="000000">
+                              <a:alpha val="43137"/>
+                            </a:srgbClr>
+                          </a:outerShdw>
+                        </a:effectLst>
                         <a:latin typeface="Calibri" panose="020F0502020204030204" pitchFamily="34" charset="0"/>
                         <a:ea typeface="Calibri" panose="020F0502020204030204" pitchFamily="34" charset="0"/>
                         <a:cs typeface="Times New Roman" panose="02020603050405020304" pitchFamily="18" charset="0"/>
@@ -5529,13 +9572,35 @@
                         </a:spcAft>
                       </a:pPr>
                       <a:r>
-                        <a:rPr lang="es-CL" sz="800" b="1">
-                          <a:effectLst/>
+                        <a:rPr lang="es-CL" sz="900" b="1" dirty="0">
+                          <a:solidFill>
+                            <a:schemeClr val="bg1">
+                              <a:lumMod val="10000"/>
+                            </a:schemeClr>
+                          </a:solidFill>
+                          <a:effectLst>
+                            <a:outerShdw blurRad="38100" dist="38100" dir="2700000" algn="tl">
+                              <a:srgbClr val="000000">
+                                <a:alpha val="43137"/>
+                              </a:srgbClr>
+                            </a:outerShdw>
+                          </a:effectLst>
                         </a:rPr>
                         <a:t>Necesito que el juego empiece con un menú inicio agradable.</a:t>
                       </a:r>
-                      <a:endParaRPr lang="es-CL" sz="800" b="1">
-                        <a:effectLst/>
+                      <a:endParaRPr lang="es-CL" sz="900" b="1" dirty="0">
+                        <a:solidFill>
+                          <a:schemeClr val="bg1">
+                            <a:lumMod val="10000"/>
+                          </a:schemeClr>
+                        </a:solidFill>
+                        <a:effectLst>
+                          <a:outerShdw blurRad="38100" dist="38100" dir="2700000" algn="tl">
+                            <a:srgbClr val="000000">
+                              <a:alpha val="43137"/>
+                            </a:srgbClr>
+                          </a:outerShdw>
+                        </a:effectLst>
                         <a:latin typeface="Calibri" panose="020F0502020204030204" pitchFamily="34" charset="0"/>
                         <a:ea typeface="Calibri" panose="020F0502020204030204" pitchFamily="34" charset="0"/>
                         <a:cs typeface="Times New Roman" panose="02020603050405020304" pitchFamily="18" charset="0"/>
@@ -5558,13 +9623,35 @@
                         </a:spcAft>
                       </a:pPr>
                       <a:r>
-                        <a:rPr lang="es-CL" sz="800" b="1">
-                          <a:effectLst/>
+                        <a:rPr lang="es-CL" sz="900" b="1" dirty="0">
+                          <a:solidFill>
+                            <a:schemeClr val="bg1">
+                              <a:lumMod val="10000"/>
+                            </a:schemeClr>
+                          </a:solidFill>
+                          <a:effectLst>
+                            <a:outerShdw blurRad="38100" dist="38100" dir="2700000" algn="tl">
+                              <a:srgbClr val="000000">
+                                <a:alpha val="43137"/>
+                              </a:srgbClr>
+                            </a:outerShdw>
+                          </a:effectLst>
                         </a:rPr>
                         <a:t>Con la finalidad de tener una pantalla de carga en vez de empezar con el juego como tal.</a:t>
                       </a:r>
-                      <a:endParaRPr lang="es-CL" sz="800" b="1">
-                        <a:effectLst/>
+                      <a:endParaRPr lang="es-CL" sz="900" b="1" dirty="0">
+                        <a:solidFill>
+                          <a:schemeClr val="bg1">
+                            <a:lumMod val="10000"/>
+                          </a:schemeClr>
+                        </a:solidFill>
+                        <a:effectLst>
+                          <a:outerShdw blurRad="38100" dist="38100" dir="2700000" algn="tl">
+                            <a:srgbClr val="000000">
+                              <a:alpha val="43137"/>
+                            </a:srgbClr>
+                          </a:outerShdw>
+                        </a:effectLst>
                         <a:latin typeface="Calibri" panose="020F0502020204030204" pitchFamily="34" charset="0"/>
                         <a:ea typeface="Calibri" panose="020F0502020204030204" pitchFamily="34" charset="0"/>
                         <a:cs typeface="Times New Roman" panose="02020603050405020304" pitchFamily="18" charset="0"/>
@@ -5587,13 +9674,35 @@
                         </a:spcAft>
                       </a:pPr>
                       <a:r>
-                        <a:rPr lang="es-CL" sz="800" b="1">
-                          <a:effectLst/>
+                        <a:rPr lang="es-CL" sz="900" b="1" dirty="0">
+                          <a:solidFill>
+                            <a:schemeClr val="bg1">
+                              <a:lumMod val="10000"/>
+                            </a:schemeClr>
+                          </a:solidFill>
+                          <a:effectLst>
+                            <a:outerShdw blurRad="38100" dist="38100" dir="2700000" algn="tl">
+                              <a:srgbClr val="000000">
+                                <a:alpha val="43137"/>
+                              </a:srgbClr>
+                            </a:outerShdw>
+                          </a:effectLst>
                         </a:rPr>
                         <a:t>Que dentro del menú tenga opciones.</a:t>
                       </a:r>
-                      <a:endParaRPr lang="es-CL" sz="800" b="1">
-                        <a:effectLst/>
+                      <a:endParaRPr lang="es-CL" sz="900" b="1" dirty="0">
+                        <a:solidFill>
+                          <a:schemeClr val="bg1">
+                            <a:lumMod val="10000"/>
+                          </a:schemeClr>
+                        </a:solidFill>
+                        <a:effectLst>
+                          <a:outerShdw blurRad="38100" dist="38100" dir="2700000" algn="tl">
+                            <a:srgbClr val="000000">
+                              <a:alpha val="43137"/>
+                            </a:srgbClr>
+                          </a:outerShdw>
+                        </a:effectLst>
                         <a:latin typeface="Calibri" panose="020F0502020204030204" pitchFamily="34" charset="0"/>
                         <a:ea typeface="Calibri" panose="020F0502020204030204" pitchFamily="34" charset="0"/>
                         <a:cs typeface="Times New Roman" panose="02020603050405020304" pitchFamily="18" charset="0"/>
@@ -5608,7 +9717,7 @@
                   </a:ext>
                 </a:extLst>
               </a:tr>
-              <a:tr h="288005">
+              <a:tr h="409720">
                 <a:tc>
                   <a:txBody>
                     <a:bodyPr/>
@@ -5623,13 +9732,35 @@
                         </a:spcAft>
                       </a:pPr>
                       <a:r>
-                        <a:rPr lang="es-CL" sz="800" b="1">
-                          <a:effectLst/>
+                        <a:rPr lang="es-CL" sz="900" b="1" dirty="0">
+                          <a:solidFill>
+                            <a:schemeClr val="bg1">
+                              <a:lumMod val="10000"/>
+                            </a:schemeClr>
+                          </a:solidFill>
+                          <a:effectLst>
+                            <a:outerShdw blurRad="38100" dist="38100" dir="2700000" algn="tl">
+                              <a:srgbClr val="000000">
+                                <a:alpha val="43137"/>
+                              </a:srgbClr>
+                            </a:outerShdw>
+                          </a:effectLst>
                         </a:rPr>
                         <a:t>6</a:t>
                       </a:r>
-                      <a:endParaRPr lang="es-CL" sz="800" b="1">
-                        <a:effectLst/>
+                      <a:endParaRPr lang="es-CL" sz="900" b="1" dirty="0">
+                        <a:solidFill>
+                          <a:schemeClr val="bg1">
+                            <a:lumMod val="10000"/>
+                          </a:schemeClr>
+                        </a:solidFill>
+                        <a:effectLst>
+                          <a:outerShdw blurRad="38100" dist="38100" dir="2700000" algn="tl">
+                            <a:srgbClr val="000000">
+                              <a:alpha val="43137"/>
+                            </a:srgbClr>
+                          </a:outerShdw>
+                        </a:effectLst>
                         <a:latin typeface="Calibri" panose="020F0502020204030204" pitchFamily="34" charset="0"/>
                         <a:ea typeface="Calibri" panose="020F0502020204030204" pitchFamily="34" charset="0"/>
                         <a:cs typeface="Times New Roman" panose="02020603050405020304" pitchFamily="18" charset="0"/>
@@ -5652,13 +9783,35 @@
                         </a:spcAft>
                       </a:pPr>
                       <a:r>
-                        <a:rPr lang="es-CL" sz="800" b="1">
-                          <a:effectLst/>
+                        <a:rPr lang="es-CL" sz="900" b="1" dirty="0">
+                          <a:solidFill>
+                            <a:schemeClr val="bg1">
+                              <a:lumMod val="10000"/>
+                            </a:schemeClr>
+                          </a:solidFill>
+                          <a:effectLst>
+                            <a:outerShdw blurRad="38100" dist="38100" dir="2700000" algn="tl">
+                              <a:srgbClr val="000000">
+                                <a:alpha val="43137"/>
+                              </a:srgbClr>
+                            </a:outerShdw>
+                          </a:effectLst>
                         </a:rPr>
                         <a:t>Como cliente</a:t>
                       </a:r>
-                      <a:endParaRPr lang="es-CL" sz="800" b="1">
-                        <a:effectLst/>
+                      <a:endParaRPr lang="es-CL" sz="900" b="1" dirty="0">
+                        <a:solidFill>
+                          <a:schemeClr val="bg1">
+                            <a:lumMod val="10000"/>
+                          </a:schemeClr>
+                        </a:solidFill>
+                        <a:effectLst>
+                          <a:outerShdw blurRad="38100" dist="38100" dir="2700000" algn="tl">
+                            <a:srgbClr val="000000">
+                              <a:alpha val="43137"/>
+                            </a:srgbClr>
+                          </a:outerShdw>
+                        </a:effectLst>
                         <a:latin typeface="Calibri" panose="020F0502020204030204" pitchFamily="34" charset="0"/>
                         <a:ea typeface="Calibri" panose="020F0502020204030204" pitchFamily="34" charset="0"/>
                         <a:cs typeface="Times New Roman" panose="02020603050405020304" pitchFamily="18" charset="0"/>
@@ -5681,13 +9834,35 @@
                         </a:spcAft>
                       </a:pPr>
                       <a:r>
-                        <a:rPr lang="es-CL" sz="800" b="1">
-                          <a:effectLst/>
+                        <a:rPr lang="es-CL" sz="900" b="1" dirty="0">
+                          <a:solidFill>
+                            <a:schemeClr val="bg1">
+                              <a:lumMod val="10000"/>
+                            </a:schemeClr>
+                          </a:solidFill>
+                          <a:effectLst>
+                            <a:outerShdw blurRad="38100" dist="38100" dir="2700000" algn="tl">
+                              <a:srgbClr val="000000">
+                                <a:alpha val="43137"/>
+                              </a:srgbClr>
+                            </a:outerShdw>
+                          </a:effectLst>
                         </a:rPr>
                         <a:t>Necesito que el juego contemple un estilo grafico 2D</a:t>
                       </a:r>
-                      <a:endParaRPr lang="es-CL" sz="800" b="1">
-                        <a:effectLst/>
+                      <a:endParaRPr lang="es-CL" sz="900" b="1" dirty="0">
+                        <a:solidFill>
+                          <a:schemeClr val="bg1">
+                            <a:lumMod val="10000"/>
+                          </a:schemeClr>
+                        </a:solidFill>
+                        <a:effectLst>
+                          <a:outerShdw blurRad="38100" dist="38100" dir="2700000" algn="tl">
+                            <a:srgbClr val="000000">
+                              <a:alpha val="43137"/>
+                            </a:srgbClr>
+                          </a:outerShdw>
+                        </a:effectLst>
                         <a:latin typeface="Calibri" panose="020F0502020204030204" pitchFamily="34" charset="0"/>
                         <a:ea typeface="Calibri" panose="020F0502020204030204" pitchFamily="34" charset="0"/>
                         <a:cs typeface="Times New Roman" panose="02020603050405020304" pitchFamily="18" charset="0"/>
@@ -5710,13 +9885,35 @@
                         </a:spcAft>
                       </a:pPr>
                       <a:r>
-                        <a:rPr lang="es-CL" sz="800" b="1">
-                          <a:effectLst/>
+                        <a:rPr lang="es-CL" sz="900" b="1" dirty="0">
+                          <a:solidFill>
+                            <a:schemeClr val="bg1">
+                              <a:lumMod val="10000"/>
+                            </a:schemeClr>
+                          </a:solidFill>
+                          <a:effectLst>
+                            <a:outerShdw blurRad="38100" dist="38100" dir="2700000" algn="tl">
+                              <a:srgbClr val="000000">
+                                <a:alpha val="43137"/>
+                              </a:srgbClr>
+                            </a:outerShdw>
+                          </a:effectLst>
                         </a:rPr>
                         <a:t>Con la finalidad de satisfacer una preferencia personal.</a:t>
                       </a:r>
-                      <a:endParaRPr lang="es-CL" sz="800" b="1">
-                        <a:effectLst/>
+                      <a:endParaRPr lang="es-CL" sz="900" b="1" dirty="0">
+                        <a:solidFill>
+                          <a:schemeClr val="bg1">
+                            <a:lumMod val="10000"/>
+                          </a:schemeClr>
+                        </a:solidFill>
+                        <a:effectLst>
+                          <a:outerShdw blurRad="38100" dist="38100" dir="2700000" algn="tl">
+                            <a:srgbClr val="000000">
+                              <a:alpha val="43137"/>
+                            </a:srgbClr>
+                          </a:outerShdw>
+                        </a:effectLst>
                         <a:latin typeface="Calibri" panose="020F0502020204030204" pitchFamily="34" charset="0"/>
                         <a:ea typeface="Calibri" panose="020F0502020204030204" pitchFamily="34" charset="0"/>
                         <a:cs typeface="Times New Roman" panose="02020603050405020304" pitchFamily="18" charset="0"/>
@@ -5739,13 +9936,35 @@
                         </a:spcAft>
                       </a:pPr>
                       <a:r>
-                        <a:rPr lang="es-CL" sz="800" b="1">
-                          <a:effectLst/>
+                        <a:rPr lang="es-CL" sz="900" b="1" dirty="0">
+                          <a:solidFill>
+                            <a:schemeClr val="bg1">
+                              <a:lumMod val="10000"/>
+                            </a:schemeClr>
+                          </a:solidFill>
+                          <a:effectLst>
+                            <a:outerShdw blurRad="38100" dist="38100" dir="2700000" algn="tl">
+                              <a:srgbClr val="000000">
+                                <a:alpha val="43137"/>
+                              </a:srgbClr>
+                            </a:outerShdw>
+                          </a:effectLst>
                         </a:rPr>
                         <a:t>Que se vea agradable.</a:t>
                       </a:r>
-                      <a:endParaRPr lang="es-CL" sz="800" b="1">
-                        <a:effectLst/>
+                      <a:endParaRPr lang="es-CL" sz="900" b="1" dirty="0">
+                        <a:solidFill>
+                          <a:schemeClr val="bg1">
+                            <a:lumMod val="10000"/>
+                          </a:schemeClr>
+                        </a:solidFill>
+                        <a:effectLst>
+                          <a:outerShdw blurRad="38100" dist="38100" dir="2700000" algn="tl">
+                            <a:srgbClr val="000000">
+                              <a:alpha val="43137"/>
+                            </a:srgbClr>
+                          </a:outerShdw>
+                        </a:effectLst>
                         <a:latin typeface="Calibri" panose="020F0502020204030204" pitchFamily="34" charset="0"/>
                         <a:ea typeface="Calibri" panose="020F0502020204030204" pitchFamily="34" charset="0"/>
                         <a:cs typeface="Times New Roman" panose="02020603050405020304" pitchFamily="18" charset="0"/>
@@ -5760,7 +9979,7 @@
                   </a:ext>
                 </a:extLst>
               </a:tr>
-              <a:tr h="263683">
+              <a:tr h="409720">
                 <a:tc>
                   <a:txBody>
                     <a:bodyPr/>
@@ -5775,13 +9994,35 @@
                         </a:spcAft>
                       </a:pPr>
                       <a:r>
-                        <a:rPr lang="es-CL" sz="800" b="1">
-                          <a:effectLst/>
+                        <a:rPr lang="es-CL" sz="900" b="1" dirty="0">
+                          <a:solidFill>
+                            <a:schemeClr val="bg1">
+                              <a:lumMod val="10000"/>
+                            </a:schemeClr>
+                          </a:solidFill>
+                          <a:effectLst>
+                            <a:outerShdw blurRad="38100" dist="38100" dir="2700000" algn="tl">
+                              <a:srgbClr val="000000">
+                                <a:alpha val="43137"/>
+                              </a:srgbClr>
+                            </a:outerShdw>
+                          </a:effectLst>
                         </a:rPr>
                         <a:t>7</a:t>
                       </a:r>
-                      <a:endParaRPr lang="es-CL" sz="800" b="1">
-                        <a:effectLst/>
+                      <a:endParaRPr lang="es-CL" sz="900" b="1" dirty="0">
+                        <a:solidFill>
+                          <a:schemeClr val="bg1">
+                            <a:lumMod val="10000"/>
+                          </a:schemeClr>
+                        </a:solidFill>
+                        <a:effectLst>
+                          <a:outerShdw blurRad="38100" dist="38100" dir="2700000" algn="tl">
+                            <a:srgbClr val="000000">
+                              <a:alpha val="43137"/>
+                            </a:srgbClr>
+                          </a:outerShdw>
+                        </a:effectLst>
                         <a:latin typeface="Calibri" panose="020F0502020204030204" pitchFamily="34" charset="0"/>
                         <a:ea typeface="Calibri" panose="020F0502020204030204" pitchFamily="34" charset="0"/>
                         <a:cs typeface="Times New Roman" panose="02020603050405020304" pitchFamily="18" charset="0"/>
@@ -5804,13 +10045,35 @@
                         </a:spcAft>
                       </a:pPr>
                       <a:r>
-                        <a:rPr lang="es-CL" sz="800" b="1">
-                          <a:effectLst/>
+                        <a:rPr lang="es-CL" sz="900" b="1" dirty="0">
+                          <a:solidFill>
+                            <a:schemeClr val="bg1">
+                              <a:lumMod val="10000"/>
+                            </a:schemeClr>
+                          </a:solidFill>
+                          <a:effectLst>
+                            <a:outerShdw blurRad="38100" dist="38100" dir="2700000" algn="tl">
+                              <a:srgbClr val="000000">
+                                <a:alpha val="43137"/>
+                              </a:srgbClr>
+                            </a:outerShdw>
+                          </a:effectLst>
                         </a:rPr>
                         <a:t>Como cliente </a:t>
                       </a:r>
-                      <a:endParaRPr lang="es-CL" sz="800" b="1">
-                        <a:effectLst/>
+                      <a:endParaRPr lang="es-CL" sz="900" b="1" dirty="0">
+                        <a:solidFill>
+                          <a:schemeClr val="bg1">
+                            <a:lumMod val="10000"/>
+                          </a:schemeClr>
+                        </a:solidFill>
+                        <a:effectLst>
+                          <a:outerShdw blurRad="38100" dist="38100" dir="2700000" algn="tl">
+                            <a:srgbClr val="000000">
+                              <a:alpha val="43137"/>
+                            </a:srgbClr>
+                          </a:outerShdw>
+                        </a:effectLst>
                         <a:latin typeface="Calibri" panose="020F0502020204030204" pitchFamily="34" charset="0"/>
                         <a:ea typeface="Calibri" panose="020F0502020204030204" pitchFamily="34" charset="0"/>
                         <a:cs typeface="Times New Roman" panose="02020603050405020304" pitchFamily="18" charset="0"/>
@@ -5833,13 +10096,35 @@
                         </a:spcAft>
                       </a:pPr>
                       <a:r>
-                        <a:rPr lang="es-CL" sz="800" b="1">
-                          <a:effectLst/>
+                        <a:rPr lang="es-CL" sz="900" b="1" dirty="0">
+                          <a:solidFill>
+                            <a:schemeClr val="bg1">
+                              <a:lumMod val="10000"/>
+                            </a:schemeClr>
+                          </a:solidFill>
+                          <a:effectLst>
+                            <a:outerShdw blurRad="38100" dist="38100" dir="2700000" algn="tl">
+                              <a:srgbClr val="000000">
+                                <a:alpha val="43137"/>
+                              </a:srgbClr>
+                            </a:outerShdw>
+                          </a:effectLst>
                         </a:rPr>
                         <a:t>Necesito que el juego contemple jefes y enemigos</a:t>
                       </a:r>
-                      <a:endParaRPr lang="es-CL" sz="800" b="1">
-                        <a:effectLst/>
+                      <a:endParaRPr lang="es-CL" sz="900" b="1" dirty="0">
+                        <a:solidFill>
+                          <a:schemeClr val="bg1">
+                            <a:lumMod val="10000"/>
+                          </a:schemeClr>
+                        </a:solidFill>
+                        <a:effectLst>
+                          <a:outerShdw blurRad="38100" dist="38100" dir="2700000" algn="tl">
+                            <a:srgbClr val="000000">
+                              <a:alpha val="43137"/>
+                            </a:srgbClr>
+                          </a:outerShdw>
+                        </a:effectLst>
                         <a:latin typeface="Calibri" panose="020F0502020204030204" pitchFamily="34" charset="0"/>
                         <a:ea typeface="Calibri" panose="020F0502020204030204" pitchFamily="34" charset="0"/>
                         <a:cs typeface="Times New Roman" panose="02020603050405020304" pitchFamily="18" charset="0"/>
@@ -5862,13 +10147,35 @@
                         </a:spcAft>
                       </a:pPr>
                       <a:r>
-                        <a:rPr lang="es-CL" sz="800" b="1">
-                          <a:effectLst/>
+                        <a:rPr lang="es-CL" sz="900" b="1" dirty="0">
+                          <a:solidFill>
+                            <a:schemeClr val="bg1">
+                              <a:lumMod val="10000"/>
+                            </a:schemeClr>
+                          </a:solidFill>
+                          <a:effectLst>
+                            <a:outerShdw blurRad="38100" dist="38100" dir="2700000" algn="tl">
+                              <a:srgbClr val="000000">
+                                <a:alpha val="43137"/>
+                              </a:srgbClr>
+                            </a:outerShdw>
+                          </a:effectLst>
                         </a:rPr>
                         <a:t>Con la finalidad de generar desafío.</a:t>
                       </a:r>
-                      <a:endParaRPr lang="es-CL" sz="800" b="1">
-                        <a:effectLst/>
+                      <a:endParaRPr lang="es-CL" sz="900" b="1" dirty="0">
+                        <a:solidFill>
+                          <a:schemeClr val="bg1">
+                            <a:lumMod val="10000"/>
+                          </a:schemeClr>
+                        </a:solidFill>
+                        <a:effectLst>
+                          <a:outerShdw blurRad="38100" dist="38100" dir="2700000" algn="tl">
+                            <a:srgbClr val="000000">
+                              <a:alpha val="43137"/>
+                            </a:srgbClr>
+                          </a:outerShdw>
+                        </a:effectLst>
                         <a:latin typeface="Calibri" panose="020F0502020204030204" pitchFamily="34" charset="0"/>
                         <a:ea typeface="Calibri" panose="020F0502020204030204" pitchFamily="34" charset="0"/>
                         <a:cs typeface="Times New Roman" panose="02020603050405020304" pitchFamily="18" charset="0"/>
@@ -5891,13 +10198,35 @@
                         </a:spcAft>
                       </a:pPr>
                       <a:r>
-                        <a:rPr lang="es-CL" sz="800" b="1" dirty="0">
-                          <a:effectLst/>
+                        <a:rPr lang="es-CL" sz="900" b="1" dirty="0">
+                          <a:solidFill>
+                            <a:schemeClr val="bg1">
+                              <a:lumMod val="10000"/>
+                            </a:schemeClr>
+                          </a:solidFill>
+                          <a:effectLst>
+                            <a:outerShdw blurRad="38100" dist="38100" dir="2700000" algn="tl">
+                              <a:srgbClr val="000000">
+                                <a:alpha val="43137"/>
+                              </a:srgbClr>
+                            </a:outerShdw>
+                          </a:effectLst>
                         </a:rPr>
                         <a:t>Que exista el mínimo de variedad y que sean funcionales.</a:t>
                       </a:r>
-                      <a:endParaRPr lang="es-CL" sz="800" b="1" dirty="0">
-                        <a:effectLst/>
+                      <a:endParaRPr lang="es-CL" sz="900" b="1" dirty="0">
+                        <a:solidFill>
+                          <a:schemeClr val="bg1">
+                            <a:lumMod val="10000"/>
+                          </a:schemeClr>
+                        </a:solidFill>
+                        <a:effectLst>
+                          <a:outerShdw blurRad="38100" dist="38100" dir="2700000" algn="tl">
+                            <a:srgbClr val="000000">
+                              <a:alpha val="43137"/>
+                            </a:srgbClr>
+                          </a:outerShdw>
+                        </a:effectLst>
                         <a:latin typeface="Calibri" panose="020F0502020204030204" pitchFamily="34" charset="0"/>
                         <a:ea typeface="Calibri" panose="020F0502020204030204" pitchFamily="34" charset="0"/>
                         <a:cs typeface="Times New Roman" panose="02020603050405020304" pitchFamily="18" charset="0"/>
@@ -5916,6 +10245,42 @@
           </a:graphicData>
         </a:graphic>
       </p:graphicFrame>
+      <p:pic>
+        <p:nvPicPr>
+          <p:cNvPr id="3" name="0 Imagen">
+            <a:extLst>
+              <a:ext uri="{FF2B5EF4-FFF2-40B4-BE49-F238E27FC236}">
+                <a16:creationId xmlns:a16="http://schemas.microsoft.com/office/drawing/2014/main" id="{9785AECB-7431-60A8-856D-742C23E5FED8}"/>
+              </a:ext>
+            </a:extLst>
+          </p:cNvPr>
+          <p:cNvPicPr>
+            <a:picLocks noChangeAspect="1"/>
+          </p:cNvPicPr>
+          <p:nvPr/>
+        </p:nvPicPr>
+        <p:blipFill>
+          <a:blip r:embed="rId2" cstate="print">
+            <a:extLst>
+              <a:ext uri="{28A0092B-C50C-407E-A947-70E740481C1C}">
+                <a14:useLocalDpi xmlns:a14="http://schemas.microsoft.com/office/drawing/2010/main" val="0"/>
+              </a:ext>
+            </a:extLst>
+          </a:blip>
+          <a:stretch>
+            <a:fillRect/>
+          </a:stretch>
+        </p:blipFill>
+        <p:spPr>
+          <a:xfrm>
+            <a:off x="7096928" y="107834"/>
+            <a:ext cx="2047072" cy="273320"/>
+          </a:xfrm>
+          <a:prstGeom prst="rect">
+            <a:avLst/>
+          </a:prstGeom>
+        </p:spPr>
+      </p:pic>
     </p:spTree>
     <p:extLst>
       <p:ext uri="{BB962C8B-B14F-4D97-AF65-F5344CB8AC3E}">
@@ -6017,6 +10382,42 @@
           </a:p>
         </p:txBody>
       </p:sp>
+      <p:pic>
+        <p:nvPicPr>
+          <p:cNvPr id="4" name="0 Imagen">
+            <a:extLst>
+              <a:ext uri="{FF2B5EF4-FFF2-40B4-BE49-F238E27FC236}">
+                <a16:creationId xmlns:a16="http://schemas.microsoft.com/office/drawing/2014/main" id="{512F26EA-4824-6CF4-BDBB-7A4FC2CB7C74}"/>
+              </a:ext>
+            </a:extLst>
+          </p:cNvPr>
+          <p:cNvPicPr>
+            <a:picLocks noChangeAspect="1"/>
+          </p:cNvPicPr>
+          <p:nvPr/>
+        </p:nvPicPr>
+        <p:blipFill>
+          <a:blip r:embed="rId2" cstate="print">
+            <a:extLst>
+              <a:ext uri="{28A0092B-C50C-407E-A947-70E740481C1C}">
+                <a14:useLocalDpi xmlns:a14="http://schemas.microsoft.com/office/drawing/2010/main" val="0"/>
+              </a:ext>
+            </a:extLst>
+          </a:blip>
+          <a:stretch>
+            <a:fillRect/>
+          </a:stretch>
+        </p:blipFill>
+        <p:spPr>
+          <a:xfrm>
+            <a:off x="7096928" y="107834"/>
+            <a:ext cx="2047072" cy="273320"/>
+          </a:xfrm>
+          <a:prstGeom prst="rect">
+            <a:avLst/>
+          </a:prstGeom>
+        </p:spPr>
+      </p:pic>
     </p:spTree>
     <p:extLst>
       <p:ext uri="{BB962C8B-B14F-4D97-AF65-F5344CB8AC3E}">
@@ -6065,6 +10466,42 @@
           <a:xfrm>
             <a:off x="522577" y="1016916"/>
             <a:ext cx="8018449" cy="1779292"/>
+          </a:xfrm>
+          <a:prstGeom prst="rect">
+            <a:avLst/>
+          </a:prstGeom>
+        </p:spPr>
+      </p:pic>
+      <p:pic>
+        <p:nvPicPr>
+          <p:cNvPr id="4" name="0 Imagen">
+            <a:extLst>
+              <a:ext uri="{FF2B5EF4-FFF2-40B4-BE49-F238E27FC236}">
+                <a16:creationId xmlns:a16="http://schemas.microsoft.com/office/drawing/2014/main" id="{79340E44-0A0A-AF32-4A5E-000D5EA6A230}"/>
+              </a:ext>
+            </a:extLst>
+          </p:cNvPr>
+          <p:cNvPicPr>
+            <a:picLocks noChangeAspect="1"/>
+          </p:cNvPicPr>
+          <p:nvPr/>
+        </p:nvPicPr>
+        <p:blipFill>
+          <a:blip r:embed="rId3" cstate="print">
+            <a:extLst>
+              <a:ext uri="{28A0092B-C50C-407E-A947-70E740481C1C}">
+                <a14:useLocalDpi xmlns:a14="http://schemas.microsoft.com/office/drawing/2010/main" val="0"/>
+              </a:ext>
+            </a:extLst>
+          </a:blip>
+          <a:stretch>
+            <a:fillRect/>
+          </a:stretch>
+        </p:blipFill>
+        <p:spPr>
+          <a:xfrm>
+            <a:off x="7096928" y="107834"/>
+            <a:ext cx="2047072" cy="273320"/>
           </a:xfrm>
           <a:prstGeom prst="rect">
             <a:avLst/>
@@ -6157,6 +10594,42 @@
           </a:p>
         </p:txBody>
       </p:sp>
+      <p:pic>
+        <p:nvPicPr>
+          <p:cNvPr id="4" name="0 Imagen">
+            <a:extLst>
+              <a:ext uri="{FF2B5EF4-FFF2-40B4-BE49-F238E27FC236}">
+                <a16:creationId xmlns:a16="http://schemas.microsoft.com/office/drawing/2014/main" id="{0A0DE47D-023A-1E8E-C55B-F40A5C783ABE}"/>
+              </a:ext>
+            </a:extLst>
+          </p:cNvPr>
+          <p:cNvPicPr>
+            <a:picLocks noChangeAspect="1"/>
+          </p:cNvPicPr>
+          <p:nvPr/>
+        </p:nvPicPr>
+        <p:blipFill>
+          <a:blip r:embed="rId2" cstate="print">
+            <a:extLst>
+              <a:ext uri="{28A0092B-C50C-407E-A947-70E740481C1C}">
+                <a14:useLocalDpi xmlns:a14="http://schemas.microsoft.com/office/drawing/2010/main" val="0"/>
+              </a:ext>
+            </a:extLst>
+          </a:blip>
+          <a:stretch>
+            <a:fillRect/>
+          </a:stretch>
+        </p:blipFill>
+        <p:spPr>
+          <a:xfrm>
+            <a:off x="7096928" y="107834"/>
+            <a:ext cx="2047072" cy="273320"/>
+          </a:xfrm>
+          <a:prstGeom prst="rect">
+            <a:avLst/>
+          </a:prstGeom>
+        </p:spPr>
+      </p:pic>
     </p:spTree>
     <p:extLst>
       <p:ext uri="{BB962C8B-B14F-4D97-AF65-F5344CB8AC3E}">
@@ -6211,20 +10684,12 @@
               <a:rPr lang="es-CL" sz="1600" b="1" i="1" dirty="0"/>
               <a:t>Vista lógica</a:t>
             </a:r>
-            <a:r>
-              <a:rPr lang="es-CL" sz="1600" dirty="0"/>
-              <a:t/>
-            </a:r>
             <a:br>
               <a:rPr lang="es-CL" sz="1600" dirty="0"/>
             </a:br>
             <a:r>
               <a:rPr lang="es-CL" sz="1600" b="1" i="1" dirty="0"/>
               <a:t>(Diagrama de clase y secuencia)</a:t>
-            </a:r>
-            <a:r>
-              <a:rPr lang="es-CL" sz="1600" dirty="0"/>
-              <a:t/>
             </a:r>
             <a:br>
               <a:rPr lang="es-CL" sz="1600" dirty="0"/>
@@ -6239,12 +10704,20 @@
       </p:sp>
       <p:pic>
         <p:nvPicPr>
-          <p:cNvPr id="4" name="Imagen 3"/>
-          <p:cNvPicPr/>
+          <p:cNvPr id="5" name="0 Imagen">
+            <a:extLst>
+              <a:ext uri="{FF2B5EF4-FFF2-40B4-BE49-F238E27FC236}">
+                <a16:creationId xmlns:a16="http://schemas.microsoft.com/office/drawing/2014/main" id="{27CF0D2C-0EF6-8C79-A7F0-E9657381C1C5}"/>
+              </a:ext>
+            </a:extLst>
+          </p:cNvPr>
+          <p:cNvPicPr>
+            <a:picLocks noChangeAspect="1"/>
+          </p:cNvPicPr>
           <p:nvPr/>
         </p:nvPicPr>
         <p:blipFill>
-          <a:blip r:embed="rId2">
+          <a:blip r:embed="rId2" cstate="print">
             <a:extLst>
               <a:ext uri="{28A0092B-C50C-407E-A947-70E740481C1C}">
                 <a14:useLocalDpi xmlns:a14="http://schemas.microsoft.com/office/drawing/2010/main" val="0"/>
@@ -6257,12 +10730,59 @@
         </p:blipFill>
         <p:spPr>
           <a:xfrm>
-            <a:off x="1384853" y="708991"/>
-            <a:ext cx="5208104" cy="3756992"/>
+            <a:off x="7096928" y="107834"/>
+            <a:ext cx="2047072" cy="273320"/>
           </a:xfrm>
           <a:prstGeom prst="rect">
             <a:avLst/>
           </a:prstGeom>
+        </p:spPr>
+      </p:pic>
+      <p:pic>
+        <p:nvPicPr>
+          <p:cNvPr id="1026" name="Picture 2">
+            <a:extLst>
+              <a:ext uri="{FF2B5EF4-FFF2-40B4-BE49-F238E27FC236}">
+                <a16:creationId xmlns:a16="http://schemas.microsoft.com/office/drawing/2014/main" id="{05D72BD6-B3FB-78DA-F347-887B7853242D}"/>
+              </a:ext>
+            </a:extLst>
+          </p:cNvPr>
+          <p:cNvPicPr>
+            <a:picLocks noChangeAspect="1" noChangeArrowheads="1"/>
+          </p:cNvPicPr>
+          <p:nvPr/>
+        </p:nvPicPr>
+        <p:blipFill>
+          <a:blip r:embed="rId3">
+            <a:extLst>
+              <a:ext uri="{28A0092B-C50C-407E-A947-70E740481C1C}">
+                <a14:useLocalDpi xmlns:a14="http://schemas.microsoft.com/office/drawing/2010/main" val="0"/>
+              </a:ext>
+            </a:extLst>
+          </a:blip>
+          <a:srcRect/>
+          <a:stretch>
+            <a:fillRect/>
+          </a:stretch>
+        </p:blipFill>
+        <p:spPr bwMode="auto">
+          <a:xfrm>
+            <a:off x="242047" y="696074"/>
+            <a:ext cx="8720417" cy="4237439"/>
+          </a:xfrm>
+          <a:prstGeom prst="rect">
+            <a:avLst/>
+          </a:prstGeom>
+          <a:noFill/>
+          <a:extLst>
+            <a:ext uri="{909E8E84-426E-40DD-AFC4-6F175D3DCCD1}">
+              <a14:hiddenFill xmlns:a14="http://schemas.microsoft.com/office/drawing/2010/main">
+                <a:solidFill>
+                  <a:srgbClr val="FFFFFF"/>
+                </a:solidFill>
+              </a14:hiddenFill>
+            </a:ext>
+          </a:extLst>
         </p:spPr>
       </p:pic>
     </p:spTree>
@@ -6316,7 +10836,7 @@
           <a:lstStyle/>
           <a:p>
             <a:r>
-              <a:rPr lang="es-ES" sz="3600" dirty="0" smtClean="0"/>
+              <a:rPr lang="es-ES" sz="3600" dirty="0"/>
               <a:t>Secuencia</a:t>
             </a:r>
             <a:endParaRPr lang="es-CL" sz="3600" dirty="0"/>
@@ -6325,12 +10845,20 @@
       </p:sp>
       <p:pic>
         <p:nvPicPr>
-          <p:cNvPr id="5" name="Imagen 4"/>
-          <p:cNvPicPr/>
+          <p:cNvPr id="4" name="0 Imagen">
+            <a:extLst>
+              <a:ext uri="{FF2B5EF4-FFF2-40B4-BE49-F238E27FC236}">
+                <a16:creationId xmlns:a16="http://schemas.microsoft.com/office/drawing/2014/main" id="{C2CEB008-AA73-03B5-2E68-C29214628833}"/>
+              </a:ext>
+            </a:extLst>
+          </p:cNvPr>
+          <p:cNvPicPr>
+            <a:picLocks noChangeAspect="1"/>
+          </p:cNvPicPr>
           <p:nvPr/>
         </p:nvPicPr>
         <p:blipFill>
-          <a:blip r:embed="rId2">
+          <a:blip r:embed="rId2" cstate="print">
             <a:extLst>
               <a:ext uri="{28A0092B-C50C-407E-A947-70E740481C1C}">
                 <a14:useLocalDpi xmlns:a14="http://schemas.microsoft.com/office/drawing/2010/main" val="0"/>
@@ -6343,12 +10871,59 @@
         </p:blipFill>
         <p:spPr>
           <a:xfrm>
-            <a:off x="1563755" y="662608"/>
-            <a:ext cx="5632175" cy="3234566"/>
+            <a:off x="7096928" y="107834"/>
+            <a:ext cx="2047072" cy="273320"/>
           </a:xfrm>
           <a:prstGeom prst="rect">
             <a:avLst/>
           </a:prstGeom>
+        </p:spPr>
+      </p:pic>
+      <p:pic>
+        <p:nvPicPr>
+          <p:cNvPr id="2050" name="Picture 2">
+            <a:extLst>
+              <a:ext uri="{FF2B5EF4-FFF2-40B4-BE49-F238E27FC236}">
+                <a16:creationId xmlns:a16="http://schemas.microsoft.com/office/drawing/2014/main" id="{BB79053B-18F8-C8A9-67F6-B41179EFA8AC}"/>
+              </a:ext>
+            </a:extLst>
+          </p:cNvPr>
+          <p:cNvPicPr>
+            <a:picLocks noChangeAspect="1" noChangeArrowheads="1"/>
+          </p:cNvPicPr>
+          <p:nvPr/>
+        </p:nvPicPr>
+        <p:blipFill>
+          <a:blip r:embed="rId3">
+            <a:extLst>
+              <a:ext uri="{28A0092B-C50C-407E-A947-70E740481C1C}">
+                <a14:useLocalDpi xmlns:a14="http://schemas.microsoft.com/office/drawing/2010/main" val="0"/>
+              </a:ext>
+            </a:extLst>
+          </a:blip>
+          <a:srcRect/>
+          <a:stretch>
+            <a:fillRect/>
+          </a:stretch>
+        </p:blipFill>
+        <p:spPr bwMode="auto">
+          <a:xfrm>
+            <a:off x="1667435" y="775167"/>
+            <a:ext cx="4723840" cy="3722188"/>
+          </a:xfrm>
+          <a:prstGeom prst="rect">
+            <a:avLst/>
+          </a:prstGeom>
+          <a:noFill/>
+          <a:extLst>
+            <a:ext uri="{909E8E84-426E-40DD-AFC4-6F175D3DCCD1}">
+              <a14:hiddenFill xmlns:a14="http://schemas.microsoft.com/office/drawing/2010/main">
+                <a:solidFill>
+                  <a:srgbClr val="FFFFFF"/>
+                </a:solidFill>
+              </a14:hiddenFill>
+            </a:ext>
+          </a:extLst>
         </p:spPr>
       </p:pic>
     </p:spTree>
@@ -6405,20 +10980,12 @@
               <a:rPr lang="es-CL" sz="2400" b="1" i="1" dirty="0"/>
               <a:t> </a:t>
             </a:r>
-            <a:r>
-              <a:rPr lang="es-CL" sz="2400" dirty="0"/>
-              <a:t/>
-            </a:r>
             <a:br>
               <a:rPr lang="es-CL" sz="2400" dirty="0"/>
             </a:br>
             <a:r>
               <a:rPr lang="es-CL" sz="2400" b="1" i="1" dirty="0"/>
               <a:t>Vista física</a:t>
-            </a:r>
-            <a:r>
-              <a:rPr lang="es-CL" sz="2400" dirty="0"/>
-              <a:t/>
             </a:r>
             <a:br>
               <a:rPr lang="es-CL" sz="2400" dirty="0"/>
@@ -6433,14 +11000,20 @@
       </p:sp>
       <p:pic>
         <p:nvPicPr>
-          <p:cNvPr id="2" name="Imagen 1"/>
+          <p:cNvPr id="5" name="0 Imagen">
+            <a:extLst>
+              <a:ext uri="{FF2B5EF4-FFF2-40B4-BE49-F238E27FC236}">
+                <a16:creationId xmlns:a16="http://schemas.microsoft.com/office/drawing/2014/main" id="{F251F0D1-3C31-9601-0CAD-3E23BAFF8441}"/>
+              </a:ext>
+            </a:extLst>
+          </p:cNvPr>
           <p:cNvPicPr>
             <a:picLocks noChangeAspect="1"/>
           </p:cNvPicPr>
           <p:nvPr/>
         </p:nvPicPr>
         <p:blipFill>
-          <a:blip r:embed="rId2">
+          <a:blip r:embed="rId2" cstate="print">
             <a:extLst>
               <a:ext uri="{28A0092B-C50C-407E-A947-70E740481C1C}">
                 <a14:useLocalDpi xmlns:a14="http://schemas.microsoft.com/office/drawing/2010/main" val="0"/>
@@ -6453,12 +11026,59 @@
         </p:blipFill>
         <p:spPr>
           <a:xfrm>
-            <a:off x="1169711" y="1523172"/>
-            <a:ext cx="6725527" cy="1962150"/>
+            <a:off x="7096928" y="107834"/>
+            <a:ext cx="2047072" cy="273320"/>
           </a:xfrm>
           <a:prstGeom prst="rect">
             <a:avLst/>
           </a:prstGeom>
+        </p:spPr>
+      </p:pic>
+      <p:pic>
+        <p:nvPicPr>
+          <p:cNvPr id="3074" name="Picture 2">
+            <a:extLst>
+              <a:ext uri="{FF2B5EF4-FFF2-40B4-BE49-F238E27FC236}">
+                <a16:creationId xmlns:a16="http://schemas.microsoft.com/office/drawing/2014/main" id="{A6C2127C-759A-58C1-6486-43C8EEE80FB6}"/>
+              </a:ext>
+            </a:extLst>
+          </p:cNvPr>
+          <p:cNvPicPr>
+            <a:picLocks noChangeAspect="1" noChangeArrowheads="1"/>
+          </p:cNvPicPr>
+          <p:nvPr/>
+        </p:nvPicPr>
+        <p:blipFill>
+          <a:blip r:embed="rId3">
+            <a:extLst>
+              <a:ext uri="{28A0092B-C50C-407E-A947-70E740481C1C}">
+                <a14:useLocalDpi xmlns:a14="http://schemas.microsoft.com/office/drawing/2010/main" val="0"/>
+              </a:ext>
+            </a:extLst>
+          </a:blip>
+          <a:srcRect/>
+          <a:stretch>
+            <a:fillRect/>
+          </a:stretch>
+        </p:blipFill>
+        <p:spPr bwMode="auto">
+          <a:xfrm>
+            <a:off x="1456440" y="1505510"/>
+            <a:ext cx="5458953" cy="1645799"/>
+          </a:xfrm>
+          <a:prstGeom prst="rect">
+            <a:avLst/>
+          </a:prstGeom>
+          <a:noFill/>
+          <a:extLst>
+            <a:ext uri="{909E8E84-426E-40DD-AFC4-6F175D3DCCD1}">
+              <a14:hiddenFill xmlns:a14="http://schemas.microsoft.com/office/drawing/2010/main">
+                <a:solidFill>
+                  <a:srgbClr val="FFFFFF"/>
+                </a:solidFill>
+              </a14:hiddenFill>
+            </a:ext>
+          </a:extLst>
         </p:spPr>
       </p:pic>
     </p:spTree>
@@ -6515,20 +11135,12 @@
               <a:rPr lang="es-CL" sz="3600" b="1" i="1" dirty="0"/>
               <a:t>Vista de proceso</a:t>
             </a:r>
-            <a:r>
-              <a:rPr lang="es-CL" sz="3600" dirty="0"/>
-              <a:t/>
-            </a:r>
             <a:br>
               <a:rPr lang="es-CL" sz="3600" dirty="0"/>
             </a:br>
             <a:r>
               <a:rPr lang="es-CL" sz="3600" b="1" i="1" dirty="0"/>
               <a:t>(Diagrama de actividades)</a:t>
-            </a:r>
-            <a:r>
-              <a:rPr lang="es-CL" dirty="0"/>
-              <a:t/>
             </a:r>
             <a:br>
               <a:rPr lang="es-CL" dirty="0"/>
@@ -6546,7 +11158,7 @@
           <p:nvPr/>
         </p:nvPicPr>
         <p:blipFill>
-          <a:blip r:embed="rId2">
+          <a:blip r:embed="rId3">
             <a:extLst>
               <a:ext uri="{28A0092B-C50C-407E-A947-70E740481C1C}">
                 <a14:useLocalDpi xmlns:a14="http://schemas.microsoft.com/office/drawing/2010/main" val="0"/>
@@ -6576,7 +11188,7 @@
           <p:nvPr/>
         </p:nvPicPr>
         <p:blipFill rotWithShape="1">
-          <a:blip r:embed="rId3">
+          <a:blip r:embed="rId4">
             <a:extLst>
               <a:ext uri="{28A0092B-C50C-407E-A947-70E740481C1C}">
                 <a14:useLocalDpi xmlns:a14="http://schemas.microsoft.com/office/drawing/2010/main" val="0"/>
@@ -6590,6 +11202,42 @@
           <a:xfrm>
             <a:off x="86139" y="1137506"/>
             <a:ext cx="4167809" cy="3893931"/>
+          </a:xfrm>
+          <a:prstGeom prst="rect">
+            <a:avLst/>
+          </a:prstGeom>
+        </p:spPr>
+      </p:pic>
+      <p:pic>
+        <p:nvPicPr>
+          <p:cNvPr id="4" name="0 Imagen">
+            <a:extLst>
+              <a:ext uri="{FF2B5EF4-FFF2-40B4-BE49-F238E27FC236}">
+                <a16:creationId xmlns:a16="http://schemas.microsoft.com/office/drawing/2014/main" id="{E8A67C75-9F39-0B0F-1E01-C8E49D8C25FA}"/>
+              </a:ext>
+            </a:extLst>
+          </p:cNvPr>
+          <p:cNvPicPr>
+            <a:picLocks noChangeAspect="1"/>
+          </p:cNvPicPr>
+          <p:nvPr/>
+        </p:nvPicPr>
+        <p:blipFill>
+          <a:blip r:embed="rId5" cstate="print">
+            <a:extLst>
+              <a:ext uri="{28A0092B-C50C-407E-A947-70E740481C1C}">
+                <a14:useLocalDpi xmlns:a14="http://schemas.microsoft.com/office/drawing/2010/main" val="0"/>
+              </a:ext>
+            </a:extLst>
+          </a:blip>
+          <a:stretch>
+            <a:fillRect/>
+          </a:stretch>
+        </p:blipFill>
+        <p:spPr>
+          <a:xfrm>
+            <a:off x="7096928" y="107834"/>
+            <a:ext cx="2047072" cy="273320"/>
           </a:xfrm>
           <a:prstGeom prst="rect">
             <a:avLst/>
@@ -6650,20 +11298,12 @@
               <a:rPr lang="es-CL" sz="3600" b="1" i="1" dirty="0"/>
               <a:t>Vista de desarrollo</a:t>
             </a:r>
-            <a:r>
-              <a:rPr lang="es-CL" sz="3600" dirty="0"/>
-              <a:t/>
-            </a:r>
             <a:br>
               <a:rPr lang="es-CL" sz="3600" dirty="0"/>
             </a:br>
             <a:r>
               <a:rPr lang="es-CL" sz="3600" b="1" i="1" dirty="0"/>
               <a:t>(Diagrama de componentes)</a:t>
-            </a:r>
-            <a:r>
-              <a:rPr lang="es-CL" sz="3600" dirty="0"/>
-              <a:t/>
             </a:r>
             <a:br>
               <a:rPr lang="es-CL" sz="3600" dirty="0"/>
@@ -6674,14 +11314,20 @@
       </p:sp>
       <p:pic>
         <p:nvPicPr>
-          <p:cNvPr id="4" name="Imagen 3"/>
+          <p:cNvPr id="5" name="0 Imagen">
+            <a:extLst>
+              <a:ext uri="{FF2B5EF4-FFF2-40B4-BE49-F238E27FC236}">
+                <a16:creationId xmlns:a16="http://schemas.microsoft.com/office/drawing/2014/main" id="{A8B34302-890D-66D8-53B0-5BDA5F0DB80F}"/>
+              </a:ext>
+            </a:extLst>
+          </p:cNvPr>
           <p:cNvPicPr>
             <a:picLocks noChangeAspect="1"/>
           </p:cNvPicPr>
           <p:nvPr/>
         </p:nvPicPr>
         <p:blipFill>
-          <a:blip r:embed="rId2">
+          <a:blip r:embed="rId2" cstate="print">
             <a:extLst>
               <a:ext uri="{28A0092B-C50C-407E-A947-70E740481C1C}">
                 <a14:useLocalDpi xmlns:a14="http://schemas.microsoft.com/office/drawing/2010/main" val="0"/>
@@ -6694,12 +11340,53 @@
         </p:blipFill>
         <p:spPr>
           <a:xfrm>
-            <a:off x="456084" y="1602147"/>
-            <a:ext cx="7571722" cy="1903053"/>
+            <a:off x="7096928" y="107834"/>
+            <a:ext cx="2047072" cy="273320"/>
           </a:xfrm>
           <a:prstGeom prst="rect">
             <a:avLst/>
           </a:prstGeom>
+        </p:spPr>
+      </p:pic>
+      <p:pic>
+        <p:nvPicPr>
+          <p:cNvPr id="2" name="Imagen 1">
+            <a:extLst>
+              <a:ext uri="{FF2B5EF4-FFF2-40B4-BE49-F238E27FC236}">
+                <a16:creationId xmlns:a16="http://schemas.microsoft.com/office/drawing/2014/main" id="{6F18AFEF-DA05-738A-75A7-BEA8B1D0BB9B}"/>
+              </a:ext>
+            </a:extLst>
+          </p:cNvPr>
+          <p:cNvPicPr>
+            <a:picLocks noChangeAspect="1"/>
+          </p:cNvPicPr>
+          <p:nvPr/>
+        </p:nvPicPr>
+        <p:blipFill>
+          <a:blip r:embed="rId3">
+            <a:extLst>
+              <a:ext uri="{28A0092B-C50C-407E-A947-70E740481C1C}">
+                <a14:useLocalDpi xmlns:a14="http://schemas.microsoft.com/office/drawing/2010/main" val="0"/>
+              </a:ext>
+            </a:extLst>
+          </a:blip>
+          <a:srcRect/>
+          <a:stretch>
+            <a:fillRect/>
+          </a:stretch>
+        </p:blipFill>
+        <p:spPr bwMode="auto">
+          <a:xfrm>
+            <a:off x="461850" y="1748850"/>
+            <a:ext cx="7540714" cy="1645800"/>
+          </a:xfrm>
+          <a:prstGeom prst="rect">
+            <a:avLst/>
+          </a:prstGeom>
+          <a:noFill/>
+          <a:ln>
+            <a:noFill/>
+          </a:ln>
         </p:spPr>
       </p:pic>
     </p:spTree>
@@ -6756,10 +11443,6 @@
               <a:rPr lang="es-CL" sz="2800" b="1" i="1" dirty="0"/>
               <a:t>Vista de escenarios</a:t>
             </a:r>
-            <a:r>
-              <a:rPr lang="es-CL" sz="2800" dirty="0"/>
-              <a:t/>
-            </a:r>
             <a:br>
               <a:rPr lang="es-CL" sz="2800" dirty="0"/>
             </a:br>
@@ -6773,14 +11456,20 @@
       </p:sp>
       <p:pic>
         <p:nvPicPr>
-          <p:cNvPr id="4" name="Imagen 3"/>
+          <p:cNvPr id="5" name="0 Imagen">
+            <a:extLst>
+              <a:ext uri="{FF2B5EF4-FFF2-40B4-BE49-F238E27FC236}">
+                <a16:creationId xmlns:a16="http://schemas.microsoft.com/office/drawing/2014/main" id="{CFDF0EA3-D7AA-AEBF-2A55-A872012D022A}"/>
+              </a:ext>
+            </a:extLst>
+          </p:cNvPr>
           <p:cNvPicPr>
             <a:picLocks noChangeAspect="1"/>
           </p:cNvPicPr>
           <p:nvPr/>
         </p:nvPicPr>
         <p:blipFill>
-          <a:blip r:embed="rId2">
+          <a:blip r:embed="rId2" cstate="print">
             <a:extLst>
               <a:ext uri="{28A0092B-C50C-407E-A947-70E740481C1C}">
                 <a14:useLocalDpi xmlns:a14="http://schemas.microsoft.com/office/drawing/2010/main" val="0"/>
@@ -6793,12 +11482,59 @@
         </p:blipFill>
         <p:spPr>
           <a:xfrm>
-            <a:off x="1409078" y="1229865"/>
-            <a:ext cx="6572094" cy="1926121"/>
+            <a:off x="7096928" y="107834"/>
+            <a:ext cx="2047072" cy="273320"/>
           </a:xfrm>
           <a:prstGeom prst="rect">
             <a:avLst/>
           </a:prstGeom>
+        </p:spPr>
+      </p:pic>
+      <p:pic>
+        <p:nvPicPr>
+          <p:cNvPr id="6" name="Picture 2">
+            <a:extLst>
+              <a:ext uri="{FF2B5EF4-FFF2-40B4-BE49-F238E27FC236}">
+                <a16:creationId xmlns:a16="http://schemas.microsoft.com/office/drawing/2014/main" id="{219EA8C6-DBD2-7776-6EAA-3A758384DFAE}"/>
+              </a:ext>
+            </a:extLst>
+          </p:cNvPr>
+          <p:cNvPicPr>
+            <a:picLocks noChangeAspect="1" noChangeArrowheads="1"/>
+          </p:cNvPicPr>
+          <p:nvPr/>
+        </p:nvPicPr>
+        <p:blipFill>
+          <a:blip r:embed="rId3">
+            <a:extLst>
+              <a:ext uri="{28A0092B-C50C-407E-A947-70E740481C1C}">
+                <a14:useLocalDpi xmlns:a14="http://schemas.microsoft.com/office/drawing/2010/main" val="0"/>
+              </a:ext>
+            </a:extLst>
+          </a:blip>
+          <a:srcRect/>
+          <a:stretch>
+            <a:fillRect/>
+          </a:stretch>
+        </p:blipFill>
+        <p:spPr bwMode="auto">
+          <a:xfrm>
+            <a:off x="1881974" y="848477"/>
+            <a:ext cx="5101756" cy="4016275"/>
+          </a:xfrm>
+          <a:prstGeom prst="rect">
+            <a:avLst/>
+          </a:prstGeom>
+          <a:noFill/>
+          <a:extLst>
+            <a:ext uri="{909E8E84-426E-40DD-AFC4-6F175D3DCCD1}">
+              <a14:hiddenFill xmlns:a14="http://schemas.microsoft.com/office/drawing/2010/main">
+                <a:solidFill>
+                  <a:srgbClr val="FFFFFF"/>
+                </a:solidFill>
+              </a14:hiddenFill>
+            </a:ext>
+          </a:extLst>
         </p:spPr>
       </p:pic>
     </p:spTree>
@@ -6849,8 +11585,8 @@
         </p:nvSpPr>
         <p:spPr>
           <a:xfrm>
-            <a:off x="1452562" y="1567983"/>
-            <a:ext cx="5956300" cy="2882900"/>
+            <a:off x="766482" y="1364875"/>
+            <a:ext cx="7725336" cy="3415553"/>
           </a:xfrm>
           <a:prstGeom prst="rect">
             <a:avLst/>
@@ -6867,7 +11603,18 @@
               <a:buChar char="Ø"/>
             </a:pPr>
             <a:r>
-              <a:rPr lang="es-CL" sz="1800" dirty="0" smtClean="0">
+              <a:rPr lang="es-CL" sz="2400" dirty="0">
+                <a:solidFill>
+                  <a:schemeClr val="tx1"/>
+                </a:solidFill>
+                <a:latin typeface="Arial" panose="020B0604020202020204" pitchFamily="34" charset="0"/>
+                <a:ea typeface="Calibri" panose="020F0502020204030204" pitchFamily="34" charset="0"/>
+                <a:cs typeface="Times New Roman" panose="02020603050405020304" pitchFamily="18" charset="0"/>
+              </a:rPr>
+              <a:t>En esta presentación se dará a conocer la documentación del p</a:t>
+            </a:r>
+            <a:r>
+              <a:rPr lang="es-CL" sz="2400" dirty="0">
                 <a:solidFill>
                   <a:schemeClr val="tx1"/>
                 </a:solidFill>
@@ -6876,22 +11623,10 @@
                 <a:ea typeface="Calibri" panose="020F0502020204030204" pitchFamily="34" charset="0"/>
                 <a:cs typeface="Times New Roman" panose="02020603050405020304" pitchFamily="18" charset="0"/>
               </a:rPr>
-              <a:t>En el presente informe se hará la documentación del Proyecto de videojuego </a:t>
+              <a:t>royecto de videojuego roguelike</a:t>
             </a:r>
             <a:r>
-              <a:rPr lang="es-CL" sz="1800" dirty="0" err="1" smtClean="0">
-                <a:solidFill>
-                  <a:schemeClr val="tx1"/>
-                </a:solidFill>
-                <a:effectLst/>
-                <a:latin typeface="Arial" panose="020B0604020202020204" pitchFamily="34" charset="0"/>
-                <a:ea typeface="Calibri" panose="020F0502020204030204" pitchFamily="34" charset="0"/>
-                <a:cs typeface="Times New Roman" panose="02020603050405020304" pitchFamily="18" charset="0"/>
-              </a:rPr>
-              <a:t>roguelike</a:t>
-            </a:r>
-            <a:r>
-              <a:rPr lang="es-CL" sz="1800" dirty="0" smtClean="0">
+              <a:rPr lang="es-CL" sz="2400" dirty="0">
                 <a:solidFill>
                   <a:schemeClr val="tx1"/>
                 </a:solidFill>
@@ -6902,7 +11637,7 @@
               <a:t> </a:t>
             </a:r>
             <a:r>
-              <a:rPr lang="es-CL" sz="1800" dirty="0" smtClean="0">
+              <a:rPr lang="es-CL" sz="2400" dirty="0">
                 <a:solidFill>
                   <a:schemeClr val="tx1"/>
                 </a:solidFill>
@@ -6911,33 +11646,9 @@
                 <a:ea typeface="Calibri" panose="020F0502020204030204" pitchFamily="34" charset="0"/>
                 <a:cs typeface="Times New Roman" panose="02020603050405020304" pitchFamily="18" charset="0"/>
               </a:rPr>
-              <a:t>donde se contemplará la toma de requerimientos, los instrumentos de toma de requerimientos, las historias de usuario, la definición de los primeros sprint, las vistas según paradigma 4+1 y un </a:t>
+              <a:t>donde se contemplará la toma de requerimientos, los instrumentos de toma de requerimientos, las historias de usuario, la definición de los primeros sprint, las vistas según paradigma 4+1 y un mock-up de la interfaz gráfica.</a:t>
             </a:r>
-            <a:r>
-              <a:rPr lang="es-CL" sz="1800" dirty="0" err="1" smtClean="0">
-                <a:solidFill>
-                  <a:schemeClr val="tx1"/>
-                </a:solidFill>
-                <a:effectLst/>
-                <a:latin typeface="Arial" panose="020B0604020202020204" pitchFamily="34" charset="0"/>
-                <a:ea typeface="Calibri" panose="020F0502020204030204" pitchFamily="34" charset="0"/>
-                <a:cs typeface="Times New Roman" panose="02020603050405020304" pitchFamily="18" charset="0"/>
-              </a:rPr>
-              <a:t>mock</a:t>
-            </a:r>
-            <a:r>
-              <a:rPr lang="es-CL" sz="1800" dirty="0" smtClean="0">
-                <a:solidFill>
-                  <a:schemeClr val="tx1"/>
-                </a:solidFill>
-                <a:effectLst/>
-                <a:latin typeface="Arial" panose="020B0604020202020204" pitchFamily="34" charset="0"/>
-                <a:ea typeface="Calibri" panose="020F0502020204030204" pitchFamily="34" charset="0"/>
-                <a:cs typeface="Times New Roman" panose="02020603050405020304" pitchFamily="18" charset="0"/>
-              </a:rPr>
-              <a:t>-up de la interfaz gráfica.</a:t>
-            </a:r>
-            <a:endParaRPr lang="es-CL" sz="1800" dirty="0" smtClean="0">
+            <a:endParaRPr lang="es-CL" sz="2400" dirty="0">
               <a:solidFill>
                 <a:schemeClr val="tx1"/>
               </a:solidFill>
@@ -6957,7 +11668,7 @@
               </a:spcAft>
               <a:buNone/>
             </a:pPr>
-            <a:endParaRPr dirty="0"/>
+            <a:endParaRPr lang="es-CL" dirty="0"/>
           </a:p>
         </p:txBody>
       </p:sp>
@@ -7009,6 +11720,42 @@
           </a:p>
         </p:txBody>
       </p:sp>
+      <p:pic>
+        <p:nvPicPr>
+          <p:cNvPr id="4" name="0 Imagen">
+            <a:extLst>
+              <a:ext uri="{FF2B5EF4-FFF2-40B4-BE49-F238E27FC236}">
+                <a16:creationId xmlns:a16="http://schemas.microsoft.com/office/drawing/2014/main" id="{E6DDAAEC-09AD-FE09-50B6-434D990B7E22}"/>
+              </a:ext>
+            </a:extLst>
+          </p:cNvPr>
+          <p:cNvPicPr>
+            <a:picLocks noChangeAspect="1"/>
+          </p:cNvPicPr>
+          <p:nvPr/>
+        </p:nvPicPr>
+        <p:blipFill>
+          <a:blip r:embed="rId2" cstate="print">
+            <a:extLst>
+              <a:ext uri="{28A0092B-C50C-407E-A947-70E740481C1C}">
+                <a14:useLocalDpi xmlns:a14="http://schemas.microsoft.com/office/drawing/2010/main" val="0"/>
+              </a:ext>
+            </a:extLst>
+          </a:blip>
+          <a:stretch>
+            <a:fillRect/>
+          </a:stretch>
+        </p:blipFill>
+        <p:spPr>
+          <a:xfrm>
+            <a:off x="7096928" y="107834"/>
+            <a:ext cx="2047072" cy="273320"/>
+          </a:xfrm>
+          <a:prstGeom prst="rect">
+            <a:avLst/>
+          </a:prstGeom>
+        </p:spPr>
+      </p:pic>
     </p:spTree>
     <p:extLst>
       <p:ext uri="{BB962C8B-B14F-4D97-AF65-F5344CB8AC3E}">
@@ -7023,105 +11770,6 @@
 </file>
 
 <file path=ppt/slides/slide20.xml><?xml version="1.0" encoding="utf-8"?>
-<p:sld xmlns:a="http://schemas.openxmlformats.org/drawingml/2006/main" xmlns:r="http://schemas.openxmlformats.org/officeDocument/2006/relationships" xmlns:p="http://schemas.openxmlformats.org/presentationml/2006/main">
-  <p:cSld>
-    <p:spTree>
-      <p:nvGrpSpPr>
-        <p:cNvPr id="1" name=""/>
-        <p:cNvGrpSpPr/>
-        <p:nvPr/>
-      </p:nvGrpSpPr>
-      <p:grpSpPr>
-        <a:xfrm>
-          <a:off x="0" y="0"/>
-          <a:ext cx="0" cy="0"/>
-          <a:chOff x="0" y="0"/>
-          <a:chExt cx="0" cy="0"/>
-        </a:xfrm>
-      </p:grpSpPr>
-      <p:sp>
-        <p:nvSpPr>
-          <p:cNvPr id="3" name="Título 2"/>
-          <p:cNvSpPr>
-            <a:spLocks noGrp="1"/>
-          </p:cNvSpPr>
-          <p:nvPr>
-            <p:ph type="ctrTitle"/>
-          </p:nvPr>
-        </p:nvSpPr>
-        <p:spPr>
-          <a:xfrm>
-            <a:off x="580852" y="-415935"/>
-            <a:ext cx="7704000" cy="1645800"/>
-          </a:xfrm>
-        </p:spPr>
-        <p:txBody>
-          <a:bodyPr/>
-          <a:lstStyle/>
-          <a:p>
-            <a:r>
-              <a:rPr lang="es-CL" sz="2800" b="1" i="1" dirty="0"/>
-              <a:t>Vista de escenarios</a:t>
-            </a:r>
-            <a:r>
-              <a:rPr lang="es-CL" sz="2800" dirty="0"/>
-              <a:t/>
-            </a:r>
-            <a:br>
-              <a:rPr lang="es-CL" sz="2800" dirty="0"/>
-            </a:br>
-            <a:r>
-              <a:rPr lang="es-CL" sz="2800" b="1" i="1" dirty="0"/>
-              <a:t>(Casos de uso)</a:t>
-            </a:r>
-            <a:endParaRPr lang="es-CL" sz="2800" dirty="0"/>
-          </a:p>
-        </p:txBody>
-      </p:sp>
-      <p:pic>
-        <p:nvPicPr>
-          <p:cNvPr id="2" name="Imagen 1"/>
-          <p:cNvPicPr>
-            <a:picLocks noChangeAspect="1"/>
-          </p:cNvPicPr>
-          <p:nvPr/>
-        </p:nvPicPr>
-        <p:blipFill>
-          <a:blip r:embed="rId2">
-            <a:extLst>
-              <a:ext uri="{28A0092B-C50C-407E-A947-70E740481C1C}">
-                <a14:useLocalDpi xmlns:a14="http://schemas.microsoft.com/office/drawing/2010/main" val="0"/>
-              </a:ext>
-            </a:extLst>
-          </a:blip>
-          <a:stretch>
-            <a:fillRect/>
-          </a:stretch>
-        </p:blipFill>
-        <p:spPr>
-          <a:xfrm>
-            <a:off x="1475339" y="1294158"/>
-            <a:ext cx="5915025" cy="1733550"/>
-          </a:xfrm>
-          <a:prstGeom prst="rect">
-            <a:avLst/>
-          </a:prstGeom>
-        </p:spPr>
-      </p:pic>
-    </p:spTree>
-    <p:extLst>
-      <p:ext uri="{BB962C8B-B14F-4D97-AF65-F5344CB8AC3E}">
-        <p14:creationId xmlns:p14="http://schemas.microsoft.com/office/powerpoint/2010/main" val="3361689686"/>
-      </p:ext>
-    </p:extLst>
-  </p:cSld>
-  <p:clrMapOvr>
-    <a:masterClrMapping/>
-  </p:clrMapOvr>
-</p:sld>
-</file>
-
-<file path=ppt/slides/slide21.xml><?xml version="1.0" encoding="utf-8"?>
 <p:sld xmlns:a="http://schemas.openxmlformats.org/drawingml/2006/main" xmlns:r="http://schemas.openxmlformats.org/officeDocument/2006/relationships" xmlns:p="http://schemas.openxmlformats.org/presentationml/2006/main">
   <p:cSld>
     <p:spTree>
@@ -7194,10 +11842,175 @@
           </a:p>
         </p:txBody>
       </p:sp>
+      <p:pic>
+        <p:nvPicPr>
+          <p:cNvPr id="4" name="0 Imagen">
+            <a:extLst>
+              <a:ext uri="{FF2B5EF4-FFF2-40B4-BE49-F238E27FC236}">
+                <a16:creationId xmlns:a16="http://schemas.microsoft.com/office/drawing/2014/main" id="{B95BD0A4-F80A-AF7C-AEDB-90AB04D09C1E}"/>
+              </a:ext>
+            </a:extLst>
+          </p:cNvPr>
+          <p:cNvPicPr>
+            <a:picLocks noChangeAspect="1"/>
+          </p:cNvPicPr>
+          <p:nvPr/>
+        </p:nvPicPr>
+        <p:blipFill>
+          <a:blip r:embed="rId2" cstate="print">
+            <a:extLst>
+              <a:ext uri="{28A0092B-C50C-407E-A947-70E740481C1C}">
+                <a14:useLocalDpi xmlns:a14="http://schemas.microsoft.com/office/drawing/2010/main" val="0"/>
+              </a:ext>
+            </a:extLst>
+          </a:blip>
+          <a:stretch>
+            <a:fillRect/>
+          </a:stretch>
+        </p:blipFill>
+        <p:spPr>
+          <a:xfrm>
+            <a:off x="7096928" y="107834"/>
+            <a:ext cx="2047072" cy="273320"/>
+          </a:xfrm>
+          <a:prstGeom prst="rect">
+            <a:avLst/>
+          </a:prstGeom>
+        </p:spPr>
+      </p:pic>
     </p:spTree>
     <p:extLst>
       <p:ext uri="{BB962C8B-B14F-4D97-AF65-F5344CB8AC3E}">
         <p14:creationId xmlns:p14="http://schemas.microsoft.com/office/powerpoint/2010/main" val="3293617628"/>
+      </p:ext>
+    </p:extLst>
+  </p:cSld>
+  <p:clrMapOvr>
+    <a:masterClrMapping/>
+  </p:clrMapOvr>
+</p:sld>
+</file>
+
+<file path=ppt/slides/slide21.xml><?xml version="1.0" encoding="utf-8"?>
+<p:sld xmlns:a="http://schemas.openxmlformats.org/drawingml/2006/main" xmlns:r="http://schemas.openxmlformats.org/officeDocument/2006/relationships" xmlns:p="http://schemas.openxmlformats.org/presentationml/2006/main">
+  <p:cSld>
+    <p:spTree>
+      <p:nvGrpSpPr>
+        <p:cNvPr id="1" name=""/>
+        <p:cNvGrpSpPr/>
+        <p:nvPr/>
+      </p:nvGrpSpPr>
+      <p:grpSpPr>
+        <a:xfrm>
+          <a:off x="0" y="0"/>
+          <a:ext cx="0" cy="0"/>
+          <a:chOff x="0" y="0"/>
+          <a:chExt cx="0" cy="0"/>
+        </a:xfrm>
+      </p:grpSpPr>
+      <p:sp>
+        <p:nvSpPr>
+          <p:cNvPr id="5" name="Título 4">
+            <a:extLst>
+              <a:ext uri="{FF2B5EF4-FFF2-40B4-BE49-F238E27FC236}">
+                <a16:creationId xmlns:a16="http://schemas.microsoft.com/office/drawing/2014/main" id="{B04B5753-062A-4C3B-F9E3-6BCC1BF716D7}"/>
+              </a:ext>
+            </a:extLst>
+          </p:cNvPr>
+          <p:cNvSpPr>
+            <a:spLocks noGrp="1"/>
+          </p:cNvSpPr>
+          <p:nvPr>
+            <p:ph type="title" idx="2"/>
+          </p:nvPr>
+        </p:nvSpPr>
+        <p:spPr>
+          <a:xfrm>
+            <a:off x="-123290" y="113009"/>
+            <a:ext cx="8730197" cy="841800"/>
+          </a:xfrm>
+        </p:spPr>
+        <p:txBody>
+          <a:bodyPr/>
+          <a:lstStyle/>
+          <a:p>
+            <a:r>
+              <a:rPr lang="es-CL" sz="4800" dirty="0"/>
+              <a:t>Mock up hud in-game</a:t>
+            </a:r>
+          </a:p>
+        </p:txBody>
+      </p:sp>
+      <p:pic>
+        <p:nvPicPr>
+          <p:cNvPr id="2" name="Imagen 1"/>
+          <p:cNvPicPr>
+            <a:picLocks noChangeAspect="1"/>
+          </p:cNvPicPr>
+          <p:nvPr/>
+        </p:nvPicPr>
+        <p:blipFill>
+          <a:blip r:embed="rId2">
+            <a:extLst>
+              <a:ext uri="{28A0092B-C50C-407E-A947-70E740481C1C}">
+                <a14:useLocalDpi xmlns:a14="http://schemas.microsoft.com/office/drawing/2010/main" val="0"/>
+              </a:ext>
+            </a:extLst>
+          </a:blip>
+          <a:stretch>
+            <a:fillRect/>
+          </a:stretch>
+        </p:blipFill>
+        <p:spPr>
+          <a:xfrm>
+            <a:off x="680928" y="868763"/>
+            <a:ext cx="7925979" cy="4274737"/>
+          </a:xfrm>
+          <a:prstGeom prst="rect">
+            <a:avLst/>
+          </a:prstGeom>
+        </p:spPr>
+      </p:pic>
+      <p:pic>
+        <p:nvPicPr>
+          <p:cNvPr id="4" name="0 Imagen">
+            <a:extLst>
+              <a:ext uri="{FF2B5EF4-FFF2-40B4-BE49-F238E27FC236}">
+                <a16:creationId xmlns:a16="http://schemas.microsoft.com/office/drawing/2014/main" id="{2FF84A90-209A-9DB9-6EE8-08F153174502}"/>
+              </a:ext>
+            </a:extLst>
+          </p:cNvPr>
+          <p:cNvPicPr>
+            <a:picLocks noChangeAspect="1"/>
+          </p:cNvPicPr>
+          <p:nvPr/>
+        </p:nvPicPr>
+        <p:blipFill>
+          <a:blip r:embed="rId3" cstate="print">
+            <a:extLst>
+              <a:ext uri="{28A0092B-C50C-407E-A947-70E740481C1C}">
+                <a14:useLocalDpi xmlns:a14="http://schemas.microsoft.com/office/drawing/2010/main" val="0"/>
+              </a:ext>
+            </a:extLst>
+          </a:blip>
+          <a:stretch>
+            <a:fillRect/>
+          </a:stretch>
+        </p:blipFill>
+        <p:spPr>
+          <a:xfrm>
+            <a:off x="7096928" y="107834"/>
+            <a:ext cx="2047072" cy="273320"/>
+          </a:xfrm>
+          <a:prstGeom prst="rect">
+            <a:avLst/>
+          </a:prstGeom>
+        </p:spPr>
+      </p:pic>
+    </p:spTree>
+    <p:extLst>
+      <p:ext uri="{BB962C8B-B14F-4D97-AF65-F5344CB8AC3E}">
+        <p14:creationId xmlns:p14="http://schemas.microsoft.com/office/powerpoint/2010/main" val="3320809861"/>
       </p:ext>
     </p:extLst>
   </p:cSld>
@@ -7242,7 +12055,7 @@
         </p:nvSpPr>
         <p:spPr>
           <a:xfrm>
-            <a:off x="-123290" y="113009"/>
+            <a:off x="-82194" y="308218"/>
             <a:ext cx="8730197" cy="841800"/>
           </a:xfrm>
         </p:spPr>
@@ -7251,32 +12064,22 @@
           <a:lstStyle/>
           <a:p>
             <a:r>
-              <a:rPr lang="es-CL" sz="4800" dirty="0" err="1" smtClean="0"/>
-              <a:t>Mock</a:t>
+              <a:rPr lang="es-CL" sz="4800" dirty="0"/>
+              <a:t>Mock up </a:t>
             </a:r>
+            <a:br>
+              <a:rPr lang="es-CL" sz="4800" dirty="0"/>
+            </a:br>
             <a:r>
-              <a:rPr lang="es-CL" sz="4800" dirty="0" smtClean="0"/>
-              <a:t> up </a:t>
+              <a:rPr lang="es-CL" sz="4800" dirty="0"/>
+              <a:t>Menú principal</a:t>
             </a:r>
-            <a:r>
-              <a:rPr lang="es-CL" sz="4800" dirty="0" err="1" smtClean="0"/>
-              <a:t>hud</a:t>
-            </a:r>
-            <a:r>
-              <a:rPr lang="es-CL" sz="4800" dirty="0" smtClean="0"/>
-              <a:t> in-</a:t>
-            </a:r>
-            <a:r>
-              <a:rPr lang="es-CL" sz="4800" dirty="0" err="1" smtClean="0"/>
-              <a:t>game</a:t>
-            </a:r>
-            <a:endParaRPr lang="es-CL" sz="4800" dirty="0"/>
           </a:p>
         </p:txBody>
       </p:sp>
       <p:pic>
         <p:nvPicPr>
-          <p:cNvPr id="2" name="Imagen 1"/>
+          <p:cNvPr id="3" name="Imagen 2"/>
           <p:cNvPicPr>
             <a:picLocks noChangeAspect="1"/>
           </p:cNvPicPr>
@@ -7296,8 +12099,44 @@
         </p:blipFill>
         <p:spPr>
           <a:xfrm>
-            <a:off x="680928" y="868763"/>
-            <a:ext cx="7925979" cy="4274737"/>
+            <a:off x="1436678" y="1430019"/>
+            <a:ext cx="5947913" cy="3605647"/>
+          </a:xfrm>
+          <a:prstGeom prst="rect">
+            <a:avLst/>
+          </a:prstGeom>
+        </p:spPr>
+      </p:pic>
+      <p:pic>
+        <p:nvPicPr>
+          <p:cNvPr id="4" name="0 Imagen">
+            <a:extLst>
+              <a:ext uri="{FF2B5EF4-FFF2-40B4-BE49-F238E27FC236}">
+                <a16:creationId xmlns:a16="http://schemas.microsoft.com/office/drawing/2014/main" id="{C6568C78-235C-5F01-8544-48CF6BF9C591}"/>
+              </a:ext>
+            </a:extLst>
+          </p:cNvPr>
+          <p:cNvPicPr>
+            <a:picLocks noChangeAspect="1"/>
+          </p:cNvPicPr>
+          <p:nvPr/>
+        </p:nvPicPr>
+        <p:blipFill>
+          <a:blip r:embed="rId3" cstate="print">
+            <a:extLst>
+              <a:ext uri="{28A0092B-C50C-407E-A947-70E740481C1C}">
+                <a14:useLocalDpi xmlns:a14="http://schemas.microsoft.com/office/drawing/2010/main" val="0"/>
+              </a:ext>
+            </a:extLst>
+          </a:blip>
+          <a:stretch>
+            <a:fillRect/>
+          </a:stretch>
+        </p:blipFill>
+        <p:spPr>
+          <a:xfrm>
+            <a:off x="7096928" y="107834"/>
+            <a:ext cx="2047072" cy="273320"/>
           </a:xfrm>
           <a:prstGeom prst="rect">
             <a:avLst/>
@@ -7307,7 +12146,7 @@
     </p:spTree>
     <p:extLst>
       <p:ext uri="{BB962C8B-B14F-4D97-AF65-F5344CB8AC3E}">
-        <p14:creationId xmlns:p14="http://schemas.microsoft.com/office/powerpoint/2010/main" val="3320809861"/>
+        <p14:creationId xmlns:p14="http://schemas.microsoft.com/office/powerpoint/2010/main" val="2926811076"/>
       </p:ext>
     </p:extLst>
   </p:cSld>
@@ -7361,126 +12200,16 @@
           <a:lstStyle/>
           <a:p>
             <a:r>
-              <a:rPr lang="es-CL" sz="4800" dirty="0" err="1" smtClean="0"/>
-              <a:t>Mock</a:t>
-            </a:r>
-            <a:r>
-              <a:rPr lang="es-CL" sz="4800" dirty="0" smtClean="0"/>
-              <a:t> up </a:t>
+              <a:rPr lang="es-CL" sz="4800" dirty="0"/>
+              <a:t>Mock up </a:t>
             </a:r>
             <a:br>
-              <a:rPr lang="es-CL" sz="4800" dirty="0" smtClean="0"/>
+              <a:rPr lang="es-CL" sz="4800" dirty="0"/>
             </a:br>
             <a:r>
-              <a:rPr lang="es-CL" sz="4800" dirty="0" smtClean="0"/>
-              <a:t>Menú principal</a:t>
-            </a:r>
-            <a:endParaRPr lang="es-CL" sz="4800" dirty="0"/>
-          </a:p>
-        </p:txBody>
-      </p:sp>
-      <p:pic>
-        <p:nvPicPr>
-          <p:cNvPr id="3" name="Imagen 2"/>
-          <p:cNvPicPr>
-            <a:picLocks noChangeAspect="1"/>
-          </p:cNvPicPr>
-          <p:nvPr/>
-        </p:nvPicPr>
-        <p:blipFill>
-          <a:blip r:embed="rId2">
-            <a:extLst>
-              <a:ext uri="{28A0092B-C50C-407E-A947-70E740481C1C}">
-                <a14:useLocalDpi xmlns:a14="http://schemas.microsoft.com/office/drawing/2010/main" val="0"/>
-              </a:ext>
-            </a:extLst>
-          </a:blip>
-          <a:stretch>
-            <a:fillRect/>
-          </a:stretch>
-        </p:blipFill>
-        <p:spPr>
-          <a:xfrm>
-            <a:off x="1308947" y="1449238"/>
-            <a:ext cx="5947913" cy="3605647"/>
-          </a:xfrm>
-          <a:prstGeom prst="rect">
-            <a:avLst/>
-          </a:prstGeom>
-        </p:spPr>
-      </p:pic>
-    </p:spTree>
-    <p:extLst>
-      <p:ext uri="{BB962C8B-B14F-4D97-AF65-F5344CB8AC3E}">
-        <p14:creationId xmlns:p14="http://schemas.microsoft.com/office/powerpoint/2010/main" val="2926811076"/>
-      </p:ext>
-    </p:extLst>
-  </p:cSld>
-  <p:clrMapOvr>
-    <a:masterClrMapping/>
-  </p:clrMapOvr>
-</p:sld>
-</file>
-
-<file path=ppt/slides/slide24.xml><?xml version="1.0" encoding="utf-8"?>
-<p:sld xmlns:a="http://schemas.openxmlformats.org/drawingml/2006/main" xmlns:r="http://schemas.openxmlformats.org/officeDocument/2006/relationships" xmlns:p="http://schemas.openxmlformats.org/presentationml/2006/main">
-  <p:cSld>
-    <p:spTree>
-      <p:nvGrpSpPr>
-        <p:cNvPr id="1" name=""/>
-        <p:cNvGrpSpPr/>
-        <p:nvPr/>
-      </p:nvGrpSpPr>
-      <p:grpSpPr>
-        <a:xfrm>
-          <a:off x="0" y="0"/>
-          <a:ext cx="0" cy="0"/>
-          <a:chOff x="0" y="0"/>
-          <a:chExt cx="0" cy="0"/>
-        </a:xfrm>
-      </p:grpSpPr>
-      <p:sp>
-        <p:nvSpPr>
-          <p:cNvPr id="5" name="Título 4">
-            <a:extLst>
-              <a:ext uri="{FF2B5EF4-FFF2-40B4-BE49-F238E27FC236}">
-                <a16:creationId xmlns:a16="http://schemas.microsoft.com/office/drawing/2014/main" id="{B04B5753-062A-4C3B-F9E3-6BCC1BF716D7}"/>
-              </a:ext>
-            </a:extLst>
-          </p:cNvPr>
-          <p:cNvSpPr>
-            <a:spLocks noGrp="1"/>
-          </p:cNvSpPr>
-          <p:nvPr>
-            <p:ph type="title" idx="2"/>
-          </p:nvPr>
-        </p:nvSpPr>
-        <p:spPr>
-          <a:xfrm>
-            <a:off x="-82194" y="308218"/>
-            <a:ext cx="8730197" cy="841800"/>
-          </a:xfrm>
-        </p:spPr>
-        <p:txBody>
-          <a:bodyPr/>
-          <a:lstStyle/>
-          <a:p>
-            <a:r>
-              <a:rPr lang="es-CL" sz="4800" dirty="0" err="1" smtClean="0"/>
-              <a:t>Mock</a:t>
-            </a:r>
-            <a:r>
-              <a:rPr lang="es-CL" sz="4800" dirty="0" smtClean="0"/>
-              <a:t> up </a:t>
-            </a:r>
-            <a:br>
-              <a:rPr lang="es-CL" sz="4800" dirty="0" smtClean="0"/>
-            </a:br>
-            <a:r>
-              <a:rPr lang="es-CL" sz="4800" dirty="0" smtClean="0"/>
+              <a:rPr lang="es-CL" sz="4800" dirty="0"/>
               <a:t>Menú pausa</a:t>
             </a:r>
-            <a:endParaRPr lang="es-CL" sz="4800" dirty="0"/>
           </a:p>
         </p:txBody>
       </p:sp>
@@ -7514,6 +12243,42 @@
           </a:prstGeom>
         </p:spPr>
       </p:pic>
+      <p:pic>
+        <p:nvPicPr>
+          <p:cNvPr id="4" name="0 Imagen">
+            <a:extLst>
+              <a:ext uri="{FF2B5EF4-FFF2-40B4-BE49-F238E27FC236}">
+                <a16:creationId xmlns:a16="http://schemas.microsoft.com/office/drawing/2014/main" id="{ACAA9C37-0D15-C463-4BC1-1DF65D9CC32D}"/>
+              </a:ext>
+            </a:extLst>
+          </p:cNvPr>
+          <p:cNvPicPr>
+            <a:picLocks noChangeAspect="1"/>
+          </p:cNvPicPr>
+          <p:nvPr/>
+        </p:nvPicPr>
+        <p:blipFill>
+          <a:blip r:embed="rId3" cstate="print">
+            <a:extLst>
+              <a:ext uri="{28A0092B-C50C-407E-A947-70E740481C1C}">
+                <a14:useLocalDpi xmlns:a14="http://schemas.microsoft.com/office/drawing/2010/main" val="0"/>
+              </a:ext>
+            </a:extLst>
+          </a:blip>
+          <a:stretch>
+            <a:fillRect/>
+          </a:stretch>
+        </p:blipFill>
+        <p:spPr>
+          <a:xfrm>
+            <a:off x="7096928" y="107834"/>
+            <a:ext cx="2047072" cy="273320"/>
+          </a:xfrm>
+          <a:prstGeom prst="rect">
+            <a:avLst/>
+          </a:prstGeom>
+        </p:spPr>
+      </p:pic>
     </p:spTree>
     <p:extLst>
       <p:ext uri="{BB962C8B-B14F-4D97-AF65-F5344CB8AC3E}">
@@ -7527,7 +12292,7 @@
 </p:sld>
 </file>
 
-<file path=ppt/slides/slide25.xml><?xml version="1.0" encoding="utf-8"?>
+<file path=ppt/slides/slide24.xml><?xml version="1.0" encoding="utf-8"?>
 <p:sld xmlns:a="http://schemas.openxmlformats.org/drawingml/2006/main" xmlns:r="http://schemas.openxmlformats.org/officeDocument/2006/relationships" xmlns:p="http://schemas.openxmlformats.org/presentationml/2006/main">
   <p:cSld>
     <p:spTree>
@@ -7634,6 +12399,42 @@
           </a:p>
         </p:txBody>
       </p:sp>
+      <p:pic>
+        <p:nvPicPr>
+          <p:cNvPr id="3" name="0 Imagen">
+            <a:extLst>
+              <a:ext uri="{FF2B5EF4-FFF2-40B4-BE49-F238E27FC236}">
+                <a16:creationId xmlns:a16="http://schemas.microsoft.com/office/drawing/2014/main" id="{CE96C65E-890C-1BD0-9FF4-C64D912DBD53}"/>
+              </a:ext>
+            </a:extLst>
+          </p:cNvPr>
+          <p:cNvPicPr>
+            <a:picLocks noChangeAspect="1"/>
+          </p:cNvPicPr>
+          <p:nvPr/>
+        </p:nvPicPr>
+        <p:blipFill>
+          <a:blip r:embed="rId2" cstate="print">
+            <a:extLst>
+              <a:ext uri="{28A0092B-C50C-407E-A947-70E740481C1C}">
+                <a14:useLocalDpi xmlns:a14="http://schemas.microsoft.com/office/drawing/2010/main" val="0"/>
+              </a:ext>
+            </a:extLst>
+          </a:blip>
+          <a:stretch>
+            <a:fillRect/>
+          </a:stretch>
+        </p:blipFill>
+        <p:spPr>
+          <a:xfrm>
+            <a:off x="7096928" y="107834"/>
+            <a:ext cx="2047072" cy="273320"/>
+          </a:xfrm>
+          <a:prstGeom prst="rect">
+            <a:avLst/>
+          </a:prstGeom>
+        </p:spPr>
+      </p:pic>
     </p:spTree>
     <p:extLst>
       <p:ext uri="{BB962C8B-B14F-4D97-AF65-F5344CB8AC3E}">
@@ -7647,7 +12448,7 @@
 </p:sld>
 </file>
 
-<file path=ppt/slides/slide26.xml><?xml version="1.0" encoding="utf-8"?>
+<file path=ppt/slides/slide25.xml><?xml version="1.0" encoding="utf-8"?>
 <p:sld xmlns:a="http://schemas.openxmlformats.org/drawingml/2006/main" xmlns:r="http://schemas.openxmlformats.org/officeDocument/2006/relationships" xmlns:p="http://schemas.openxmlformats.org/presentationml/2006/main">
   <p:cSld>
     <p:spTree>
@@ -7935,6 +12736,42 @@
           </a:p>
         </p:txBody>
       </p:sp>
+      <p:pic>
+        <p:nvPicPr>
+          <p:cNvPr id="3" name="0 Imagen">
+            <a:extLst>
+              <a:ext uri="{FF2B5EF4-FFF2-40B4-BE49-F238E27FC236}">
+                <a16:creationId xmlns:a16="http://schemas.microsoft.com/office/drawing/2014/main" id="{A2222B86-F784-40FE-2F22-FEE922FE132D}"/>
+              </a:ext>
+            </a:extLst>
+          </p:cNvPr>
+          <p:cNvPicPr>
+            <a:picLocks noChangeAspect="1"/>
+          </p:cNvPicPr>
+          <p:nvPr/>
+        </p:nvPicPr>
+        <p:blipFill>
+          <a:blip r:embed="rId2" cstate="print">
+            <a:extLst>
+              <a:ext uri="{28A0092B-C50C-407E-A947-70E740481C1C}">
+                <a14:useLocalDpi xmlns:a14="http://schemas.microsoft.com/office/drawing/2010/main" val="0"/>
+              </a:ext>
+            </a:extLst>
+          </a:blip>
+          <a:stretch>
+            <a:fillRect/>
+          </a:stretch>
+        </p:blipFill>
+        <p:spPr>
+          <a:xfrm>
+            <a:off x="7096928" y="107834"/>
+            <a:ext cx="2047072" cy="273320"/>
+          </a:xfrm>
+          <a:prstGeom prst="rect">
+            <a:avLst/>
+          </a:prstGeom>
+        </p:spPr>
+      </p:pic>
     </p:spTree>
     <p:extLst>
       <p:ext uri="{BB962C8B-B14F-4D97-AF65-F5344CB8AC3E}">
@@ -7977,7 +12814,7 @@
         </p:nvSpPr>
         <p:spPr>
           <a:xfrm>
-            <a:off x="2079625" y="2464593"/>
+            <a:off x="2025835" y="439564"/>
             <a:ext cx="4984750" cy="214313"/>
           </a:xfrm>
           <a:prstGeom prst="rect">
@@ -8000,17 +12837,437 @@
               <a:buNone/>
             </a:pPr>
             <a:r>
-              <a:rPr lang="es-CL" sz="3000" dirty="0">
+              <a:rPr lang="es-CL" sz="3200" dirty="0">
                 <a:solidFill>
                   <a:schemeClr val="tx1"/>
                 </a:solidFill>
               </a:rPr>
               <a:t>Definición del proyecto</a:t>
             </a:r>
-            <a:endParaRPr dirty="0">
+            <a:endParaRPr sz="3600" dirty="0">
               <a:solidFill>
                 <a:schemeClr val="tx1"/>
               </a:solidFill>
+            </a:endParaRPr>
+          </a:p>
+        </p:txBody>
+      </p:sp>
+      <p:pic>
+        <p:nvPicPr>
+          <p:cNvPr id="4" name="0 Imagen">
+            <a:extLst>
+              <a:ext uri="{FF2B5EF4-FFF2-40B4-BE49-F238E27FC236}">
+                <a16:creationId xmlns:a16="http://schemas.microsoft.com/office/drawing/2014/main" id="{7EECF6B7-3475-0CEE-7CA0-D0A9975B86F1}"/>
+              </a:ext>
+            </a:extLst>
+          </p:cNvPr>
+          <p:cNvPicPr>
+            <a:picLocks noChangeAspect="1"/>
+          </p:cNvPicPr>
+          <p:nvPr/>
+        </p:nvPicPr>
+        <p:blipFill>
+          <a:blip r:embed="rId3" cstate="print">
+            <a:extLst>
+              <a:ext uri="{28A0092B-C50C-407E-A947-70E740481C1C}">
+                <a14:useLocalDpi xmlns:a14="http://schemas.microsoft.com/office/drawing/2010/main" val="0"/>
+              </a:ext>
+            </a:extLst>
+          </a:blip>
+          <a:stretch>
+            <a:fillRect/>
+          </a:stretch>
+        </p:blipFill>
+        <p:spPr>
+          <a:xfrm>
+            <a:off x="7096928" y="107834"/>
+            <a:ext cx="2047072" cy="273320"/>
+          </a:xfrm>
+          <a:prstGeom prst="rect">
+            <a:avLst/>
+          </a:prstGeom>
+        </p:spPr>
+      </p:pic>
+      <p:sp>
+        <p:nvSpPr>
+          <p:cNvPr id="5" name="Google Shape;222;p41">
+            <a:extLst>
+              <a:ext uri="{FF2B5EF4-FFF2-40B4-BE49-F238E27FC236}">
+                <a16:creationId xmlns:a16="http://schemas.microsoft.com/office/drawing/2014/main" id="{2C958800-2653-DB5C-1782-C9620582A88B}"/>
+              </a:ext>
+            </a:extLst>
+          </p:cNvPr>
+          <p:cNvSpPr txBox="1">
+            <a:spLocks/>
+          </p:cNvSpPr>
+          <p:nvPr/>
+        </p:nvSpPr>
+        <p:spPr>
+          <a:xfrm>
+            <a:off x="1325653" y="1140913"/>
+            <a:ext cx="6385115" cy="3335711"/>
+          </a:xfrm>
+          <a:prstGeom prst="rect">
+            <a:avLst/>
+          </a:prstGeom>
+          <a:noFill/>
+          <a:ln>
+            <a:noFill/>
+          </a:ln>
+        </p:spPr>
+        <p:txBody>
+          <a:bodyPr spcFirstLastPara="1" wrap="square" lIns="0" tIns="0" rIns="0" bIns="0" anchor="ctr" anchorCtr="0">
+            <a:noAutofit/>
+          </a:bodyPr>
+          <a:lstStyle>
+            <a:defPPr marR="0" lvl="0" algn="l" rtl="0">
+              <a:lnSpc>
+                <a:spcPct val="100000"/>
+              </a:lnSpc>
+              <a:spcBef>
+                <a:spcPts val="0"/>
+              </a:spcBef>
+              <a:spcAft>
+                <a:spcPts val="0"/>
+              </a:spcAft>
+            </a:defPPr>
+            <a:lvl1pPr marR="0" lvl="0" algn="l" rtl="0">
+              <a:lnSpc>
+                <a:spcPct val="100000"/>
+              </a:lnSpc>
+              <a:spcBef>
+                <a:spcPts val="0"/>
+              </a:spcBef>
+              <a:spcAft>
+                <a:spcPts val="0"/>
+              </a:spcAft>
+              <a:buClr>
+                <a:schemeClr val="dk1"/>
+              </a:buClr>
+              <a:buSzPts val="3500"/>
+              <a:buFont typeface="Russo One"/>
+              <a:buNone/>
+              <a:defRPr sz="3500" b="0" i="0" u="none" strike="noStrike" cap="none">
+                <a:solidFill>
+                  <a:schemeClr val="dk1"/>
+                </a:solidFill>
+                <a:latin typeface="Russo One"/>
+                <a:ea typeface="Russo One"/>
+                <a:cs typeface="Russo One"/>
+                <a:sym typeface="Russo One"/>
+              </a:defRPr>
+            </a:lvl1pPr>
+            <a:lvl2pPr marR="0" lvl="1" algn="l" rtl="0">
+              <a:lnSpc>
+                <a:spcPct val="100000"/>
+              </a:lnSpc>
+              <a:spcBef>
+                <a:spcPts val="0"/>
+              </a:spcBef>
+              <a:spcAft>
+                <a:spcPts val="0"/>
+              </a:spcAft>
+              <a:buClr>
+                <a:schemeClr val="dk1"/>
+              </a:buClr>
+              <a:buSzPts val="3500"/>
+              <a:buFont typeface="Russo One"/>
+              <a:buNone/>
+              <a:defRPr sz="3500" b="0" i="0" u="none" strike="noStrike" cap="none">
+                <a:solidFill>
+                  <a:schemeClr val="dk1"/>
+                </a:solidFill>
+                <a:latin typeface="Russo One"/>
+                <a:ea typeface="Russo One"/>
+                <a:cs typeface="Russo One"/>
+                <a:sym typeface="Russo One"/>
+              </a:defRPr>
+            </a:lvl2pPr>
+            <a:lvl3pPr marR="0" lvl="2" algn="l" rtl="0">
+              <a:lnSpc>
+                <a:spcPct val="100000"/>
+              </a:lnSpc>
+              <a:spcBef>
+                <a:spcPts val="0"/>
+              </a:spcBef>
+              <a:spcAft>
+                <a:spcPts val="0"/>
+              </a:spcAft>
+              <a:buClr>
+                <a:schemeClr val="dk1"/>
+              </a:buClr>
+              <a:buSzPts val="3500"/>
+              <a:buFont typeface="Russo One"/>
+              <a:buNone/>
+              <a:defRPr sz="3500" b="0" i="0" u="none" strike="noStrike" cap="none">
+                <a:solidFill>
+                  <a:schemeClr val="dk1"/>
+                </a:solidFill>
+                <a:latin typeface="Russo One"/>
+                <a:ea typeface="Russo One"/>
+                <a:cs typeface="Russo One"/>
+                <a:sym typeface="Russo One"/>
+              </a:defRPr>
+            </a:lvl3pPr>
+            <a:lvl4pPr marR="0" lvl="3" algn="l" rtl="0">
+              <a:lnSpc>
+                <a:spcPct val="100000"/>
+              </a:lnSpc>
+              <a:spcBef>
+                <a:spcPts val="0"/>
+              </a:spcBef>
+              <a:spcAft>
+                <a:spcPts val="0"/>
+              </a:spcAft>
+              <a:buClr>
+                <a:schemeClr val="dk1"/>
+              </a:buClr>
+              <a:buSzPts val="3500"/>
+              <a:buFont typeface="Russo One"/>
+              <a:buNone/>
+              <a:defRPr sz="3500" b="0" i="0" u="none" strike="noStrike" cap="none">
+                <a:solidFill>
+                  <a:schemeClr val="dk1"/>
+                </a:solidFill>
+                <a:latin typeface="Russo One"/>
+                <a:ea typeface="Russo One"/>
+                <a:cs typeface="Russo One"/>
+                <a:sym typeface="Russo One"/>
+              </a:defRPr>
+            </a:lvl4pPr>
+            <a:lvl5pPr marR="0" lvl="4" algn="l" rtl="0">
+              <a:lnSpc>
+                <a:spcPct val="100000"/>
+              </a:lnSpc>
+              <a:spcBef>
+                <a:spcPts val="0"/>
+              </a:spcBef>
+              <a:spcAft>
+                <a:spcPts val="0"/>
+              </a:spcAft>
+              <a:buClr>
+                <a:schemeClr val="dk1"/>
+              </a:buClr>
+              <a:buSzPts val="3500"/>
+              <a:buFont typeface="Russo One"/>
+              <a:buNone/>
+              <a:defRPr sz="3500" b="0" i="0" u="none" strike="noStrike" cap="none">
+                <a:solidFill>
+                  <a:schemeClr val="dk1"/>
+                </a:solidFill>
+                <a:latin typeface="Russo One"/>
+                <a:ea typeface="Russo One"/>
+                <a:cs typeface="Russo One"/>
+                <a:sym typeface="Russo One"/>
+              </a:defRPr>
+            </a:lvl5pPr>
+            <a:lvl6pPr marR="0" lvl="5" algn="l" rtl="0">
+              <a:lnSpc>
+                <a:spcPct val="100000"/>
+              </a:lnSpc>
+              <a:spcBef>
+                <a:spcPts val="0"/>
+              </a:spcBef>
+              <a:spcAft>
+                <a:spcPts val="0"/>
+              </a:spcAft>
+              <a:buClr>
+                <a:schemeClr val="dk1"/>
+              </a:buClr>
+              <a:buSzPts val="3500"/>
+              <a:buFont typeface="Russo One"/>
+              <a:buNone/>
+              <a:defRPr sz="3500" b="0" i="0" u="none" strike="noStrike" cap="none">
+                <a:solidFill>
+                  <a:schemeClr val="dk1"/>
+                </a:solidFill>
+                <a:latin typeface="Russo One"/>
+                <a:ea typeface="Russo One"/>
+                <a:cs typeface="Russo One"/>
+                <a:sym typeface="Russo One"/>
+              </a:defRPr>
+            </a:lvl6pPr>
+            <a:lvl7pPr marR="0" lvl="6" algn="l" rtl="0">
+              <a:lnSpc>
+                <a:spcPct val="100000"/>
+              </a:lnSpc>
+              <a:spcBef>
+                <a:spcPts val="0"/>
+              </a:spcBef>
+              <a:spcAft>
+                <a:spcPts val="0"/>
+              </a:spcAft>
+              <a:buClr>
+                <a:schemeClr val="dk1"/>
+              </a:buClr>
+              <a:buSzPts val="3500"/>
+              <a:buFont typeface="Russo One"/>
+              <a:buNone/>
+              <a:defRPr sz="3500" b="0" i="0" u="none" strike="noStrike" cap="none">
+                <a:solidFill>
+                  <a:schemeClr val="dk1"/>
+                </a:solidFill>
+                <a:latin typeface="Russo One"/>
+                <a:ea typeface="Russo One"/>
+                <a:cs typeface="Russo One"/>
+                <a:sym typeface="Russo One"/>
+              </a:defRPr>
+            </a:lvl7pPr>
+            <a:lvl8pPr marR="0" lvl="7" algn="l" rtl="0">
+              <a:lnSpc>
+                <a:spcPct val="100000"/>
+              </a:lnSpc>
+              <a:spcBef>
+                <a:spcPts val="0"/>
+              </a:spcBef>
+              <a:spcAft>
+                <a:spcPts val="0"/>
+              </a:spcAft>
+              <a:buClr>
+                <a:schemeClr val="dk1"/>
+              </a:buClr>
+              <a:buSzPts val="3500"/>
+              <a:buFont typeface="Russo One"/>
+              <a:buNone/>
+              <a:defRPr sz="3500" b="0" i="0" u="none" strike="noStrike" cap="none">
+                <a:solidFill>
+                  <a:schemeClr val="dk1"/>
+                </a:solidFill>
+                <a:latin typeface="Russo One"/>
+                <a:ea typeface="Russo One"/>
+                <a:cs typeface="Russo One"/>
+                <a:sym typeface="Russo One"/>
+              </a:defRPr>
+            </a:lvl8pPr>
+            <a:lvl9pPr marR="0" lvl="8" algn="l" rtl="0">
+              <a:lnSpc>
+                <a:spcPct val="100000"/>
+              </a:lnSpc>
+              <a:spcBef>
+                <a:spcPts val="0"/>
+              </a:spcBef>
+              <a:spcAft>
+                <a:spcPts val="0"/>
+              </a:spcAft>
+              <a:buClr>
+                <a:schemeClr val="dk1"/>
+              </a:buClr>
+              <a:buSzPts val="3500"/>
+              <a:buFont typeface="Russo One"/>
+              <a:buNone/>
+              <a:defRPr sz="3500" b="0" i="0" u="none" strike="noStrike" cap="none">
+                <a:solidFill>
+                  <a:schemeClr val="dk1"/>
+                </a:solidFill>
+                <a:latin typeface="Russo One"/>
+                <a:ea typeface="Russo One"/>
+                <a:cs typeface="Russo One"/>
+                <a:sym typeface="Russo One"/>
+              </a:defRPr>
+            </a:lvl9pPr>
+          </a:lstStyle>
+          <a:p>
+            <a:pPr algn="just"/>
+            <a:r>
+              <a:rPr lang="es-CL" sz="2000" b="1" dirty="0">
+                <a:solidFill>
+                  <a:schemeClr val="accent1"/>
+                </a:solidFill>
+                <a:effectLst>
+                  <a:outerShdw blurRad="38100" dist="38100" dir="2700000" algn="tl">
+                    <a:srgbClr val="000000">
+                      <a:alpha val="43137"/>
+                    </a:srgbClr>
+                  </a:outerShdw>
+                </a:effectLst>
+                <a:latin typeface="Whitney"/>
+                <a:ea typeface="Calibri" panose="020F0502020204030204" pitchFamily="34" charset="0"/>
+                <a:cs typeface="Times New Roman" panose="02020603050405020304" pitchFamily="18" charset="0"/>
+              </a:rPr>
+              <a:t>Se creará un proyecto de video juego tipo Roguelike, con propósito de entretenimiento. (</a:t>
+            </a:r>
+            <a:r>
+              <a:rPr lang="es-CL" sz="2000" b="1" dirty="0">
+                <a:solidFill>
+                  <a:schemeClr val="accent1"/>
+                </a:solidFill>
+                <a:effectLst>
+                  <a:outerShdw blurRad="38100" dist="38100" dir="2700000" algn="tl">
+                    <a:srgbClr val="000000">
+                      <a:alpha val="43137"/>
+                    </a:srgbClr>
+                  </a:outerShdw>
+                </a:effectLst>
+                <a:latin typeface="Whitney"/>
+                <a:ea typeface="Calibri" panose="020F0502020204030204" pitchFamily="34" charset="0"/>
+              </a:rPr>
+              <a:t>Subgénero de video juego que se caracteriza por generación de entorno aleatoria y muerte permanente aun que en nuestro caso será semi-aleatoria.</a:t>
+            </a:r>
+            <a:r>
+              <a:rPr lang="es-CL" sz="2000" b="1" dirty="0">
+                <a:solidFill>
+                  <a:schemeClr val="accent1"/>
+                </a:solidFill>
+                <a:effectLst>
+                  <a:outerShdw blurRad="38100" dist="38100" dir="2700000" algn="tl">
+                    <a:srgbClr val="000000">
+                      <a:alpha val="43137"/>
+                    </a:srgbClr>
+                  </a:outerShdw>
+                </a:effectLst>
+                <a:latin typeface="Whitney"/>
+                <a:ea typeface="Calibri" panose="020F0502020204030204" pitchFamily="34" charset="0"/>
+                <a:cs typeface="Times New Roman" panose="02020603050405020304" pitchFamily="18" charset="0"/>
+              </a:rPr>
+              <a:t>)</a:t>
+            </a:r>
+          </a:p>
+          <a:p>
+            <a:pPr algn="just"/>
+            <a:endParaRPr lang="es-ES" sz="2000" b="1" i="0" dirty="0">
+              <a:solidFill>
+                <a:schemeClr val="accent1"/>
+              </a:solidFill>
+              <a:effectLst>
+                <a:outerShdw blurRad="38100" dist="38100" dir="2700000" algn="tl">
+                  <a:srgbClr val="000000">
+                    <a:alpha val="43137"/>
+                  </a:srgbClr>
+                </a:outerShdw>
+              </a:effectLst>
+              <a:latin typeface="Whitney"/>
+            </a:endParaRPr>
+          </a:p>
+          <a:p>
+            <a:pPr algn="just"/>
+            <a:r>
+              <a:rPr lang="es-ES" sz="2000" b="1" i="0" dirty="0">
+                <a:solidFill>
+                  <a:schemeClr val="accent1"/>
+                </a:solidFill>
+                <a:effectLst>
+                  <a:outerShdw blurRad="38100" dist="38100" dir="2700000" algn="tl">
+                    <a:srgbClr val="000000">
+                      <a:alpha val="43137"/>
+                    </a:srgbClr>
+                  </a:outerShdw>
+                </a:effectLst>
+                <a:latin typeface="Whitney"/>
+              </a:rPr>
+              <a:t>Se busca entregar una versión alfa jugable, con fin de mostrar el concepto del juego en una versión que puedan probar los usuarios. La cual por supuesto estará sujeta a cambios</a:t>
+            </a:r>
+            <a:endParaRPr lang="es-CL" sz="4400" b="1" dirty="0">
+              <a:solidFill>
+                <a:schemeClr val="accent1"/>
+              </a:solidFill>
+              <a:effectLst>
+                <a:outerShdw blurRad="38100" dist="38100" dir="2700000" algn="tl">
+                  <a:srgbClr val="000000">
+                    <a:alpha val="43137"/>
+                  </a:srgbClr>
+                </a:outerShdw>
+              </a:effectLst>
+              <a:latin typeface="+mj-lt"/>
             </a:endParaRPr>
           </a:p>
         </p:txBody>
@@ -8114,6 +13371,42 @@
           </a:p>
         </p:txBody>
       </p:sp>
+      <p:pic>
+        <p:nvPicPr>
+          <p:cNvPr id="4" name="0 Imagen">
+            <a:extLst>
+              <a:ext uri="{FF2B5EF4-FFF2-40B4-BE49-F238E27FC236}">
+                <a16:creationId xmlns:a16="http://schemas.microsoft.com/office/drawing/2014/main" id="{5DD2134E-4027-DA8E-ED08-1872527F9F5B}"/>
+              </a:ext>
+            </a:extLst>
+          </p:cNvPr>
+          <p:cNvPicPr>
+            <a:picLocks noChangeAspect="1"/>
+          </p:cNvPicPr>
+          <p:nvPr/>
+        </p:nvPicPr>
+        <p:blipFill>
+          <a:blip r:embed="rId3" cstate="print">
+            <a:extLst>
+              <a:ext uri="{28A0092B-C50C-407E-A947-70E740481C1C}">
+                <a14:useLocalDpi xmlns:a14="http://schemas.microsoft.com/office/drawing/2010/main" val="0"/>
+              </a:ext>
+            </a:extLst>
+          </a:blip>
+          <a:stretch>
+            <a:fillRect/>
+          </a:stretch>
+        </p:blipFill>
+        <p:spPr>
+          <a:xfrm>
+            <a:off x="7096928" y="107834"/>
+            <a:ext cx="2047072" cy="273320"/>
+          </a:xfrm>
+          <a:prstGeom prst="rect">
+            <a:avLst/>
+          </a:prstGeom>
+        </p:spPr>
+      </p:pic>
     </p:spTree>
   </p:cSld>
   <p:clrMapOvr>
@@ -8222,53 +13515,6 @@
       </p:sp>
       <p:pic>
         <p:nvPicPr>
-          <p:cNvPr id="1026" name="Picture 2">
-            <a:extLst>
-              <a:ext uri="{FF2B5EF4-FFF2-40B4-BE49-F238E27FC236}">
-                <a16:creationId xmlns:a16="http://schemas.microsoft.com/office/drawing/2014/main" id="{DEA52D06-130D-9453-F59F-3991EDA5C066}"/>
-              </a:ext>
-            </a:extLst>
-          </p:cNvPr>
-          <p:cNvPicPr>
-            <a:picLocks noChangeAspect="1" noChangeArrowheads="1"/>
-          </p:cNvPicPr>
-          <p:nvPr/>
-        </p:nvPicPr>
-        <p:blipFill>
-          <a:blip r:embed="rId2">
-            <a:extLst>
-              <a:ext uri="{28A0092B-C50C-407E-A947-70E740481C1C}">
-                <a14:useLocalDpi xmlns:a14="http://schemas.microsoft.com/office/drawing/2010/main" val="0"/>
-              </a:ext>
-            </a:extLst>
-          </a:blip>
-          <a:srcRect/>
-          <a:stretch>
-            <a:fillRect/>
-          </a:stretch>
-        </p:blipFill>
-        <p:spPr bwMode="auto">
-          <a:xfrm>
-            <a:off x="4707387" y="2001971"/>
-            <a:ext cx="2493029" cy="2343998"/>
-          </a:xfrm>
-          <a:prstGeom prst="rect">
-            <a:avLst/>
-          </a:prstGeom>
-          <a:noFill/>
-          <a:extLst>
-            <a:ext uri="{909E8E84-426E-40DD-AFC4-6F175D3DCCD1}">
-              <a14:hiddenFill xmlns:a14="http://schemas.microsoft.com/office/drawing/2010/main">
-                <a:solidFill>
-                  <a:srgbClr val="FFFFFF"/>
-                </a:solidFill>
-              </a14:hiddenFill>
-            </a:ext>
-          </a:extLst>
-        </p:spPr>
-      </p:pic>
-      <p:pic>
-        <p:nvPicPr>
           <p:cNvPr id="2" name="Imagen 1"/>
           <p:cNvPicPr>
             <a:picLocks noChangeAspect="1"/>
@@ -8276,7 +13522,7 @@
           <p:nvPr/>
         </p:nvPicPr>
         <p:blipFill>
-          <a:blip r:embed="rId3">
+          <a:blip r:embed="rId2">
             <a:extLst>
               <a:ext uri="{28A0092B-C50C-407E-A947-70E740481C1C}">
                 <a14:useLocalDpi xmlns:a14="http://schemas.microsoft.com/office/drawing/2010/main" val="0"/>
@@ -8289,8 +13535,74 @@
         </p:blipFill>
         <p:spPr>
           <a:xfrm>
-            <a:off x="2455033" y="2571750"/>
-            <a:ext cx="1989653" cy="1802622"/>
+            <a:off x="2948626" y="2879185"/>
+            <a:ext cx="1047575" cy="949101"/>
+          </a:xfrm>
+          <a:prstGeom prst="rect">
+            <a:avLst/>
+          </a:prstGeom>
+        </p:spPr>
+      </p:pic>
+      <p:pic>
+        <p:nvPicPr>
+          <p:cNvPr id="10" name="0 Imagen">
+            <a:extLst>
+              <a:ext uri="{FF2B5EF4-FFF2-40B4-BE49-F238E27FC236}">
+                <a16:creationId xmlns:a16="http://schemas.microsoft.com/office/drawing/2014/main" id="{EE2B0835-8115-71AE-18AC-1D5CAA8EBF68}"/>
+              </a:ext>
+            </a:extLst>
+          </p:cNvPr>
+          <p:cNvPicPr>
+            <a:picLocks noChangeAspect="1"/>
+          </p:cNvPicPr>
+          <p:nvPr/>
+        </p:nvPicPr>
+        <p:blipFill>
+          <a:blip r:embed="rId3" cstate="print">
+            <a:extLst>
+              <a:ext uri="{28A0092B-C50C-407E-A947-70E740481C1C}">
+                <a14:useLocalDpi xmlns:a14="http://schemas.microsoft.com/office/drawing/2010/main" val="0"/>
+              </a:ext>
+            </a:extLst>
+          </a:blip>
+          <a:stretch>
+            <a:fillRect/>
+          </a:stretch>
+        </p:blipFill>
+        <p:spPr>
+          <a:xfrm>
+            <a:off x="7096928" y="107834"/>
+            <a:ext cx="2047072" cy="273320"/>
+          </a:xfrm>
+          <a:prstGeom prst="rect">
+            <a:avLst/>
+          </a:prstGeom>
+        </p:spPr>
+      </p:pic>
+      <p:pic>
+        <p:nvPicPr>
+          <p:cNvPr id="12" name="Imagen 11">
+            <a:extLst>
+              <a:ext uri="{FF2B5EF4-FFF2-40B4-BE49-F238E27FC236}">
+                <a16:creationId xmlns:a16="http://schemas.microsoft.com/office/drawing/2014/main" id="{6BD1836F-1CED-70BC-BC23-0F67CCE9B7D6}"/>
+              </a:ext>
+            </a:extLst>
+          </p:cNvPr>
+          <p:cNvPicPr>
+            <a:picLocks noChangeAspect="1"/>
+          </p:cNvPicPr>
+          <p:nvPr/>
+        </p:nvPicPr>
+        <p:blipFill>
+          <a:blip r:embed="rId4"/>
+          <a:stretch>
+            <a:fillRect/>
+          </a:stretch>
+        </p:blipFill>
+        <p:spPr>
+          <a:xfrm>
+            <a:off x="4090331" y="1358309"/>
+            <a:ext cx="2469977" cy="2469977"/>
           </a:xfrm>
           <a:prstGeom prst="rect">
             <a:avLst/>
@@ -8552,6 +13864,42 @@
           </a:p>
         </p:txBody>
       </p:sp>
+      <p:pic>
+        <p:nvPicPr>
+          <p:cNvPr id="7" name="0 Imagen">
+            <a:extLst>
+              <a:ext uri="{FF2B5EF4-FFF2-40B4-BE49-F238E27FC236}">
+                <a16:creationId xmlns:a16="http://schemas.microsoft.com/office/drawing/2014/main" id="{667AB17B-6D23-C2D7-0E36-5D285623536A}"/>
+              </a:ext>
+            </a:extLst>
+          </p:cNvPr>
+          <p:cNvPicPr>
+            <a:picLocks noChangeAspect="1"/>
+          </p:cNvPicPr>
+          <p:nvPr/>
+        </p:nvPicPr>
+        <p:blipFill>
+          <a:blip r:embed="rId2" cstate="print">
+            <a:extLst>
+              <a:ext uri="{28A0092B-C50C-407E-A947-70E740481C1C}">
+                <a14:useLocalDpi xmlns:a14="http://schemas.microsoft.com/office/drawing/2010/main" val="0"/>
+              </a:ext>
+            </a:extLst>
+          </a:blip>
+          <a:stretch>
+            <a:fillRect/>
+          </a:stretch>
+        </p:blipFill>
+        <p:spPr>
+          <a:xfrm>
+            <a:off x="7096928" y="107834"/>
+            <a:ext cx="2047072" cy="273320"/>
+          </a:xfrm>
+          <a:prstGeom prst="rect">
+            <a:avLst/>
+          </a:prstGeom>
+        </p:spPr>
+      </p:pic>
     </p:spTree>
     <p:extLst>
       <p:ext uri="{BB962C8B-B14F-4D97-AF65-F5344CB8AC3E}">
@@ -8765,6 +14113,42 @@
           </a:p>
         </p:txBody>
       </p:sp>
+      <p:pic>
+        <p:nvPicPr>
+          <p:cNvPr id="7" name="0 Imagen">
+            <a:extLst>
+              <a:ext uri="{FF2B5EF4-FFF2-40B4-BE49-F238E27FC236}">
+                <a16:creationId xmlns:a16="http://schemas.microsoft.com/office/drawing/2014/main" id="{F3AE758C-42CE-311D-5E8B-2C81F8F51CE1}"/>
+              </a:ext>
+            </a:extLst>
+          </p:cNvPr>
+          <p:cNvPicPr>
+            <a:picLocks noChangeAspect="1"/>
+          </p:cNvPicPr>
+          <p:nvPr/>
+        </p:nvPicPr>
+        <p:blipFill>
+          <a:blip r:embed="rId2" cstate="print">
+            <a:extLst>
+              <a:ext uri="{28A0092B-C50C-407E-A947-70E740481C1C}">
+                <a14:useLocalDpi xmlns:a14="http://schemas.microsoft.com/office/drawing/2010/main" val="0"/>
+              </a:ext>
+            </a:extLst>
+          </a:blip>
+          <a:stretch>
+            <a:fillRect/>
+          </a:stretch>
+        </p:blipFill>
+        <p:spPr>
+          <a:xfrm>
+            <a:off x="7096928" y="107834"/>
+            <a:ext cx="2047072" cy="273320"/>
+          </a:xfrm>
+          <a:prstGeom prst="rect">
+            <a:avLst/>
+          </a:prstGeom>
+        </p:spPr>
+      </p:pic>
     </p:spTree>
     <p:extLst>
       <p:ext uri="{BB962C8B-B14F-4D97-AF65-F5344CB8AC3E}">
@@ -8871,31 +14255,7 @@
                 <a:ea typeface="Calibri" panose="020F0502020204030204" pitchFamily="34" charset="0"/>
                 <a:cs typeface="Times New Roman" panose="02020603050405020304" pitchFamily="18" charset="0"/>
               </a:rPr>
-              <a:t>Se estudio una variedad de videojuegos, entre los cuales se fueron tomando diversas ideas tales como, que hace disfrutable a esos juegos, que hace que un </a:t>
-            </a:r>
-            <a:r>
-              <a:rPr lang="es-CL" sz="1800" dirty="0" err="1">
-                <a:solidFill>
-                  <a:schemeClr val="tx1"/>
-                </a:solidFill>
-                <a:effectLst/>
-                <a:latin typeface="Arial" panose="020B0604020202020204" pitchFamily="34" charset="0"/>
-                <a:ea typeface="Calibri" panose="020F0502020204030204" pitchFamily="34" charset="0"/>
-                <a:cs typeface="Times New Roman" panose="02020603050405020304" pitchFamily="18" charset="0"/>
-              </a:rPr>
-              <a:t>roguelike</a:t>
-            </a:r>
-            <a:r>
-              <a:rPr lang="es-CL" sz="1800" dirty="0">
-                <a:solidFill>
-                  <a:schemeClr val="tx1"/>
-                </a:solidFill>
-                <a:effectLst/>
-                <a:latin typeface="Arial" panose="020B0604020202020204" pitchFamily="34" charset="0"/>
-                <a:ea typeface="Calibri" panose="020F0502020204030204" pitchFamily="34" charset="0"/>
-                <a:cs typeface="Times New Roman" panose="02020603050405020304" pitchFamily="18" charset="0"/>
-              </a:rPr>
-              <a:t> funcione como tal y como poder hacer un juego que se diferencie del resto.</a:t>
+              <a:t>Se estudio una variedad de videojuegos, entre los cuales se fueron tomando diversas ideas tales como, que hace disfrutable a esos juegos, que hace que un roguelike funcione como tal y como poder hacer un juego que se diferencie del resto.</a:t>
             </a:r>
             <a:endParaRPr lang="es-CL" sz="1800" dirty="0">
               <a:solidFill>
@@ -8912,6 +14272,42 @@
           </a:p>
         </p:txBody>
       </p:sp>
+      <p:pic>
+        <p:nvPicPr>
+          <p:cNvPr id="7" name="0 Imagen">
+            <a:extLst>
+              <a:ext uri="{FF2B5EF4-FFF2-40B4-BE49-F238E27FC236}">
+                <a16:creationId xmlns:a16="http://schemas.microsoft.com/office/drawing/2014/main" id="{F1CB6BB0-6040-1F44-B736-BCD07C89740C}"/>
+              </a:ext>
+            </a:extLst>
+          </p:cNvPr>
+          <p:cNvPicPr>
+            <a:picLocks noChangeAspect="1"/>
+          </p:cNvPicPr>
+          <p:nvPr/>
+        </p:nvPicPr>
+        <p:blipFill>
+          <a:blip r:embed="rId2" cstate="print">
+            <a:extLst>
+              <a:ext uri="{28A0092B-C50C-407E-A947-70E740481C1C}">
+                <a14:useLocalDpi xmlns:a14="http://schemas.microsoft.com/office/drawing/2010/main" val="0"/>
+              </a:ext>
+            </a:extLst>
+          </a:blip>
+          <a:stretch>
+            <a:fillRect/>
+          </a:stretch>
+        </p:blipFill>
+        <p:spPr>
+          <a:xfrm>
+            <a:off x="7096928" y="107834"/>
+            <a:ext cx="2047072" cy="273320"/>
+          </a:xfrm>
+          <a:prstGeom prst="rect">
+            <a:avLst/>
+          </a:prstGeom>
+        </p:spPr>
+      </p:pic>
     </p:spTree>
     <p:extLst>
       <p:ext uri="{BB962C8B-B14F-4D97-AF65-F5344CB8AC3E}">
@@ -8998,6 +14394,42 @@
           </a:p>
         </p:txBody>
       </p:sp>
+      <p:pic>
+        <p:nvPicPr>
+          <p:cNvPr id="6" name="0 Imagen">
+            <a:extLst>
+              <a:ext uri="{FF2B5EF4-FFF2-40B4-BE49-F238E27FC236}">
+                <a16:creationId xmlns:a16="http://schemas.microsoft.com/office/drawing/2014/main" id="{2C777BD4-2AE8-F960-CC69-169C6273069E}"/>
+              </a:ext>
+            </a:extLst>
+          </p:cNvPr>
+          <p:cNvPicPr>
+            <a:picLocks noChangeAspect="1"/>
+          </p:cNvPicPr>
+          <p:nvPr/>
+        </p:nvPicPr>
+        <p:blipFill>
+          <a:blip r:embed="rId2" cstate="print">
+            <a:extLst>
+              <a:ext uri="{28A0092B-C50C-407E-A947-70E740481C1C}">
+                <a14:useLocalDpi xmlns:a14="http://schemas.microsoft.com/office/drawing/2010/main" val="0"/>
+              </a:ext>
+            </a:extLst>
+          </a:blip>
+          <a:stretch>
+            <a:fillRect/>
+          </a:stretch>
+        </p:blipFill>
+        <p:spPr>
+          <a:xfrm>
+            <a:off x="7096928" y="107834"/>
+            <a:ext cx="2047072" cy="273320"/>
+          </a:xfrm>
+          <a:prstGeom prst="rect">
+            <a:avLst/>
+          </a:prstGeom>
+        </p:spPr>
+      </p:pic>
     </p:spTree>
     <p:extLst>
       <p:ext uri="{BB962C8B-B14F-4D97-AF65-F5344CB8AC3E}">
